--- a/slides/icons.pptx
+++ b/slides/icons.pptx
@@ -5,17 +5,13 @@
     <p:sldMasterId id="2147483648" r:id="rId1"/>
   </p:sldMasterIdLst>
   <p:sldIdLst>
-    <p:sldId id="256" r:id="rId2"/>
-    <p:sldId id="257" r:id="rId3"/>
-    <p:sldId id="263" r:id="rId4"/>
-    <p:sldId id="258" r:id="rId5"/>
-    <p:sldId id="264" r:id="rId6"/>
-    <p:sldId id="266" r:id="rId7"/>
-    <p:sldId id="259" r:id="rId8"/>
-    <p:sldId id="260" r:id="rId9"/>
-    <p:sldId id="265" r:id="rId10"/>
-    <p:sldId id="261" r:id="rId11"/>
-    <p:sldId id="262" r:id="rId12"/>
+    <p:sldId id="268" r:id="rId2"/>
+    <p:sldId id="269" r:id="rId3"/>
+    <p:sldId id="274" r:id="rId4"/>
+    <p:sldId id="270" r:id="rId5"/>
+    <p:sldId id="271" r:id="rId6"/>
+    <p:sldId id="272" r:id="rId7"/>
+    <p:sldId id="273" r:id="rId8"/>
   </p:sldIdLst>
   <p:sldSz cx="12192000" cy="6858000"/>
   <p:notesSz cx="6858000" cy="9144000"/>
@@ -269,7 +265,7 @@
           <a:p>
             <a:fld id="{5AEC58D5-D0FD-5D43-AC21-2C9A8E377766}" type="datetimeFigureOut">
               <a:rPr lang="en-US" smtClean="0"/>
-              <a:t>7/4/18</a:t>
+              <a:t>7/22/18</a:t>
             </a:fld>
             <a:endParaRPr lang="en-US"/>
           </a:p>
@@ -467,7 +463,7 @@
           <a:p>
             <a:fld id="{5AEC58D5-D0FD-5D43-AC21-2C9A8E377766}" type="datetimeFigureOut">
               <a:rPr lang="en-US" smtClean="0"/>
-              <a:t>7/4/18</a:t>
+              <a:t>7/22/18</a:t>
             </a:fld>
             <a:endParaRPr lang="en-US"/>
           </a:p>
@@ -675,7 +671,7 @@
           <a:p>
             <a:fld id="{5AEC58D5-D0FD-5D43-AC21-2C9A8E377766}" type="datetimeFigureOut">
               <a:rPr lang="en-US" smtClean="0"/>
-              <a:t>7/4/18</a:t>
+              <a:t>7/22/18</a:t>
             </a:fld>
             <a:endParaRPr lang="en-US"/>
           </a:p>
@@ -873,7 +869,7 @@
           <a:p>
             <a:fld id="{5AEC58D5-D0FD-5D43-AC21-2C9A8E377766}" type="datetimeFigureOut">
               <a:rPr lang="en-US" smtClean="0"/>
-              <a:t>7/4/18</a:t>
+              <a:t>7/22/18</a:t>
             </a:fld>
             <a:endParaRPr lang="en-US"/>
           </a:p>
@@ -1148,7 +1144,7 @@
           <a:p>
             <a:fld id="{5AEC58D5-D0FD-5D43-AC21-2C9A8E377766}" type="datetimeFigureOut">
               <a:rPr lang="en-US" smtClean="0"/>
-              <a:t>7/4/18</a:t>
+              <a:t>7/22/18</a:t>
             </a:fld>
             <a:endParaRPr lang="en-US"/>
           </a:p>
@@ -1413,7 +1409,7 @@
           <a:p>
             <a:fld id="{5AEC58D5-D0FD-5D43-AC21-2C9A8E377766}" type="datetimeFigureOut">
               <a:rPr lang="en-US" smtClean="0"/>
-              <a:t>7/4/18</a:t>
+              <a:t>7/22/18</a:t>
             </a:fld>
             <a:endParaRPr lang="en-US"/>
           </a:p>
@@ -1825,7 +1821,7 @@
           <a:p>
             <a:fld id="{5AEC58D5-D0FD-5D43-AC21-2C9A8E377766}" type="datetimeFigureOut">
               <a:rPr lang="en-US" smtClean="0"/>
-              <a:t>7/4/18</a:t>
+              <a:t>7/22/18</a:t>
             </a:fld>
             <a:endParaRPr lang="en-US"/>
           </a:p>
@@ -1966,7 +1962,7 @@
           <a:p>
             <a:fld id="{5AEC58D5-D0FD-5D43-AC21-2C9A8E377766}" type="datetimeFigureOut">
               <a:rPr lang="en-US" smtClean="0"/>
-              <a:t>7/4/18</a:t>
+              <a:t>7/22/18</a:t>
             </a:fld>
             <a:endParaRPr lang="en-US"/>
           </a:p>
@@ -2079,7 +2075,7 @@
           <a:p>
             <a:fld id="{5AEC58D5-D0FD-5D43-AC21-2C9A8E377766}" type="datetimeFigureOut">
               <a:rPr lang="en-US" smtClean="0"/>
-              <a:t>7/4/18</a:t>
+              <a:t>7/22/18</a:t>
             </a:fld>
             <a:endParaRPr lang="en-US"/>
           </a:p>
@@ -2390,7 +2386,7 @@
           <a:p>
             <a:fld id="{5AEC58D5-D0FD-5D43-AC21-2C9A8E377766}" type="datetimeFigureOut">
               <a:rPr lang="en-US" smtClean="0"/>
-              <a:t>7/4/18</a:t>
+              <a:t>7/22/18</a:t>
             </a:fld>
             <a:endParaRPr lang="en-US"/>
           </a:p>
@@ -2678,7 +2674,7 @@
           <a:p>
             <a:fld id="{5AEC58D5-D0FD-5D43-AC21-2C9A8E377766}" type="datetimeFigureOut">
               <a:rPr lang="en-US" smtClean="0"/>
-              <a:t>7/4/18</a:t>
+              <a:t>7/22/18</a:t>
             </a:fld>
             <a:endParaRPr lang="en-US"/>
           </a:p>
@@ -2919,7 +2915,7 @@
           <a:p>
             <a:fld id="{5AEC58D5-D0FD-5D43-AC21-2C9A8E377766}" type="datetimeFigureOut">
               <a:rPr lang="en-US" smtClean="0"/>
-              <a:t>7/4/18</a:t>
+              <a:t>7/22/18</a:t>
             </a:fld>
             <a:endParaRPr lang="en-US"/>
           </a:p>
@@ -3336,12 +3332,762 @@
           <a:chExt cx="0" cy="0"/>
         </a:xfrm>
       </p:grpSpPr>
+      <p:sp>
+        <p:nvSpPr>
+          <p:cNvPr id="14" name="Rectangle 13">
+            <a:extLst>
+              <a:ext uri="{FF2B5EF4-FFF2-40B4-BE49-F238E27FC236}">
+                <a16:creationId xmlns:a16="http://schemas.microsoft.com/office/drawing/2014/main" id="{1501C727-91FF-0942-A446-4CFC7A0D4D03}"/>
+              </a:ext>
+            </a:extLst>
+          </p:cNvPr>
+          <p:cNvSpPr/>
+          <p:nvPr/>
+        </p:nvSpPr>
+        <p:spPr>
+          <a:xfrm>
+            <a:off x="3968980" y="3201161"/>
+            <a:ext cx="426203" cy="560521"/>
+          </a:xfrm>
+          <a:prstGeom prst="rect">
+            <a:avLst/>
+          </a:prstGeom>
+          <a:solidFill>
+            <a:schemeClr val="tx2">
+              <a:lumMod val="50000"/>
+              <a:lumOff val="50000"/>
+            </a:schemeClr>
+          </a:solidFill>
+          <a:ln>
+            <a:noFill/>
+          </a:ln>
+        </p:spPr>
+        <p:style>
+          <a:lnRef idx="2">
+            <a:schemeClr val="accent1">
+              <a:shade val="50000"/>
+            </a:schemeClr>
+          </a:lnRef>
+          <a:fillRef idx="1">
+            <a:schemeClr val="accent1"/>
+          </a:fillRef>
+          <a:effectRef idx="0">
+            <a:schemeClr val="accent1"/>
+          </a:effectRef>
+          <a:fontRef idx="minor">
+            <a:schemeClr val="lt1"/>
+          </a:fontRef>
+        </p:style>
+        <p:txBody>
+          <a:bodyPr rtlCol="0" anchor="ctr"/>
+          <a:lstStyle/>
+          <a:p>
+            <a:pPr algn="ctr"/>
+            <a:endParaRPr lang="en-US"/>
+          </a:p>
+        </p:txBody>
+      </p:sp>
+      <p:sp>
+        <p:nvSpPr>
+          <p:cNvPr id="2" name="Rectangle 1">
+            <a:extLst>
+              <a:ext uri="{FF2B5EF4-FFF2-40B4-BE49-F238E27FC236}">
+                <a16:creationId xmlns:a16="http://schemas.microsoft.com/office/drawing/2014/main" id="{03EEE3EF-92DF-0D41-B8CF-F0E81611D73B}"/>
+              </a:ext>
+            </a:extLst>
+          </p:cNvPr>
+          <p:cNvSpPr/>
+          <p:nvPr/>
+        </p:nvSpPr>
+        <p:spPr>
+          <a:xfrm>
+            <a:off x="1872685" y="2599311"/>
+            <a:ext cx="426203" cy="309966"/>
+          </a:xfrm>
+          <a:prstGeom prst="rect">
+            <a:avLst/>
+          </a:prstGeom>
+          <a:solidFill>
+            <a:schemeClr val="tx2">
+              <a:lumMod val="50000"/>
+              <a:lumOff val="50000"/>
+            </a:schemeClr>
+          </a:solidFill>
+          <a:ln>
+            <a:noFill/>
+          </a:ln>
+        </p:spPr>
+        <p:style>
+          <a:lnRef idx="2">
+            <a:schemeClr val="accent1">
+              <a:shade val="50000"/>
+            </a:schemeClr>
+          </a:lnRef>
+          <a:fillRef idx="1">
+            <a:schemeClr val="accent1"/>
+          </a:fillRef>
+          <a:effectRef idx="0">
+            <a:schemeClr val="accent1"/>
+          </a:effectRef>
+          <a:fontRef idx="minor">
+            <a:schemeClr val="lt1"/>
+          </a:fontRef>
+        </p:style>
+        <p:txBody>
+          <a:bodyPr rtlCol="0" anchor="ctr"/>
+          <a:lstStyle/>
+          <a:p>
+            <a:pPr algn="ctr"/>
+            <a:endParaRPr lang="en-US"/>
+          </a:p>
+        </p:txBody>
+      </p:sp>
+      <p:sp>
+        <p:nvSpPr>
+          <p:cNvPr id="3" name="Rectangle 2">
+            <a:extLst>
+              <a:ext uri="{FF2B5EF4-FFF2-40B4-BE49-F238E27FC236}">
+                <a16:creationId xmlns:a16="http://schemas.microsoft.com/office/drawing/2014/main" id="{08BCF642-6A9E-5D41-AB96-F40279ABA418}"/>
+              </a:ext>
+            </a:extLst>
+          </p:cNvPr>
+          <p:cNvSpPr/>
+          <p:nvPr/>
+        </p:nvSpPr>
+        <p:spPr>
+          <a:xfrm>
+            <a:off x="2085786" y="2537317"/>
+            <a:ext cx="426203" cy="441701"/>
+          </a:xfrm>
+          <a:prstGeom prst="rect">
+            <a:avLst/>
+          </a:prstGeom>
+          <a:solidFill>
+            <a:schemeClr val="tx1"/>
+          </a:solidFill>
+          <a:ln>
+            <a:noFill/>
+          </a:ln>
+        </p:spPr>
+        <p:style>
+          <a:lnRef idx="2">
+            <a:schemeClr val="accent1">
+              <a:shade val="50000"/>
+            </a:schemeClr>
+          </a:lnRef>
+          <a:fillRef idx="1">
+            <a:schemeClr val="accent1"/>
+          </a:fillRef>
+          <a:effectRef idx="0">
+            <a:schemeClr val="accent1"/>
+          </a:effectRef>
+          <a:fontRef idx="minor">
+            <a:schemeClr val="lt1"/>
+          </a:fontRef>
+        </p:style>
+        <p:txBody>
+          <a:bodyPr rtlCol="0" anchor="ctr"/>
+          <a:lstStyle/>
+          <a:p>
+            <a:pPr algn="ctr"/>
+            <a:endParaRPr lang="en-US"/>
+          </a:p>
+        </p:txBody>
+      </p:sp>
+      <p:sp>
+        <p:nvSpPr>
+          <p:cNvPr id="4" name="Rounded Rectangle 3">
+            <a:extLst>
+              <a:ext uri="{FF2B5EF4-FFF2-40B4-BE49-F238E27FC236}">
+                <a16:creationId xmlns:a16="http://schemas.microsoft.com/office/drawing/2014/main" id="{1209FB9E-0489-4440-837D-DFBABEFE3225}"/>
+              </a:ext>
+            </a:extLst>
+          </p:cNvPr>
+          <p:cNvSpPr/>
+          <p:nvPr/>
+        </p:nvSpPr>
+        <p:spPr>
+          <a:xfrm>
+            <a:off x="2200086" y="2537317"/>
+            <a:ext cx="410705" cy="441701"/>
+          </a:xfrm>
+          <a:prstGeom prst="roundRect">
+            <a:avLst/>
+          </a:prstGeom>
+          <a:solidFill>
+            <a:schemeClr val="tx1"/>
+          </a:solidFill>
+          <a:ln>
+            <a:noFill/>
+          </a:ln>
+        </p:spPr>
+        <p:style>
+          <a:lnRef idx="2">
+            <a:schemeClr val="accent1">
+              <a:shade val="50000"/>
+            </a:schemeClr>
+          </a:lnRef>
+          <a:fillRef idx="1">
+            <a:schemeClr val="accent1"/>
+          </a:fillRef>
+          <a:effectRef idx="0">
+            <a:schemeClr val="accent1"/>
+          </a:effectRef>
+          <a:fontRef idx="minor">
+            <a:schemeClr val="lt1"/>
+          </a:fontRef>
+        </p:style>
+        <p:txBody>
+          <a:bodyPr rtlCol="0" anchor="ctr"/>
+          <a:lstStyle/>
+          <a:p>
+            <a:pPr algn="ctr"/>
+            <a:endParaRPr lang="en-US"/>
+          </a:p>
+        </p:txBody>
+      </p:sp>
+      <p:sp>
+        <p:nvSpPr>
+          <p:cNvPr id="7" name="Block Arc 6">
+            <a:extLst>
+              <a:ext uri="{FF2B5EF4-FFF2-40B4-BE49-F238E27FC236}">
+                <a16:creationId xmlns:a16="http://schemas.microsoft.com/office/drawing/2014/main" id="{023148CF-58B9-A744-94E3-5FC82E89058B}"/>
+              </a:ext>
+            </a:extLst>
+          </p:cNvPr>
+          <p:cNvSpPr/>
+          <p:nvPr/>
+        </p:nvSpPr>
+        <p:spPr>
+          <a:xfrm rot="5400000">
+            <a:off x="4743569" y="2702958"/>
+            <a:ext cx="873723" cy="844658"/>
+          </a:xfrm>
+          <a:prstGeom prst="blockArc">
+            <a:avLst>
+              <a:gd name="adj1" fmla="val 10800000"/>
+              <a:gd name="adj2" fmla="val 85407"/>
+              <a:gd name="adj3" fmla="val 12868"/>
+            </a:avLst>
+          </a:prstGeom>
+          <a:solidFill>
+            <a:schemeClr val="tx1"/>
+          </a:solidFill>
+          <a:ln>
+            <a:noFill/>
+          </a:ln>
+        </p:spPr>
+        <p:style>
+          <a:lnRef idx="2">
+            <a:schemeClr val="accent1">
+              <a:shade val="50000"/>
+            </a:schemeClr>
+          </a:lnRef>
+          <a:fillRef idx="1">
+            <a:schemeClr val="accent1"/>
+          </a:fillRef>
+          <a:effectRef idx="0">
+            <a:schemeClr val="accent1"/>
+          </a:effectRef>
+          <a:fontRef idx="minor">
+            <a:schemeClr val="lt1"/>
+          </a:fontRef>
+        </p:style>
+        <p:txBody>
+          <a:bodyPr rtlCol="0" anchor="ctr"/>
+          <a:lstStyle/>
+          <a:p>
+            <a:pPr algn="ctr"/>
+            <a:endParaRPr lang="en-US">
+              <a:solidFill>
+                <a:schemeClr val="tx1"/>
+              </a:solidFill>
+            </a:endParaRPr>
+          </a:p>
+        </p:txBody>
+      </p:sp>
+      <p:sp>
+        <p:nvSpPr>
+          <p:cNvPr id="8" name="Rectangle 7">
+            <a:extLst>
+              <a:ext uri="{FF2B5EF4-FFF2-40B4-BE49-F238E27FC236}">
+                <a16:creationId xmlns:a16="http://schemas.microsoft.com/office/drawing/2014/main" id="{59D5DBDE-C221-B54A-8EA0-136DFA7E13A5}"/>
+              </a:ext>
+            </a:extLst>
+          </p:cNvPr>
+          <p:cNvSpPr/>
+          <p:nvPr/>
+        </p:nvSpPr>
+        <p:spPr>
+          <a:xfrm>
+            <a:off x="2511989" y="2688427"/>
+            <a:ext cx="2730435" cy="112692"/>
+          </a:xfrm>
+          <a:prstGeom prst="rect">
+            <a:avLst/>
+          </a:prstGeom>
+          <a:solidFill>
+            <a:schemeClr val="tx1"/>
+          </a:solidFill>
+          <a:ln>
+            <a:noFill/>
+          </a:ln>
+        </p:spPr>
+        <p:style>
+          <a:lnRef idx="2">
+            <a:schemeClr val="accent1">
+              <a:shade val="50000"/>
+            </a:schemeClr>
+          </a:lnRef>
+          <a:fillRef idx="1">
+            <a:schemeClr val="accent1"/>
+          </a:fillRef>
+          <a:effectRef idx="0">
+            <a:schemeClr val="accent1"/>
+          </a:effectRef>
+          <a:fontRef idx="minor">
+            <a:schemeClr val="lt1"/>
+          </a:fontRef>
+        </p:style>
+        <p:txBody>
+          <a:bodyPr rtlCol="0" anchor="ctr"/>
+          <a:lstStyle/>
+          <a:p>
+            <a:pPr algn="ctr"/>
+            <a:endParaRPr lang="en-US"/>
+          </a:p>
+        </p:txBody>
+      </p:sp>
+      <p:sp>
+        <p:nvSpPr>
+          <p:cNvPr id="9" name="Rectangle 8">
+            <a:extLst>
+              <a:ext uri="{FF2B5EF4-FFF2-40B4-BE49-F238E27FC236}">
+                <a16:creationId xmlns:a16="http://schemas.microsoft.com/office/drawing/2014/main" id="{781F822A-21AD-E342-8A24-EE94196C473D}"/>
+              </a:ext>
+            </a:extLst>
+          </p:cNvPr>
+          <p:cNvSpPr/>
+          <p:nvPr/>
+        </p:nvSpPr>
+        <p:spPr>
+          <a:xfrm>
+            <a:off x="4297027" y="3440106"/>
+            <a:ext cx="945397" cy="122043"/>
+          </a:xfrm>
+          <a:prstGeom prst="rect">
+            <a:avLst/>
+          </a:prstGeom>
+          <a:solidFill>
+            <a:schemeClr val="tx1"/>
+          </a:solidFill>
+          <a:ln>
+            <a:noFill/>
+          </a:ln>
+        </p:spPr>
+        <p:style>
+          <a:lnRef idx="2">
+            <a:schemeClr val="accent1">
+              <a:shade val="50000"/>
+            </a:schemeClr>
+          </a:lnRef>
+          <a:fillRef idx="1">
+            <a:schemeClr val="accent1"/>
+          </a:fillRef>
+          <a:effectRef idx="0">
+            <a:schemeClr val="accent1"/>
+          </a:effectRef>
+          <a:fontRef idx="minor">
+            <a:schemeClr val="lt1"/>
+          </a:fontRef>
+        </p:style>
+        <p:txBody>
+          <a:bodyPr rtlCol="0" anchor="ctr"/>
+          <a:lstStyle/>
+          <a:p>
+            <a:pPr algn="ctr"/>
+            <a:endParaRPr lang="en-US"/>
+          </a:p>
+        </p:txBody>
+      </p:sp>
+      <p:sp>
+        <p:nvSpPr>
+          <p:cNvPr id="10" name="Rectangle 9">
+            <a:extLst>
+              <a:ext uri="{FF2B5EF4-FFF2-40B4-BE49-F238E27FC236}">
+                <a16:creationId xmlns:a16="http://schemas.microsoft.com/office/drawing/2014/main" id="{4C84E927-EAC9-8E44-8E57-BCB8B0A16EB3}"/>
+              </a:ext>
+            </a:extLst>
+          </p:cNvPr>
+          <p:cNvSpPr/>
+          <p:nvPr/>
+        </p:nvSpPr>
+        <p:spPr>
+          <a:xfrm>
+            <a:off x="4244075" y="3159193"/>
+            <a:ext cx="426203" cy="674183"/>
+          </a:xfrm>
+          <a:prstGeom prst="rect">
+            <a:avLst/>
+          </a:prstGeom>
+          <a:solidFill>
+            <a:schemeClr val="tx1"/>
+          </a:solidFill>
+          <a:ln>
+            <a:noFill/>
+          </a:ln>
+        </p:spPr>
+        <p:style>
+          <a:lnRef idx="2">
+            <a:schemeClr val="accent1">
+              <a:shade val="50000"/>
+            </a:schemeClr>
+          </a:lnRef>
+          <a:fillRef idx="1">
+            <a:schemeClr val="accent1"/>
+          </a:fillRef>
+          <a:effectRef idx="0">
+            <a:schemeClr val="accent1"/>
+          </a:effectRef>
+          <a:fontRef idx="minor">
+            <a:schemeClr val="lt1"/>
+          </a:fontRef>
+        </p:style>
+        <p:txBody>
+          <a:bodyPr rtlCol="0" anchor="ctr"/>
+          <a:lstStyle/>
+          <a:p>
+            <a:pPr algn="ctr"/>
+            <a:endParaRPr lang="en-US"/>
+          </a:p>
+        </p:txBody>
+      </p:sp>
+      <p:sp>
+        <p:nvSpPr>
+          <p:cNvPr id="11" name="Rounded Rectangle 10">
+            <a:extLst>
+              <a:ext uri="{FF2B5EF4-FFF2-40B4-BE49-F238E27FC236}">
+                <a16:creationId xmlns:a16="http://schemas.microsoft.com/office/drawing/2014/main" id="{51B0BD4A-7728-4443-B4F6-DA21B6BC255D}"/>
+              </a:ext>
+            </a:extLst>
+          </p:cNvPr>
+          <p:cNvSpPr/>
+          <p:nvPr/>
+        </p:nvSpPr>
+        <p:spPr>
+          <a:xfrm>
+            <a:off x="4358375" y="3159193"/>
+            <a:ext cx="410705" cy="674183"/>
+          </a:xfrm>
+          <a:prstGeom prst="roundRect">
+            <a:avLst/>
+          </a:prstGeom>
+          <a:solidFill>
+            <a:schemeClr val="tx1"/>
+          </a:solidFill>
+          <a:ln>
+            <a:noFill/>
+          </a:ln>
+        </p:spPr>
+        <p:style>
+          <a:lnRef idx="2">
+            <a:schemeClr val="accent1">
+              <a:shade val="50000"/>
+            </a:schemeClr>
+          </a:lnRef>
+          <a:fillRef idx="1">
+            <a:schemeClr val="accent1"/>
+          </a:fillRef>
+          <a:effectRef idx="0">
+            <a:schemeClr val="accent1"/>
+          </a:effectRef>
+          <a:fontRef idx="minor">
+            <a:schemeClr val="lt1"/>
+          </a:fontRef>
+        </p:style>
+        <p:txBody>
+          <a:bodyPr rtlCol="0" anchor="ctr"/>
+          <a:lstStyle/>
+          <a:p>
+            <a:pPr algn="ctr"/>
+            <a:endParaRPr lang="en-US"/>
+          </a:p>
+        </p:txBody>
+      </p:sp>
+      <p:sp>
+        <p:nvSpPr>
+          <p:cNvPr id="12" name="Rectangle 11">
+            <a:extLst>
+              <a:ext uri="{FF2B5EF4-FFF2-40B4-BE49-F238E27FC236}">
+                <a16:creationId xmlns:a16="http://schemas.microsoft.com/office/drawing/2014/main" id="{ED5F394E-3581-F04E-96F2-DEED2DD5AF16}"/>
+              </a:ext>
+            </a:extLst>
+          </p:cNvPr>
+          <p:cNvSpPr/>
+          <p:nvPr/>
+        </p:nvSpPr>
+        <p:spPr>
+          <a:xfrm rot="10800000">
+            <a:off x="3711321" y="3159194"/>
+            <a:ext cx="426203" cy="674183"/>
+          </a:xfrm>
+          <a:prstGeom prst="rect">
+            <a:avLst/>
+          </a:prstGeom>
+          <a:solidFill>
+            <a:schemeClr val="tx1"/>
+          </a:solidFill>
+          <a:ln>
+            <a:noFill/>
+          </a:ln>
+        </p:spPr>
+        <p:style>
+          <a:lnRef idx="2">
+            <a:schemeClr val="accent1">
+              <a:shade val="50000"/>
+            </a:schemeClr>
+          </a:lnRef>
+          <a:fillRef idx="1">
+            <a:schemeClr val="accent1"/>
+          </a:fillRef>
+          <a:effectRef idx="0">
+            <a:schemeClr val="accent1"/>
+          </a:effectRef>
+          <a:fontRef idx="minor">
+            <a:schemeClr val="lt1"/>
+          </a:fontRef>
+        </p:style>
+        <p:txBody>
+          <a:bodyPr rtlCol="0" anchor="ctr"/>
+          <a:lstStyle/>
+          <a:p>
+            <a:pPr algn="ctr"/>
+            <a:endParaRPr lang="en-US"/>
+          </a:p>
+        </p:txBody>
+      </p:sp>
+      <p:sp>
+        <p:nvSpPr>
+          <p:cNvPr id="13" name="Rounded Rectangle 12">
+            <a:extLst>
+              <a:ext uri="{FF2B5EF4-FFF2-40B4-BE49-F238E27FC236}">
+                <a16:creationId xmlns:a16="http://schemas.microsoft.com/office/drawing/2014/main" id="{DBAF2517-FE1F-B34C-BD91-503D5E4EC163}"/>
+              </a:ext>
+            </a:extLst>
+          </p:cNvPr>
+          <p:cNvSpPr/>
+          <p:nvPr/>
+        </p:nvSpPr>
+        <p:spPr>
+          <a:xfrm rot="10800000">
+            <a:off x="3565378" y="3159193"/>
+            <a:ext cx="410705" cy="674183"/>
+          </a:xfrm>
+          <a:prstGeom prst="roundRect">
+            <a:avLst/>
+          </a:prstGeom>
+          <a:solidFill>
+            <a:schemeClr val="tx1"/>
+          </a:solidFill>
+          <a:ln>
+            <a:noFill/>
+          </a:ln>
+        </p:spPr>
+        <p:style>
+          <a:lnRef idx="2">
+            <a:schemeClr val="accent1">
+              <a:shade val="50000"/>
+            </a:schemeClr>
+          </a:lnRef>
+          <a:fillRef idx="1">
+            <a:schemeClr val="accent1"/>
+          </a:fillRef>
+          <a:effectRef idx="0">
+            <a:schemeClr val="accent1"/>
+          </a:effectRef>
+          <a:fontRef idx="minor">
+            <a:schemeClr val="lt1"/>
+          </a:fontRef>
+        </p:style>
+        <p:txBody>
+          <a:bodyPr rtlCol="0" anchor="ctr"/>
+          <a:lstStyle/>
+          <a:p>
+            <a:pPr algn="ctr"/>
+            <a:endParaRPr lang="en-US"/>
+          </a:p>
+        </p:txBody>
+      </p:sp>
+      <p:sp>
+        <p:nvSpPr>
+          <p:cNvPr id="15" name="Rectangle 14">
+            <a:extLst>
+              <a:ext uri="{FF2B5EF4-FFF2-40B4-BE49-F238E27FC236}">
+                <a16:creationId xmlns:a16="http://schemas.microsoft.com/office/drawing/2014/main" id="{1E3D6D78-A991-C740-9E4D-E1D18A9D8B5A}"/>
+              </a:ext>
+            </a:extLst>
+          </p:cNvPr>
+          <p:cNvSpPr/>
+          <p:nvPr/>
+        </p:nvSpPr>
+        <p:spPr>
+          <a:xfrm>
+            <a:off x="2748488" y="3420399"/>
+            <a:ext cx="945397" cy="122043"/>
+          </a:xfrm>
+          <a:prstGeom prst="rect">
+            <a:avLst/>
+          </a:prstGeom>
+          <a:solidFill>
+            <a:schemeClr val="tx1"/>
+          </a:solidFill>
+          <a:ln>
+            <a:noFill/>
+          </a:ln>
+        </p:spPr>
+        <p:style>
+          <a:lnRef idx="2">
+            <a:schemeClr val="accent1">
+              <a:shade val="50000"/>
+            </a:schemeClr>
+          </a:lnRef>
+          <a:fillRef idx="1">
+            <a:schemeClr val="accent1"/>
+          </a:fillRef>
+          <a:effectRef idx="0">
+            <a:schemeClr val="accent1"/>
+          </a:effectRef>
+          <a:fontRef idx="minor">
+            <a:schemeClr val="lt1"/>
+          </a:fontRef>
+        </p:style>
+        <p:txBody>
+          <a:bodyPr rtlCol="0" anchor="ctr"/>
+          <a:lstStyle/>
+          <a:p>
+            <a:pPr algn="ctr"/>
+            <a:endParaRPr lang="en-US"/>
+          </a:p>
+        </p:txBody>
+      </p:sp>
+      <p:sp>
+        <p:nvSpPr>
+          <p:cNvPr id="16" name="Block Arc 15">
+            <a:extLst>
+              <a:ext uri="{FF2B5EF4-FFF2-40B4-BE49-F238E27FC236}">
+                <a16:creationId xmlns:a16="http://schemas.microsoft.com/office/drawing/2014/main" id="{FFE60701-AF2A-5541-BD53-2F4931200188}"/>
+              </a:ext>
+            </a:extLst>
+          </p:cNvPr>
+          <p:cNvSpPr/>
+          <p:nvPr/>
+        </p:nvSpPr>
+        <p:spPr>
+          <a:xfrm rot="16200000">
+            <a:off x="2385243" y="3436544"/>
+            <a:ext cx="873723" cy="844658"/>
+          </a:xfrm>
+          <a:prstGeom prst="blockArc">
+            <a:avLst>
+              <a:gd name="adj1" fmla="val 10800000"/>
+              <a:gd name="adj2" fmla="val 85407"/>
+              <a:gd name="adj3" fmla="val 12868"/>
+            </a:avLst>
+          </a:prstGeom>
+          <a:solidFill>
+            <a:schemeClr val="tx1"/>
+          </a:solidFill>
+          <a:ln>
+            <a:noFill/>
+          </a:ln>
+        </p:spPr>
+        <p:style>
+          <a:lnRef idx="2">
+            <a:schemeClr val="accent1">
+              <a:shade val="50000"/>
+            </a:schemeClr>
+          </a:lnRef>
+          <a:fillRef idx="1">
+            <a:schemeClr val="accent1"/>
+          </a:fillRef>
+          <a:effectRef idx="0">
+            <a:schemeClr val="accent1"/>
+          </a:effectRef>
+          <a:fontRef idx="minor">
+            <a:schemeClr val="lt1"/>
+          </a:fontRef>
+        </p:style>
+        <p:txBody>
+          <a:bodyPr rtlCol="0" anchor="ctr"/>
+          <a:lstStyle/>
+          <a:p>
+            <a:pPr algn="ctr"/>
+            <a:endParaRPr lang="en-US">
+              <a:solidFill>
+                <a:schemeClr val="tx1"/>
+              </a:solidFill>
+            </a:endParaRPr>
+          </a:p>
+        </p:txBody>
+      </p:sp>
+      <p:sp>
+        <p:nvSpPr>
+          <p:cNvPr id="17" name="Rectangle 16">
+            <a:extLst>
+              <a:ext uri="{FF2B5EF4-FFF2-40B4-BE49-F238E27FC236}">
+                <a16:creationId xmlns:a16="http://schemas.microsoft.com/office/drawing/2014/main" id="{F15CD199-1441-034E-B737-D5D4686F91F1}"/>
+              </a:ext>
+            </a:extLst>
+          </p:cNvPr>
+          <p:cNvSpPr/>
+          <p:nvPr/>
+        </p:nvSpPr>
+        <p:spPr>
+          <a:xfrm>
+            <a:off x="2802731" y="4181430"/>
+            <a:ext cx="2010906" cy="127861"/>
+          </a:xfrm>
+          <a:prstGeom prst="rect">
+            <a:avLst/>
+          </a:prstGeom>
+          <a:solidFill>
+            <a:schemeClr val="tx1"/>
+          </a:solidFill>
+          <a:ln>
+            <a:noFill/>
+          </a:ln>
+        </p:spPr>
+        <p:style>
+          <a:lnRef idx="2">
+            <a:schemeClr val="accent1">
+              <a:shade val="50000"/>
+            </a:schemeClr>
+          </a:lnRef>
+          <a:fillRef idx="1">
+            <a:schemeClr val="accent1"/>
+          </a:fillRef>
+          <a:effectRef idx="0">
+            <a:schemeClr val="accent1"/>
+          </a:effectRef>
+          <a:fontRef idx="minor">
+            <a:schemeClr val="lt1"/>
+          </a:fontRef>
+        </p:style>
+        <p:txBody>
+          <a:bodyPr rtlCol="0" anchor="ctr"/>
+          <a:lstStyle/>
+          <a:p>
+            <a:pPr algn="ctr"/>
+            <a:endParaRPr lang="en-US"/>
+          </a:p>
+        </p:txBody>
+      </p:sp>
       <p:pic>
         <p:nvPicPr>
-          <p:cNvPr id="2" name="Picture 1">
-            <a:extLst>
-              <a:ext uri="{FF2B5EF4-FFF2-40B4-BE49-F238E27FC236}">
-                <a16:creationId xmlns:a16="http://schemas.microsoft.com/office/drawing/2014/main" id="{AFEC0FB9-6905-B140-BE5A-9455DCF5B271}"/>
+          <p:cNvPr id="19" name="Picture 18">
+            <a:extLst>
+              <a:ext uri="{FF2B5EF4-FFF2-40B4-BE49-F238E27FC236}">
+                <a16:creationId xmlns:a16="http://schemas.microsoft.com/office/drawing/2014/main" id="{69DF0D23-B167-4F44-B29F-7A376485A595}"/>
               </a:ext>
             </a:extLst>
           </p:cNvPr>
@@ -3363,9 +4109,9 @@
           </a:stretch>
         </p:blipFill>
         <p:spPr>
-          <a:xfrm>
-            <a:off x="1044123" y="3706789"/>
-            <a:ext cx="1729786" cy="1729786"/>
+          <a:xfrm rot="16200000">
+            <a:off x="4429760" y="3322053"/>
+            <a:ext cx="1827463" cy="1827463"/>
           </a:xfrm>
           <a:prstGeom prst="rect">
             <a:avLst/>
@@ -3374,10 +4120,10 @@
       </p:pic>
       <p:pic>
         <p:nvPicPr>
-          <p:cNvPr id="3" name="Picture 2">
-            <a:extLst>
-              <a:ext uri="{FF2B5EF4-FFF2-40B4-BE49-F238E27FC236}">
-                <a16:creationId xmlns:a16="http://schemas.microsoft.com/office/drawing/2014/main" id="{C1917966-08E5-3742-B635-8F16F7E41DE3}"/>
+          <p:cNvPr id="20" name="Picture 19">
+            <a:extLst>
+              <a:ext uri="{FF2B5EF4-FFF2-40B4-BE49-F238E27FC236}">
+                <a16:creationId xmlns:a16="http://schemas.microsoft.com/office/drawing/2014/main" id="{7DD12F39-07A9-1C43-BC38-49B5F6FAC5EF}"/>
               </a:ext>
             </a:extLst>
           </p:cNvPr>
@@ -3387,21 +4133,15 @@
           <p:nvPr/>
         </p:nvPicPr>
         <p:blipFill>
-          <a:blip r:embed="rId3">
-            <a:extLst>
-              <a:ext uri="{28A0092B-C50C-407E-A947-70E740481C1C}">
-                <a14:useLocalDpi xmlns:a14="http://schemas.microsoft.com/office/drawing/2010/main" val="0"/>
-              </a:ext>
-            </a:extLst>
-          </a:blip>
+          <a:blip r:embed="rId3"/>
           <a:stretch>
             <a:fillRect/>
           </a:stretch>
         </p:blipFill>
         <p:spPr>
           <a:xfrm>
-            <a:off x="2442464" y="602407"/>
-            <a:ext cx="2181526" cy="1822216"/>
+            <a:off x="7884252" y="2387316"/>
+            <a:ext cx="2917610" cy="2188208"/>
           </a:xfrm>
           <a:prstGeom prst="rect">
             <a:avLst/>
@@ -3410,10 +4150,10 @@
       </p:pic>
       <p:sp>
         <p:nvSpPr>
-          <p:cNvPr id="4" name="TextBox 3">
-            <a:extLst>
-              <a:ext uri="{FF2B5EF4-FFF2-40B4-BE49-F238E27FC236}">
-                <a16:creationId xmlns:a16="http://schemas.microsoft.com/office/drawing/2014/main" id="{BF0AC0DA-AA6F-DC49-8293-813E9A575BF3}"/>
+          <p:cNvPr id="21" name="TextBox 20">
+            <a:extLst>
+              <a:ext uri="{FF2B5EF4-FFF2-40B4-BE49-F238E27FC236}">
+                <a16:creationId xmlns:a16="http://schemas.microsoft.com/office/drawing/2014/main" id="{ABC21D7E-CFAA-4D46-A7E8-BD99213BDA8F}"/>
               </a:ext>
             </a:extLst>
           </p:cNvPr>
@@ -3422,8 +4162,8 @@
         </p:nvSpPr>
         <p:spPr>
           <a:xfrm>
-            <a:off x="4781227" y="1084882"/>
-            <a:ext cx="2723823" cy="646331"/>
+            <a:off x="2438996" y="1327760"/>
+            <a:ext cx="2720617" cy="369332"/>
           </a:xfrm>
           <a:prstGeom prst="rect">
             <a:avLst/>
@@ -3437,1317 +4177,21 @@
           <a:lstStyle/>
           <a:p>
             <a:r>
+              <a:rPr lang="en-US" dirty="0"/>
+              <a:t>(1) USB</a:t>
+            </a:r>
+            <a:r>
               <a:rPr lang="ja-JP" altLang="en-US"/>
-              <a:t>バッファローのルーター</a:t>
-            </a:r>
-            <a:endParaRPr lang="en-US" altLang="ja-JP" dirty="0"/>
-          </a:p>
-          <a:p>
-            <a:r>
-              <a:rPr lang="en-US" dirty="0"/>
-              <a:t>Buffalo</a:t>
-            </a:r>
-            <a:r>
-              <a:rPr lang="ja-JP" altLang="en-US"/>
-              <a:t>といれてください</a:t>
+              <a:t>シリアルケーブル</a:t>
             </a:r>
             <a:endParaRPr lang="en-US" dirty="0"/>
-          </a:p>
-        </p:txBody>
-      </p:sp>
-      <p:sp>
-        <p:nvSpPr>
-          <p:cNvPr id="5" name="TextBox 4">
-            <a:extLst>
-              <a:ext uri="{FF2B5EF4-FFF2-40B4-BE49-F238E27FC236}">
-                <a16:creationId xmlns:a16="http://schemas.microsoft.com/office/drawing/2014/main" id="{F70CA380-F814-014D-AF9F-D43A76D22E9A}"/>
-              </a:ext>
-            </a:extLst>
-          </p:cNvPr>
-          <p:cNvSpPr txBox="1"/>
-          <p:nvPr/>
-        </p:nvSpPr>
-        <p:spPr>
-          <a:xfrm>
-            <a:off x="3533227" y="4112260"/>
-            <a:ext cx="4801314" cy="1477328"/>
-          </a:xfrm>
-          <a:prstGeom prst="rect">
-            <a:avLst/>
-          </a:prstGeom>
-          <a:noFill/>
-        </p:spPr>
-        <p:txBody>
-          <a:bodyPr wrap="none" rtlCol="0">
-            <a:spAutoFit/>
-          </a:bodyPr>
-          <a:lstStyle/>
-          <a:p>
-            <a:r>
-              <a:rPr lang="ja-JP" altLang="en-US"/>
-              <a:t>バッファローのスイッチ</a:t>
-            </a:r>
-            <a:endParaRPr lang="en-US" altLang="ja-JP" dirty="0"/>
-          </a:p>
-          <a:p>
-            <a:r>
-              <a:rPr lang="en-US" dirty="0"/>
-              <a:t>Buffalo</a:t>
-            </a:r>
-            <a:r>
-              <a:rPr lang="ja-JP" altLang="en-US"/>
-              <a:t>といれてください</a:t>
-            </a:r>
-            <a:endParaRPr lang="en-US" altLang="ja-JP" dirty="0"/>
-          </a:p>
-          <a:p>
-            <a:r>
-              <a:rPr lang="ja-JP" altLang="en-US"/>
-              <a:t>前に作ってもらった右の左側ポートを削り、</a:t>
-            </a:r>
-            <a:endParaRPr lang="en-US" altLang="ja-JP" dirty="0"/>
-          </a:p>
-          <a:p>
-            <a:r>
-              <a:rPr lang="ja-JP" altLang="en-US"/>
-              <a:t>それっぽくしてください。</a:t>
-            </a:r>
-            <a:endParaRPr lang="en-US" altLang="ja-JP" dirty="0"/>
-          </a:p>
-          <a:p>
-            <a:endParaRPr lang="en-US" altLang="ja-JP" dirty="0"/>
-          </a:p>
-        </p:txBody>
-      </p:sp>
-      <p:pic>
-        <p:nvPicPr>
-          <p:cNvPr id="6" name="Picture 5">
-            <a:extLst>
-              <a:ext uri="{FF2B5EF4-FFF2-40B4-BE49-F238E27FC236}">
-                <a16:creationId xmlns:a16="http://schemas.microsoft.com/office/drawing/2014/main" id="{15EA8188-AA25-6944-8ACC-1026A31A65BA}"/>
-              </a:ext>
-            </a:extLst>
-          </p:cNvPr>
-          <p:cNvPicPr>
-            <a:picLocks noChangeAspect="1"/>
-          </p:cNvPicPr>
-          <p:nvPr/>
-        </p:nvPicPr>
-        <p:blipFill>
-          <a:blip r:embed="rId4">
-            <a:extLst>
-              <a:ext uri="{28A0092B-C50C-407E-A947-70E740481C1C}">
-                <a14:useLocalDpi xmlns:a14="http://schemas.microsoft.com/office/drawing/2010/main" val="0"/>
-              </a:ext>
-            </a:extLst>
-          </a:blip>
-          <a:stretch>
-            <a:fillRect/>
-          </a:stretch>
-        </p:blipFill>
-        <p:spPr>
-          <a:xfrm>
-            <a:off x="8198856" y="3334963"/>
-            <a:ext cx="3002896" cy="3002896"/>
-          </a:xfrm>
-          <a:prstGeom prst="rect">
-            <a:avLst/>
-          </a:prstGeom>
-        </p:spPr>
-      </p:pic>
-      <p:sp>
-        <p:nvSpPr>
-          <p:cNvPr id="7" name="Trapezoid 6">
-            <a:extLst>
-              <a:ext uri="{FF2B5EF4-FFF2-40B4-BE49-F238E27FC236}">
-                <a16:creationId xmlns:a16="http://schemas.microsoft.com/office/drawing/2014/main" id="{387D5D76-328E-374D-AF29-5C8A1EF9385B}"/>
-              </a:ext>
-            </a:extLst>
-          </p:cNvPr>
-          <p:cNvSpPr/>
-          <p:nvPr/>
-        </p:nvSpPr>
-        <p:spPr>
-          <a:xfrm>
-            <a:off x="8105612" y="2265765"/>
-            <a:ext cx="1573080" cy="317715"/>
-          </a:xfrm>
-          <a:prstGeom prst="trapezoid">
-            <a:avLst/>
-          </a:prstGeom>
-          <a:solidFill>
-            <a:schemeClr val="tx1"/>
-          </a:solidFill>
-          <a:ln>
-            <a:noFill/>
-          </a:ln>
-        </p:spPr>
-        <p:style>
-          <a:lnRef idx="2">
-            <a:schemeClr val="accent1">
-              <a:shade val="50000"/>
-            </a:schemeClr>
-          </a:lnRef>
-          <a:fillRef idx="1">
-            <a:schemeClr val="accent1"/>
-          </a:fillRef>
-          <a:effectRef idx="0">
-            <a:schemeClr val="accent1"/>
-          </a:effectRef>
-          <a:fontRef idx="minor">
-            <a:schemeClr val="lt1"/>
-          </a:fontRef>
-        </p:style>
-        <p:txBody>
-          <a:bodyPr rtlCol="0" anchor="ctr"/>
-          <a:lstStyle/>
-          <a:p>
-            <a:pPr algn="ctr"/>
-            <a:endParaRPr lang="en-US"/>
-          </a:p>
-        </p:txBody>
-      </p:sp>
-      <p:sp>
-        <p:nvSpPr>
-          <p:cNvPr id="8" name="Rectangle 7">
-            <a:extLst>
-              <a:ext uri="{FF2B5EF4-FFF2-40B4-BE49-F238E27FC236}">
-                <a16:creationId xmlns:a16="http://schemas.microsoft.com/office/drawing/2014/main" id="{8EE555B4-C000-0743-AE5A-7A35735FE5A4}"/>
-              </a:ext>
-            </a:extLst>
-          </p:cNvPr>
-          <p:cNvSpPr/>
-          <p:nvPr/>
-        </p:nvSpPr>
-        <p:spPr>
-          <a:xfrm>
-            <a:off x="8353584" y="1009778"/>
-            <a:ext cx="1046137" cy="1441343"/>
-          </a:xfrm>
-          <a:prstGeom prst="rect">
-            <a:avLst/>
-          </a:prstGeom>
-          <a:solidFill>
-            <a:schemeClr val="tx1"/>
-          </a:solidFill>
-          <a:ln w="38100">
-            <a:solidFill>
-              <a:schemeClr val="bg1"/>
-            </a:solidFill>
-          </a:ln>
-        </p:spPr>
-        <p:style>
-          <a:lnRef idx="2">
-            <a:schemeClr val="accent1">
-              <a:shade val="50000"/>
-            </a:schemeClr>
-          </a:lnRef>
-          <a:fillRef idx="1">
-            <a:schemeClr val="accent1"/>
-          </a:fillRef>
-          <a:effectRef idx="0">
-            <a:schemeClr val="accent1"/>
-          </a:effectRef>
-          <a:fontRef idx="minor">
-            <a:schemeClr val="lt1"/>
-          </a:fontRef>
-        </p:style>
-        <p:txBody>
-          <a:bodyPr rtlCol="0" anchor="ctr"/>
-          <a:lstStyle/>
-          <a:p>
-            <a:pPr algn="ctr"/>
-            <a:endParaRPr lang="en-US"/>
-          </a:p>
-        </p:txBody>
-      </p:sp>
-      <p:sp>
-        <p:nvSpPr>
-          <p:cNvPr id="9" name="Rectangle 8">
-            <a:extLst>
-              <a:ext uri="{FF2B5EF4-FFF2-40B4-BE49-F238E27FC236}">
-                <a16:creationId xmlns:a16="http://schemas.microsoft.com/office/drawing/2014/main" id="{D3000912-DB07-414C-A562-DA3E4D4932A6}"/>
-              </a:ext>
-            </a:extLst>
-          </p:cNvPr>
-          <p:cNvSpPr/>
-          <p:nvPr/>
-        </p:nvSpPr>
-        <p:spPr>
-          <a:xfrm rot="19118159">
-            <a:off x="9138501" y="861329"/>
-            <a:ext cx="676477" cy="147793"/>
-          </a:xfrm>
-          <a:prstGeom prst="rect">
-            <a:avLst/>
-          </a:prstGeom>
-          <a:solidFill>
-            <a:schemeClr val="tx1"/>
-          </a:solidFill>
-          <a:ln w="38100">
-            <a:solidFill>
-              <a:schemeClr val="bg1"/>
-            </a:solidFill>
-          </a:ln>
-        </p:spPr>
-        <p:style>
-          <a:lnRef idx="2">
-            <a:schemeClr val="accent1">
-              <a:shade val="50000"/>
-            </a:schemeClr>
-          </a:lnRef>
-          <a:fillRef idx="1">
-            <a:schemeClr val="accent1"/>
-          </a:fillRef>
-          <a:effectRef idx="0">
-            <a:schemeClr val="accent1"/>
-          </a:effectRef>
-          <a:fontRef idx="minor">
-            <a:schemeClr val="lt1"/>
-          </a:fontRef>
-        </p:style>
-        <p:txBody>
-          <a:bodyPr rtlCol="0" anchor="ctr"/>
-          <a:lstStyle/>
-          <a:p>
-            <a:pPr algn="ctr"/>
-            <a:endParaRPr lang="en-US"/>
-          </a:p>
-        </p:txBody>
-      </p:sp>
-      <p:sp>
-        <p:nvSpPr>
-          <p:cNvPr id="10" name="Rectangle 9">
-            <a:extLst>
-              <a:ext uri="{FF2B5EF4-FFF2-40B4-BE49-F238E27FC236}">
-                <a16:creationId xmlns:a16="http://schemas.microsoft.com/office/drawing/2014/main" id="{B61707C8-B678-094A-BE4A-BBF38F7661B3}"/>
-              </a:ext>
-            </a:extLst>
-          </p:cNvPr>
-          <p:cNvSpPr/>
-          <p:nvPr/>
-        </p:nvSpPr>
-        <p:spPr>
-          <a:xfrm rot="13371952">
-            <a:off x="7981296" y="874245"/>
-            <a:ext cx="676477" cy="147793"/>
-          </a:xfrm>
-          <a:prstGeom prst="rect">
-            <a:avLst/>
-          </a:prstGeom>
-          <a:solidFill>
-            <a:schemeClr val="tx1"/>
-          </a:solidFill>
-          <a:ln w="38100">
-            <a:solidFill>
-              <a:schemeClr val="bg1"/>
-            </a:solidFill>
-          </a:ln>
-        </p:spPr>
-        <p:style>
-          <a:lnRef idx="2">
-            <a:schemeClr val="accent1">
-              <a:shade val="50000"/>
-            </a:schemeClr>
-          </a:lnRef>
-          <a:fillRef idx="1">
-            <a:schemeClr val="accent1"/>
-          </a:fillRef>
-          <a:effectRef idx="0">
-            <a:schemeClr val="accent1"/>
-          </a:effectRef>
-          <a:fontRef idx="minor">
-            <a:schemeClr val="lt1"/>
-          </a:fontRef>
-        </p:style>
-        <p:txBody>
-          <a:bodyPr rtlCol="0" anchor="ctr"/>
-          <a:lstStyle/>
-          <a:p>
-            <a:pPr algn="ctr"/>
-            <a:endParaRPr lang="en-US"/>
-          </a:p>
-        </p:txBody>
-      </p:sp>
-      <p:sp>
-        <p:nvSpPr>
-          <p:cNvPr id="11" name="Oval 10">
-            <a:extLst>
-              <a:ext uri="{FF2B5EF4-FFF2-40B4-BE49-F238E27FC236}">
-                <a16:creationId xmlns:a16="http://schemas.microsoft.com/office/drawing/2014/main" id="{568B5477-A1DC-5647-A11A-023AD311B20E}"/>
-              </a:ext>
-            </a:extLst>
-          </p:cNvPr>
-          <p:cNvSpPr/>
-          <p:nvPr/>
-        </p:nvSpPr>
-        <p:spPr>
-          <a:xfrm>
-            <a:off x="9190496" y="1425844"/>
-            <a:ext cx="92990" cy="92990"/>
-          </a:xfrm>
-          <a:prstGeom prst="ellipse">
-            <a:avLst/>
-          </a:prstGeom>
-          <a:solidFill>
-            <a:schemeClr val="bg1"/>
-          </a:solidFill>
-          <a:ln>
-            <a:noFill/>
-          </a:ln>
-        </p:spPr>
-        <p:style>
-          <a:lnRef idx="2">
-            <a:schemeClr val="accent1">
-              <a:shade val="50000"/>
-            </a:schemeClr>
-          </a:lnRef>
-          <a:fillRef idx="1">
-            <a:schemeClr val="accent1"/>
-          </a:fillRef>
-          <a:effectRef idx="0">
-            <a:schemeClr val="accent1"/>
-          </a:effectRef>
-          <a:fontRef idx="minor">
-            <a:schemeClr val="lt1"/>
-          </a:fontRef>
-        </p:style>
-        <p:txBody>
-          <a:bodyPr rtlCol="0" anchor="ctr"/>
-          <a:lstStyle/>
-          <a:p>
-            <a:pPr algn="ctr"/>
-            <a:endParaRPr lang="en-US"/>
-          </a:p>
-        </p:txBody>
-      </p:sp>
-      <p:sp>
-        <p:nvSpPr>
-          <p:cNvPr id="12" name="Oval 11">
-            <a:extLst>
-              <a:ext uri="{FF2B5EF4-FFF2-40B4-BE49-F238E27FC236}">
-                <a16:creationId xmlns:a16="http://schemas.microsoft.com/office/drawing/2014/main" id="{F3EDC224-943D-8848-A629-B09320598B9C}"/>
-              </a:ext>
-            </a:extLst>
-          </p:cNvPr>
-          <p:cNvSpPr/>
-          <p:nvPr/>
-        </p:nvSpPr>
-        <p:spPr>
-          <a:xfrm>
-            <a:off x="9187915" y="1578244"/>
-            <a:ext cx="92990" cy="92990"/>
-          </a:xfrm>
-          <a:prstGeom prst="ellipse">
-            <a:avLst/>
-          </a:prstGeom>
-          <a:solidFill>
-            <a:schemeClr val="bg1"/>
-          </a:solidFill>
-          <a:ln>
-            <a:noFill/>
-          </a:ln>
-        </p:spPr>
-        <p:style>
-          <a:lnRef idx="2">
-            <a:schemeClr val="accent1">
-              <a:shade val="50000"/>
-            </a:schemeClr>
-          </a:lnRef>
-          <a:fillRef idx="1">
-            <a:schemeClr val="accent1"/>
-          </a:fillRef>
-          <a:effectRef idx="0">
-            <a:schemeClr val="accent1"/>
-          </a:effectRef>
-          <a:fontRef idx="minor">
-            <a:schemeClr val="lt1"/>
-          </a:fontRef>
-        </p:style>
-        <p:txBody>
-          <a:bodyPr rtlCol="0" anchor="ctr"/>
-          <a:lstStyle/>
-          <a:p>
-            <a:pPr algn="ctr"/>
-            <a:endParaRPr lang="en-US"/>
-          </a:p>
-        </p:txBody>
-      </p:sp>
-      <p:sp>
-        <p:nvSpPr>
-          <p:cNvPr id="13" name="TextBox 12">
-            <a:extLst>
-              <a:ext uri="{FF2B5EF4-FFF2-40B4-BE49-F238E27FC236}">
-                <a16:creationId xmlns:a16="http://schemas.microsoft.com/office/drawing/2014/main" id="{BD4CBD8C-13BF-A849-AC64-78F11F1077CB}"/>
-              </a:ext>
-            </a:extLst>
-          </p:cNvPr>
-          <p:cNvSpPr txBox="1"/>
-          <p:nvPr/>
-        </p:nvSpPr>
-        <p:spPr>
-          <a:xfrm>
-            <a:off x="8353584" y="1363457"/>
-            <a:ext cx="700385" cy="307777"/>
-          </a:xfrm>
-          <a:prstGeom prst="rect">
-            <a:avLst/>
-          </a:prstGeom>
-          <a:noFill/>
-        </p:spPr>
-        <p:txBody>
-          <a:bodyPr wrap="none" rtlCol="0">
-            <a:spAutoFit/>
-          </a:bodyPr>
-          <a:lstStyle/>
-          <a:p>
-            <a:r>
-              <a:rPr lang="en-US" sz="1400" dirty="0">
-                <a:solidFill>
-                  <a:schemeClr val="bg1"/>
-                </a:solidFill>
-              </a:rPr>
-              <a:t>buffalo</a:t>
-            </a:r>
-          </a:p>
-        </p:txBody>
-      </p:sp>
-      <p:sp>
-        <p:nvSpPr>
-          <p:cNvPr id="15" name="Rectangle 14">
-            <a:extLst>
-              <a:ext uri="{FF2B5EF4-FFF2-40B4-BE49-F238E27FC236}">
-                <a16:creationId xmlns:a16="http://schemas.microsoft.com/office/drawing/2014/main" id="{CA24C46C-4F0B-6649-991F-5CB0D2798C7A}"/>
-              </a:ext>
-            </a:extLst>
-          </p:cNvPr>
-          <p:cNvSpPr/>
-          <p:nvPr/>
-        </p:nvSpPr>
-        <p:spPr>
-          <a:xfrm>
-            <a:off x="8498234" y="4626049"/>
-            <a:ext cx="1195955" cy="441896"/>
-          </a:xfrm>
-          <a:prstGeom prst="rect">
-            <a:avLst/>
-          </a:prstGeom>
-          <a:solidFill>
-            <a:schemeClr val="tx1"/>
-          </a:solidFill>
-          <a:ln w="38100">
-            <a:noFill/>
-          </a:ln>
-        </p:spPr>
-        <p:style>
-          <a:lnRef idx="2">
-            <a:schemeClr val="accent1">
-              <a:shade val="50000"/>
-            </a:schemeClr>
-          </a:lnRef>
-          <a:fillRef idx="1">
-            <a:schemeClr val="accent1"/>
-          </a:fillRef>
-          <a:effectRef idx="0">
-            <a:schemeClr val="accent1"/>
-          </a:effectRef>
-          <a:fontRef idx="minor">
-            <a:schemeClr val="lt1"/>
-          </a:fontRef>
-        </p:style>
-        <p:txBody>
-          <a:bodyPr rtlCol="0" anchor="ctr"/>
-          <a:lstStyle/>
-          <a:p>
-            <a:pPr algn="ctr"/>
-            <a:endParaRPr lang="en-US"/>
-          </a:p>
-        </p:txBody>
-      </p:sp>
-      <p:sp>
-        <p:nvSpPr>
-          <p:cNvPr id="16" name="TextBox 15">
-            <a:extLst>
-              <a:ext uri="{FF2B5EF4-FFF2-40B4-BE49-F238E27FC236}">
-                <a16:creationId xmlns:a16="http://schemas.microsoft.com/office/drawing/2014/main" id="{E7ECB855-6B72-044A-A5C1-7900B3852378}"/>
-              </a:ext>
-            </a:extLst>
-          </p:cNvPr>
-          <p:cNvSpPr txBox="1"/>
-          <p:nvPr/>
-        </p:nvSpPr>
-        <p:spPr>
-          <a:xfrm>
-            <a:off x="8363538" y="4642488"/>
-            <a:ext cx="700385" cy="307777"/>
-          </a:xfrm>
-          <a:prstGeom prst="rect">
-            <a:avLst/>
-          </a:prstGeom>
-          <a:noFill/>
-        </p:spPr>
-        <p:txBody>
-          <a:bodyPr wrap="none" rtlCol="0">
-            <a:spAutoFit/>
-          </a:bodyPr>
-          <a:lstStyle/>
-          <a:p>
-            <a:r>
-              <a:rPr lang="en-US" sz="1400" dirty="0">
-                <a:solidFill>
-                  <a:schemeClr val="bg1"/>
-                </a:solidFill>
-              </a:rPr>
-              <a:t>buffalo</a:t>
-            </a:r>
-          </a:p>
-        </p:txBody>
-      </p:sp>
-      <p:sp>
-        <p:nvSpPr>
-          <p:cNvPr id="17" name="Oval 16">
-            <a:extLst>
-              <a:ext uri="{FF2B5EF4-FFF2-40B4-BE49-F238E27FC236}">
-                <a16:creationId xmlns:a16="http://schemas.microsoft.com/office/drawing/2014/main" id="{27432177-7926-F442-AE46-1E10B9A29AFD}"/>
-              </a:ext>
-            </a:extLst>
-          </p:cNvPr>
-          <p:cNvSpPr/>
-          <p:nvPr/>
-        </p:nvSpPr>
-        <p:spPr>
-          <a:xfrm>
-            <a:off x="9208948" y="4720255"/>
-            <a:ext cx="92990" cy="92990"/>
-          </a:xfrm>
-          <a:prstGeom prst="ellipse">
-            <a:avLst/>
-          </a:prstGeom>
-          <a:solidFill>
-            <a:schemeClr val="bg1"/>
-          </a:solidFill>
-          <a:ln>
-            <a:noFill/>
-          </a:ln>
-        </p:spPr>
-        <p:style>
-          <a:lnRef idx="2">
-            <a:schemeClr val="accent1">
-              <a:shade val="50000"/>
-            </a:schemeClr>
-          </a:lnRef>
-          <a:fillRef idx="1">
-            <a:schemeClr val="accent1"/>
-          </a:fillRef>
-          <a:effectRef idx="0">
-            <a:schemeClr val="accent1"/>
-          </a:effectRef>
-          <a:fontRef idx="minor">
-            <a:schemeClr val="lt1"/>
-          </a:fontRef>
-        </p:style>
-        <p:txBody>
-          <a:bodyPr rtlCol="0" anchor="ctr"/>
-          <a:lstStyle/>
-          <a:p>
-            <a:pPr algn="ctr"/>
-            <a:endParaRPr lang="en-US"/>
-          </a:p>
-        </p:txBody>
-      </p:sp>
-      <p:sp>
-        <p:nvSpPr>
-          <p:cNvPr id="18" name="Oval 17">
-            <a:extLst>
-              <a:ext uri="{FF2B5EF4-FFF2-40B4-BE49-F238E27FC236}">
-                <a16:creationId xmlns:a16="http://schemas.microsoft.com/office/drawing/2014/main" id="{94A9FD9D-0758-6A44-831C-A058934A4B92}"/>
-              </a:ext>
-            </a:extLst>
-          </p:cNvPr>
-          <p:cNvSpPr/>
-          <p:nvPr/>
-        </p:nvSpPr>
-        <p:spPr>
-          <a:xfrm>
-            <a:off x="9206367" y="4872655"/>
-            <a:ext cx="92990" cy="92990"/>
-          </a:xfrm>
-          <a:prstGeom prst="ellipse">
-            <a:avLst/>
-          </a:prstGeom>
-          <a:solidFill>
-            <a:schemeClr val="bg1"/>
-          </a:solidFill>
-          <a:ln>
-            <a:noFill/>
-          </a:ln>
-        </p:spPr>
-        <p:style>
-          <a:lnRef idx="2">
-            <a:schemeClr val="accent1">
-              <a:shade val="50000"/>
-            </a:schemeClr>
-          </a:lnRef>
-          <a:fillRef idx="1">
-            <a:schemeClr val="accent1"/>
-          </a:fillRef>
-          <a:effectRef idx="0">
-            <a:schemeClr val="accent1"/>
-          </a:effectRef>
-          <a:fontRef idx="minor">
-            <a:schemeClr val="lt1"/>
-          </a:fontRef>
-        </p:style>
-        <p:txBody>
-          <a:bodyPr rtlCol="0" anchor="ctr"/>
-          <a:lstStyle/>
-          <a:p>
-            <a:pPr algn="ctr"/>
-            <a:endParaRPr lang="en-US"/>
-          </a:p>
-        </p:txBody>
-      </p:sp>
-      <p:sp>
-        <p:nvSpPr>
-          <p:cNvPr id="19" name="Oval 18">
-            <a:extLst>
-              <a:ext uri="{FF2B5EF4-FFF2-40B4-BE49-F238E27FC236}">
-                <a16:creationId xmlns:a16="http://schemas.microsoft.com/office/drawing/2014/main" id="{1990533E-92B3-7642-9D16-1567D9063F19}"/>
-              </a:ext>
-            </a:extLst>
-          </p:cNvPr>
-          <p:cNvSpPr/>
-          <p:nvPr/>
-        </p:nvSpPr>
-        <p:spPr>
-          <a:xfrm>
-            <a:off x="9373892" y="4716650"/>
-            <a:ext cx="92990" cy="92990"/>
-          </a:xfrm>
-          <a:prstGeom prst="ellipse">
-            <a:avLst/>
-          </a:prstGeom>
-          <a:solidFill>
-            <a:schemeClr val="bg1"/>
-          </a:solidFill>
-          <a:ln>
-            <a:noFill/>
-          </a:ln>
-        </p:spPr>
-        <p:style>
-          <a:lnRef idx="2">
-            <a:schemeClr val="accent1">
-              <a:shade val="50000"/>
-            </a:schemeClr>
-          </a:lnRef>
-          <a:fillRef idx="1">
-            <a:schemeClr val="accent1"/>
-          </a:fillRef>
-          <a:effectRef idx="0">
-            <a:schemeClr val="accent1"/>
-          </a:effectRef>
-          <a:fontRef idx="minor">
-            <a:schemeClr val="lt1"/>
-          </a:fontRef>
-        </p:style>
-        <p:txBody>
-          <a:bodyPr rtlCol="0" anchor="ctr"/>
-          <a:lstStyle/>
-          <a:p>
-            <a:pPr algn="ctr"/>
-            <a:endParaRPr lang="en-US"/>
-          </a:p>
-        </p:txBody>
-      </p:sp>
-      <p:sp>
-        <p:nvSpPr>
-          <p:cNvPr id="20" name="Oval 19">
-            <a:extLst>
-              <a:ext uri="{FF2B5EF4-FFF2-40B4-BE49-F238E27FC236}">
-                <a16:creationId xmlns:a16="http://schemas.microsoft.com/office/drawing/2014/main" id="{C5C3FFBA-9AFA-9F40-94C5-07807F3499E9}"/>
-              </a:ext>
-            </a:extLst>
-          </p:cNvPr>
-          <p:cNvSpPr/>
-          <p:nvPr/>
-        </p:nvSpPr>
-        <p:spPr>
-          <a:xfrm>
-            <a:off x="9371311" y="4869050"/>
-            <a:ext cx="92990" cy="92990"/>
-          </a:xfrm>
-          <a:prstGeom prst="ellipse">
-            <a:avLst/>
-          </a:prstGeom>
-          <a:solidFill>
-            <a:schemeClr val="bg1"/>
-          </a:solidFill>
-          <a:ln>
-            <a:noFill/>
-          </a:ln>
-        </p:spPr>
-        <p:style>
-          <a:lnRef idx="2">
-            <a:schemeClr val="accent1">
-              <a:shade val="50000"/>
-            </a:schemeClr>
-          </a:lnRef>
-          <a:fillRef idx="1">
-            <a:schemeClr val="accent1"/>
-          </a:fillRef>
-          <a:effectRef idx="0">
-            <a:schemeClr val="accent1"/>
-          </a:effectRef>
-          <a:fontRef idx="minor">
-            <a:schemeClr val="lt1"/>
-          </a:fontRef>
-        </p:style>
-        <p:txBody>
-          <a:bodyPr rtlCol="0" anchor="ctr"/>
-          <a:lstStyle/>
-          <a:p>
-            <a:pPr algn="ctr"/>
-            <a:endParaRPr lang="en-US"/>
           </a:p>
         </p:txBody>
       </p:sp>
     </p:spTree>
     <p:extLst>
       <p:ext uri="{BB962C8B-B14F-4D97-AF65-F5344CB8AC3E}">
-        <p14:creationId xmlns:p14="http://schemas.microsoft.com/office/powerpoint/2010/main" val="365925002"/>
-      </p:ext>
-    </p:extLst>
-  </p:cSld>
-  <p:clrMapOvr>
-    <a:masterClrMapping/>
-  </p:clrMapOvr>
-</p:sld>
-</file>
-
-<file path=ppt/slides/slide10.xml><?xml version="1.0" encoding="utf-8"?>
-<p:sld xmlns:a="http://schemas.openxmlformats.org/drawingml/2006/main" xmlns:r="http://schemas.openxmlformats.org/officeDocument/2006/relationships" xmlns:p="http://schemas.openxmlformats.org/presentationml/2006/main">
-  <p:cSld>
-    <p:spTree>
-      <p:nvGrpSpPr>
-        <p:cNvPr id="1" name=""/>
-        <p:cNvGrpSpPr/>
-        <p:nvPr/>
-      </p:nvGrpSpPr>
-      <p:grpSpPr>
-        <a:xfrm>
-          <a:off x="0" y="0"/>
-          <a:ext cx="0" cy="0"/>
-          <a:chOff x="0" y="0"/>
-          <a:chExt cx="0" cy="0"/>
-        </a:xfrm>
-      </p:grpSpPr>
-      <p:pic>
-        <p:nvPicPr>
-          <p:cNvPr id="2" name="Picture 1">
-            <a:extLst>
-              <a:ext uri="{FF2B5EF4-FFF2-40B4-BE49-F238E27FC236}">
-                <a16:creationId xmlns:a16="http://schemas.microsoft.com/office/drawing/2014/main" id="{ED91180C-867F-AF44-A8CE-679E8BE3870D}"/>
-              </a:ext>
-            </a:extLst>
-          </p:cNvPr>
-          <p:cNvPicPr>
-            <a:picLocks noChangeAspect="1"/>
-          </p:cNvPicPr>
-          <p:nvPr/>
-        </p:nvPicPr>
-        <p:blipFill>
-          <a:blip r:embed="rId2">
-            <a:extLst>
-              <a:ext uri="{28A0092B-C50C-407E-A947-70E740481C1C}">
-                <a14:useLocalDpi xmlns:a14="http://schemas.microsoft.com/office/drawing/2010/main" val="0"/>
-              </a:ext>
-            </a:extLst>
-          </a:blip>
-          <a:stretch>
-            <a:fillRect/>
-          </a:stretch>
-        </p:blipFill>
-        <p:spPr>
-          <a:xfrm>
-            <a:off x="1612254" y="498496"/>
-            <a:ext cx="1511300" cy="1511300"/>
-          </a:xfrm>
-          <a:prstGeom prst="rect">
-            <a:avLst/>
-          </a:prstGeom>
-        </p:spPr>
-      </p:pic>
-      <p:pic>
-        <p:nvPicPr>
-          <p:cNvPr id="3" name="Picture 2">
-            <a:extLst>
-              <a:ext uri="{FF2B5EF4-FFF2-40B4-BE49-F238E27FC236}">
-                <a16:creationId xmlns:a16="http://schemas.microsoft.com/office/drawing/2014/main" id="{370D838D-AE1D-5D4E-AB53-9D6DF2807EBD}"/>
-              </a:ext>
-            </a:extLst>
-          </p:cNvPr>
-          <p:cNvPicPr>
-            <a:picLocks noChangeAspect="1"/>
-          </p:cNvPicPr>
-          <p:nvPr/>
-        </p:nvPicPr>
-        <p:blipFill>
-          <a:blip r:embed="rId3">
-            <a:extLst>
-              <a:ext uri="{28A0092B-C50C-407E-A947-70E740481C1C}">
-                <a14:useLocalDpi xmlns:a14="http://schemas.microsoft.com/office/drawing/2010/main" val="0"/>
-              </a:ext>
-            </a:extLst>
-          </a:blip>
-          <a:stretch>
-            <a:fillRect/>
-          </a:stretch>
-        </p:blipFill>
-        <p:spPr>
-          <a:xfrm>
-            <a:off x="1411461" y="2454457"/>
-            <a:ext cx="1912885" cy="1939089"/>
-          </a:xfrm>
-          <a:prstGeom prst="rect">
-            <a:avLst/>
-          </a:prstGeom>
-        </p:spPr>
-      </p:pic>
-      <p:pic>
-        <p:nvPicPr>
-          <p:cNvPr id="4" name="Picture 3">
-            <a:extLst>
-              <a:ext uri="{FF2B5EF4-FFF2-40B4-BE49-F238E27FC236}">
-                <a16:creationId xmlns:a16="http://schemas.microsoft.com/office/drawing/2014/main" id="{3700A06D-E8D5-F648-BC6E-54D1CDE4D587}"/>
-              </a:ext>
-            </a:extLst>
-          </p:cNvPr>
-          <p:cNvPicPr>
-            <a:picLocks noChangeAspect="1"/>
-          </p:cNvPicPr>
-          <p:nvPr/>
-        </p:nvPicPr>
-        <p:blipFill>
-          <a:blip r:embed="rId4">
-            <a:extLst>
-              <a:ext uri="{28A0092B-C50C-407E-A947-70E740481C1C}">
-                <a14:useLocalDpi xmlns:a14="http://schemas.microsoft.com/office/drawing/2010/main" val="0"/>
-              </a:ext>
-            </a:extLst>
-          </a:blip>
-          <a:stretch>
-            <a:fillRect/>
-          </a:stretch>
-        </p:blipFill>
-        <p:spPr>
-          <a:xfrm>
-            <a:off x="1621694" y="4838207"/>
-            <a:ext cx="1492420" cy="1492420"/>
-          </a:xfrm>
-          <a:prstGeom prst="rect">
-            <a:avLst/>
-          </a:prstGeom>
-        </p:spPr>
-      </p:pic>
-      <p:sp>
-        <p:nvSpPr>
-          <p:cNvPr id="5" name="TextBox 4">
-            <a:extLst>
-              <a:ext uri="{FF2B5EF4-FFF2-40B4-BE49-F238E27FC236}">
-                <a16:creationId xmlns:a16="http://schemas.microsoft.com/office/drawing/2014/main" id="{4BBD7D10-C66F-C245-AAAD-794BA5FD991D}"/>
-              </a:ext>
-            </a:extLst>
-          </p:cNvPr>
-          <p:cNvSpPr txBox="1"/>
-          <p:nvPr/>
-        </p:nvSpPr>
-        <p:spPr>
-          <a:xfrm>
-            <a:off x="4618495" y="953146"/>
-            <a:ext cx="2031325" cy="369332"/>
-          </a:xfrm>
-          <a:prstGeom prst="rect">
-            <a:avLst/>
-          </a:prstGeom>
-          <a:noFill/>
-        </p:spPr>
-        <p:txBody>
-          <a:bodyPr wrap="none" rtlCol="0">
-            <a:spAutoFit/>
-          </a:bodyPr>
-          <a:lstStyle/>
-          <a:p>
-            <a:r>
-              <a:rPr lang="ja-JP" altLang="en-US"/>
-              <a:t>自宅ネットワーク</a:t>
-            </a:r>
-            <a:endParaRPr lang="en-US" dirty="0"/>
-          </a:p>
-        </p:txBody>
-      </p:sp>
-      <p:sp>
-        <p:nvSpPr>
-          <p:cNvPr id="6" name="TextBox 5">
-            <a:extLst>
-              <a:ext uri="{FF2B5EF4-FFF2-40B4-BE49-F238E27FC236}">
-                <a16:creationId xmlns:a16="http://schemas.microsoft.com/office/drawing/2014/main" id="{14330063-1F03-D840-A8B6-A7FB99AB6323}"/>
-              </a:ext>
-            </a:extLst>
-          </p:cNvPr>
-          <p:cNvSpPr txBox="1"/>
-          <p:nvPr/>
-        </p:nvSpPr>
-        <p:spPr>
-          <a:xfrm>
-            <a:off x="4618494" y="2996339"/>
-            <a:ext cx="3688830" cy="646331"/>
-          </a:xfrm>
-          <a:prstGeom prst="rect">
-            <a:avLst/>
-          </a:prstGeom>
-          <a:noFill/>
-        </p:spPr>
-        <p:txBody>
-          <a:bodyPr wrap="none" rtlCol="0">
-            <a:spAutoFit/>
-          </a:bodyPr>
-          <a:lstStyle/>
-          <a:p>
-            <a:r>
-              <a:rPr lang="ja-JP" altLang="en-US"/>
-              <a:t>会社ネットワーク</a:t>
-            </a:r>
-            <a:endParaRPr lang="en-US" altLang="ja-JP" dirty="0"/>
-          </a:p>
-          <a:p>
-            <a:r>
-              <a:rPr lang="ja-JP" altLang="en-US"/>
-              <a:t>ビルをもう少しシンプルにして</a:t>
-            </a:r>
-            <a:r>
-              <a:rPr lang="en-US" altLang="ja-JP" dirty="0"/>
-              <a:t>OK</a:t>
-            </a:r>
-            <a:endParaRPr lang="en-US" dirty="0"/>
-          </a:p>
-        </p:txBody>
-      </p:sp>
-      <p:sp>
-        <p:nvSpPr>
-          <p:cNvPr id="7" name="TextBox 6">
-            <a:extLst>
-              <a:ext uri="{FF2B5EF4-FFF2-40B4-BE49-F238E27FC236}">
-                <a16:creationId xmlns:a16="http://schemas.microsoft.com/office/drawing/2014/main" id="{D41F6B0B-D0BF-6E40-A251-004FFB944C72}"/>
-              </a:ext>
-            </a:extLst>
-          </p:cNvPr>
-          <p:cNvSpPr txBox="1"/>
-          <p:nvPr/>
-        </p:nvSpPr>
-        <p:spPr>
-          <a:xfrm>
-            <a:off x="4618493" y="5242185"/>
-            <a:ext cx="4918334" cy="923330"/>
-          </a:xfrm>
-          <a:prstGeom prst="rect">
-            <a:avLst/>
-          </a:prstGeom>
-          <a:noFill/>
-        </p:spPr>
-        <p:txBody>
-          <a:bodyPr wrap="none" rtlCol="0">
-            <a:spAutoFit/>
-          </a:bodyPr>
-          <a:lstStyle/>
-          <a:p>
-            <a:r>
-              <a:rPr lang="ja-JP" altLang="en-US"/>
-              <a:t>カフェのネットワーク</a:t>
-            </a:r>
-            <a:endParaRPr lang="en-US" altLang="ja-JP" dirty="0"/>
-          </a:p>
-          <a:p>
-            <a:r>
-              <a:rPr lang="ja-JP" altLang="en-US"/>
-              <a:t>下に上記</a:t>
-            </a:r>
-            <a:r>
-              <a:rPr lang="en-US" altLang="ja-JP" dirty="0"/>
-              <a:t>2</a:t>
-            </a:r>
-            <a:r>
-              <a:rPr lang="ja-JP" altLang="en-US"/>
-              <a:t>つのようなネットワークの線を追加</a:t>
-            </a:r>
-            <a:endParaRPr lang="en-US" altLang="ja-JP" dirty="0"/>
-          </a:p>
-          <a:p>
-            <a:r>
-              <a:rPr lang="ja-JP" altLang="en-US"/>
-              <a:t>不要ならコーヒーの皿は削って</a:t>
-            </a:r>
-            <a:r>
-              <a:rPr lang="en-US" altLang="ja-JP" dirty="0"/>
-              <a:t>OK</a:t>
-            </a:r>
-            <a:r>
-              <a:rPr lang="ja-JP" altLang="en-US"/>
-              <a:t>です。</a:t>
-            </a:r>
-            <a:endParaRPr lang="en-US" dirty="0"/>
-          </a:p>
-        </p:txBody>
-      </p:sp>
-    </p:spTree>
-    <p:extLst>
-      <p:ext uri="{BB962C8B-B14F-4D97-AF65-F5344CB8AC3E}">
-        <p14:creationId xmlns:p14="http://schemas.microsoft.com/office/powerpoint/2010/main" val="657191774"/>
-      </p:ext>
-    </p:extLst>
-  </p:cSld>
-  <p:clrMapOvr>
-    <a:masterClrMapping/>
-  </p:clrMapOvr>
-</p:sld>
-</file>
-
-<file path=ppt/slides/slide11.xml><?xml version="1.0" encoding="utf-8"?>
-<p:sld xmlns:a="http://schemas.openxmlformats.org/drawingml/2006/main" xmlns:r="http://schemas.openxmlformats.org/officeDocument/2006/relationships" xmlns:p="http://schemas.openxmlformats.org/presentationml/2006/main">
-  <p:cSld>
-    <p:spTree>
-      <p:nvGrpSpPr>
-        <p:cNvPr id="1" name=""/>
-        <p:cNvGrpSpPr/>
-        <p:nvPr/>
-      </p:nvGrpSpPr>
-      <p:grpSpPr>
-        <a:xfrm>
-          <a:off x="0" y="0"/>
-          <a:ext cx="0" cy="0"/>
-          <a:chOff x="0" y="0"/>
-          <a:chExt cx="0" cy="0"/>
-        </a:xfrm>
-      </p:grpSpPr>
-      <p:pic>
-        <p:nvPicPr>
-          <p:cNvPr id="2" name="Picture 1">
-            <a:extLst>
-              <a:ext uri="{FF2B5EF4-FFF2-40B4-BE49-F238E27FC236}">
-                <a16:creationId xmlns:a16="http://schemas.microsoft.com/office/drawing/2014/main" id="{DECA5280-F4D4-3148-8395-5227AC8EEEF8}"/>
-              </a:ext>
-            </a:extLst>
-          </p:cNvPr>
-          <p:cNvPicPr>
-            <a:picLocks noChangeAspect="1"/>
-          </p:cNvPicPr>
-          <p:nvPr/>
-        </p:nvPicPr>
-        <p:blipFill>
-          <a:blip r:embed="rId2">
-            <a:extLst>
-              <a:ext uri="{28A0092B-C50C-407E-A947-70E740481C1C}">
-                <a14:useLocalDpi xmlns:a14="http://schemas.microsoft.com/office/drawing/2010/main" val="0"/>
-              </a:ext>
-            </a:extLst>
-          </a:blip>
-          <a:stretch>
-            <a:fillRect/>
-          </a:stretch>
-        </p:blipFill>
-        <p:spPr>
-          <a:xfrm>
-            <a:off x="1063184" y="2667974"/>
-            <a:ext cx="2256117" cy="1504078"/>
-          </a:xfrm>
-          <a:prstGeom prst="rect">
-            <a:avLst/>
-          </a:prstGeom>
-        </p:spPr>
-      </p:pic>
-      <p:pic>
-        <p:nvPicPr>
-          <p:cNvPr id="3" name="Picture 2">
-            <a:extLst>
-              <a:ext uri="{FF2B5EF4-FFF2-40B4-BE49-F238E27FC236}">
-                <a16:creationId xmlns:a16="http://schemas.microsoft.com/office/drawing/2014/main" id="{5A1A4BFB-32C8-F940-8A6A-230E10838567}"/>
-              </a:ext>
-            </a:extLst>
-          </p:cNvPr>
-          <p:cNvPicPr>
-            <a:picLocks noChangeAspect="1"/>
-          </p:cNvPicPr>
-          <p:nvPr/>
-        </p:nvPicPr>
-        <p:blipFill>
-          <a:blip r:embed="rId3">
-            <a:extLst>
-              <a:ext uri="{28A0092B-C50C-407E-A947-70E740481C1C}">
-                <a14:useLocalDpi xmlns:a14="http://schemas.microsoft.com/office/drawing/2010/main" val="0"/>
-              </a:ext>
-            </a:extLst>
-          </a:blip>
-          <a:stretch>
-            <a:fillRect/>
-          </a:stretch>
-        </p:blipFill>
-        <p:spPr>
-          <a:xfrm>
-            <a:off x="1422828" y="508637"/>
-            <a:ext cx="1379347" cy="1379347"/>
-          </a:xfrm>
-          <a:prstGeom prst="rect">
-            <a:avLst/>
-          </a:prstGeom>
-        </p:spPr>
-      </p:pic>
-      <p:pic>
-        <p:nvPicPr>
-          <p:cNvPr id="5" name="Picture 4">
-            <a:extLst>
-              <a:ext uri="{FF2B5EF4-FFF2-40B4-BE49-F238E27FC236}">
-                <a16:creationId xmlns:a16="http://schemas.microsoft.com/office/drawing/2014/main" id="{63DBC731-955A-CB42-96F9-19B6B1C35AD3}"/>
-              </a:ext>
-            </a:extLst>
-          </p:cNvPr>
-          <p:cNvPicPr>
-            <a:picLocks noChangeAspect="1"/>
-          </p:cNvPicPr>
-          <p:nvPr/>
-        </p:nvPicPr>
-        <p:blipFill>
-          <a:blip r:embed="rId4">
-            <a:extLst>
-              <a:ext uri="{28A0092B-C50C-407E-A947-70E740481C1C}">
-                <a14:useLocalDpi xmlns:a14="http://schemas.microsoft.com/office/drawing/2010/main" val="0"/>
-              </a:ext>
-            </a:extLst>
-          </a:blip>
-          <a:stretch>
-            <a:fillRect/>
-          </a:stretch>
-        </p:blipFill>
-        <p:spPr>
-          <a:xfrm>
-            <a:off x="5656881" y="358401"/>
-            <a:ext cx="2020914" cy="2203877"/>
-          </a:xfrm>
-          <a:prstGeom prst="rect">
-            <a:avLst/>
-          </a:prstGeom>
-        </p:spPr>
-      </p:pic>
-      <p:pic>
-        <p:nvPicPr>
-          <p:cNvPr id="7" name="Picture 6">
-            <a:extLst>
-              <a:ext uri="{FF2B5EF4-FFF2-40B4-BE49-F238E27FC236}">
-                <a16:creationId xmlns:a16="http://schemas.microsoft.com/office/drawing/2014/main" id="{3BF9AA60-4435-CF44-8066-5CEDCCD9DDF2}"/>
-              </a:ext>
-            </a:extLst>
-          </p:cNvPr>
-          <p:cNvPicPr>
-            <a:picLocks noChangeAspect="1"/>
-          </p:cNvPicPr>
-          <p:nvPr/>
-        </p:nvPicPr>
-        <p:blipFill>
-          <a:blip r:embed="rId5">
-            <a:extLst>
-              <a:ext uri="{28A0092B-C50C-407E-A947-70E740481C1C}">
-                <a14:useLocalDpi xmlns:a14="http://schemas.microsoft.com/office/drawing/2010/main" val="0"/>
-              </a:ext>
-            </a:extLst>
-          </a:blip>
-          <a:stretch>
-            <a:fillRect/>
-          </a:stretch>
-        </p:blipFill>
-        <p:spPr>
-          <a:xfrm>
-            <a:off x="5365588" y="3136147"/>
-            <a:ext cx="2603500" cy="2476500"/>
-          </a:xfrm>
-          <a:prstGeom prst="rect">
-            <a:avLst/>
-          </a:prstGeom>
-        </p:spPr>
-      </p:pic>
-      <p:sp>
-        <p:nvSpPr>
-          <p:cNvPr id="8" name="TextBox 7">
-            <a:extLst>
-              <a:ext uri="{FF2B5EF4-FFF2-40B4-BE49-F238E27FC236}">
-                <a16:creationId xmlns:a16="http://schemas.microsoft.com/office/drawing/2014/main" id="{22EDA382-3300-8241-A3E1-071E42BC4B3B}"/>
-              </a:ext>
-            </a:extLst>
-          </p:cNvPr>
-          <p:cNvSpPr txBox="1"/>
-          <p:nvPr/>
-        </p:nvSpPr>
-        <p:spPr>
-          <a:xfrm>
-            <a:off x="8028122" y="2192946"/>
-            <a:ext cx="1338828" cy="369332"/>
-          </a:xfrm>
-          <a:prstGeom prst="rect">
-            <a:avLst/>
-          </a:prstGeom>
-          <a:noFill/>
-        </p:spPr>
-        <p:txBody>
-          <a:bodyPr wrap="none" rtlCol="0">
-            <a:spAutoFit/>
-          </a:bodyPr>
-          <a:lstStyle/>
-          <a:p>
-            <a:r>
-              <a:rPr lang="ja-JP" altLang="en-US"/>
-              <a:t>会社名不要</a:t>
-            </a:r>
-            <a:endParaRPr lang="en-US" dirty="0"/>
-          </a:p>
-        </p:txBody>
-      </p:sp>
-      <p:sp>
-        <p:nvSpPr>
-          <p:cNvPr id="9" name="TextBox 8">
-            <a:extLst>
-              <a:ext uri="{FF2B5EF4-FFF2-40B4-BE49-F238E27FC236}">
-                <a16:creationId xmlns:a16="http://schemas.microsoft.com/office/drawing/2014/main" id="{B8117D1B-03F9-C04A-BF59-D939A432D3D9}"/>
-              </a:ext>
-            </a:extLst>
-          </p:cNvPr>
-          <p:cNvSpPr txBox="1"/>
-          <p:nvPr/>
-        </p:nvSpPr>
-        <p:spPr>
-          <a:xfrm>
-            <a:off x="9446217" y="4172052"/>
-            <a:ext cx="2031325" cy="369332"/>
-          </a:xfrm>
-          <a:prstGeom prst="rect">
-            <a:avLst/>
-          </a:prstGeom>
-          <a:noFill/>
-        </p:spPr>
-        <p:txBody>
-          <a:bodyPr wrap="none" rtlCol="0">
-            <a:spAutoFit/>
-          </a:bodyPr>
-          <a:lstStyle/>
-          <a:p>
-            <a:r>
-              <a:rPr lang="ja-JP" altLang="en-US"/>
-              <a:t>全てモノトーンで</a:t>
-            </a:r>
-            <a:endParaRPr lang="en-US" dirty="0"/>
-          </a:p>
-        </p:txBody>
-      </p:sp>
-    </p:spTree>
-    <p:extLst>
-      <p:ext uri="{BB962C8B-B14F-4D97-AF65-F5344CB8AC3E}">
-        <p14:creationId xmlns:p14="http://schemas.microsoft.com/office/powerpoint/2010/main" val="326726214"/>
+        <p14:creationId xmlns:p14="http://schemas.microsoft.com/office/powerpoint/2010/main" val="3462818758"/>
       </p:ext>
     </p:extLst>
   </p:cSld>
@@ -4776,10 +4220,10 @@
       </p:grpSpPr>
       <p:pic>
         <p:nvPicPr>
-          <p:cNvPr id="5" name="Picture 4">
-            <a:extLst>
-              <a:ext uri="{FF2B5EF4-FFF2-40B4-BE49-F238E27FC236}">
-                <a16:creationId xmlns:a16="http://schemas.microsoft.com/office/drawing/2014/main" id="{EAC28698-8486-204D-9976-8080789054FF}"/>
+          <p:cNvPr id="28" name="Picture 27">
+            <a:extLst>
+              <a:ext uri="{FF2B5EF4-FFF2-40B4-BE49-F238E27FC236}">
+                <a16:creationId xmlns:a16="http://schemas.microsoft.com/office/drawing/2014/main" id="{6305002E-2C82-FF4C-B558-BE39FA7C8BAA}"/>
               </a:ext>
             </a:extLst>
           </p:cNvPr>
@@ -4801,9 +4245,9 @@
           </a:stretch>
         </p:blipFill>
         <p:spPr>
-          <a:xfrm>
-            <a:off x="2670361" y="4180031"/>
-            <a:ext cx="893333" cy="893333"/>
+          <a:xfrm rot="5400000">
+            <a:off x="2332396" y="2789996"/>
+            <a:ext cx="4064000" cy="4064000"/>
           </a:xfrm>
           <a:prstGeom prst="rect">
             <a:avLst/>
@@ -4812,10 +4256,377 @@
       </p:pic>
       <p:sp>
         <p:nvSpPr>
-          <p:cNvPr id="6" name="TextBox 5">
-            <a:extLst>
-              <a:ext uri="{FF2B5EF4-FFF2-40B4-BE49-F238E27FC236}">
-                <a16:creationId xmlns:a16="http://schemas.microsoft.com/office/drawing/2014/main" id="{518F7032-3EE2-5444-9764-4E3ECACFB3B5}"/>
+          <p:cNvPr id="4" name="Rectangle 3">
+            <a:extLst>
+              <a:ext uri="{FF2B5EF4-FFF2-40B4-BE49-F238E27FC236}">
+                <a16:creationId xmlns:a16="http://schemas.microsoft.com/office/drawing/2014/main" id="{58E6559B-C705-A54D-A20B-E943F783460C}"/>
+              </a:ext>
+            </a:extLst>
+          </p:cNvPr>
+          <p:cNvSpPr/>
+          <p:nvPr/>
+        </p:nvSpPr>
+        <p:spPr>
+          <a:xfrm>
+            <a:off x="1388533" y="1762254"/>
+            <a:ext cx="1478845" cy="461657"/>
+          </a:xfrm>
+          <a:prstGeom prst="rect">
+            <a:avLst/>
+          </a:prstGeom>
+          <a:solidFill>
+            <a:schemeClr val="tx2">
+              <a:lumMod val="50000"/>
+              <a:lumOff val="50000"/>
+            </a:schemeClr>
+          </a:solidFill>
+          <a:ln>
+            <a:noFill/>
+          </a:ln>
+        </p:spPr>
+        <p:style>
+          <a:lnRef idx="2">
+            <a:schemeClr val="accent1">
+              <a:shade val="50000"/>
+            </a:schemeClr>
+          </a:lnRef>
+          <a:fillRef idx="1">
+            <a:schemeClr val="accent1"/>
+          </a:fillRef>
+          <a:effectRef idx="0">
+            <a:schemeClr val="accent1"/>
+          </a:effectRef>
+          <a:fontRef idx="minor">
+            <a:schemeClr val="lt1"/>
+          </a:fontRef>
+        </p:style>
+        <p:txBody>
+          <a:bodyPr rtlCol="0" anchor="ctr"/>
+          <a:lstStyle/>
+          <a:p>
+            <a:pPr algn="ctr"/>
+            <a:endParaRPr lang="en-US"/>
+          </a:p>
+        </p:txBody>
+      </p:sp>
+      <p:sp>
+        <p:nvSpPr>
+          <p:cNvPr id="8" name="Rectangle 7">
+            <a:extLst>
+              <a:ext uri="{FF2B5EF4-FFF2-40B4-BE49-F238E27FC236}">
+                <a16:creationId xmlns:a16="http://schemas.microsoft.com/office/drawing/2014/main" id="{4238EA14-6F7D-354C-B39D-2B514AD40A8C}"/>
+              </a:ext>
+            </a:extLst>
+          </p:cNvPr>
+          <p:cNvSpPr/>
+          <p:nvPr/>
+        </p:nvSpPr>
+        <p:spPr>
+          <a:xfrm>
+            <a:off x="1614311" y="1862667"/>
+            <a:ext cx="880533" cy="259644"/>
+          </a:xfrm>
+          <a:prstGeom prst="rect">
+            <a:avLst/>
+          </a:prstGeom>
+          <a:solidFill>
+            <a:schemeClr val="bg1"/>
+          </a:solidFill>
+          <a:ln>
+            <a:noFill/>
+          </a:ln>
+        </p:spPr>
+        <p:style>
+          <a:lnRef idx="2">
+            <a:schemeClr val="accent1">
+              <a:shade val="50000"/>
+            </a:schemeClr>
+          </a:lnRef>
+          <a:fillRef idx="1">
+            <a:schemeClr val="accent1"/>
+          </a:fillRef>
+          <a:effectRef idx="0">
+            <a:schemeClr val="accent1"/>
+          </a:effectRef>
+          <a:fontRef idx="minor">
+            <a:schemeClr val="lt1"/>
+          </a:fontRef>
+        </p:style>
+        <p:txBody>
+          <a:bodyPr rtlCol="0" anchor="ctr"/>
+          <a:lstStyle/>
+          <a:p>
+            <a:pPr algn="ctr"/>
+            <a:endParaRPr lang="en-US"/>
+          </a:p>
+        </p:txBody>
+      </p:sp>
+      <p:sp>
+        <p:nvSpPr>
+          <p:cNvPr id="9" name="Rounded Rectangle 8">
+            <a:extLst>
+              <a:ext uri="{FF2B5EF4-FFF2-40B4-BE49-F238E27FC236}">
+                <a16:creationId xmlns:a16="http://schemas.microsoft.com/office/drawing/2014/main" id="{8F2BF01B-0BE8-8F47-AC0B-1669A725439A}"/>
+              </a:ext>
+            </a:extLst>
+          </p:cNvPr>
+          <p:cNvSpPr/>
+          <p:nvPr/>
+        </p:nvSpPr>
+        <p:spPr>
+          <a:xfrm>
+            <a:off x="2810934" y="1814828"/>
+            <a:ext cx="936977" cy="352639"/>
+          </a:xfrm>
+          <a:prstGeom prst="roundRect">
+            <a:avLst/>
+          </a:prstGeom>
+          <a:solidFill>
+            <a:schemeClr val="accent1"/>
+          </a:solidFill>
+          <a:ln>
+            <a:noFill/>
+          </a:ln>
+        </p:spPr>
+        <p:style>
+          <a:lnRef idx="2">
+            <a:schemeClr val="accent1">
+              <a:shade val="50000"/>
+            </a:schemeClr>
+          </a:lnRef>
+          <a:fillRef idx="1">
+            <a:schemeClr val="accent1"/>
+          </a:fillRef>
+          <a:effectRef idx="0">
+            <a:schemeClr val="accent1"/>
+          </a:effectRef>
+          <a:fontRef idx="minor">
+            <a:schemeClr val="lt1"/>
+          </a:fontRef>
+        </p:style>
+        <p:txBody>
+          <a:bodyPr rtlCol="0" anchor="ctr"/>
+          <a:lstStyle/>
+          <a:p>
+            <a:pPr algn="ctr"/>
+            <a:endParaRPr lang="en-US"/>
+          </a:p>
+        </p:txBody>
+      </p:sp>
+      <p:sp>
+        <p:nvSpPr>
+          <p:cNvPr id="12" name="Oval 11">
+            <a:extLst>
+              <a:ext uri="{FF2B5EF4-FFF2-40B4-BE49-F238E27FC236}">
+                <a16:creationId xmlns:a16="http://schemas.microsoft.com/office/drawing/2014/main" id="{7F4C2D69-40C3-1F40-BC7B-74A0450C439F}"/>
+              </a:ext>
+            </a:extLst>
+          </p:cNvPr>
+          <p:cNvSpPr/>
+          <p:nvPr/>
+        </p:nvSpPr>
+        <p:spPr>
+          <a:xfrm>
+            <a:off x="3369406" y="1879587"/>
+            <a:ext cx="290852" cy="231435"/>
+          </a:xfrm>
+          <a:prstGeom prst="ellipse">
+            <a:avLst/>
+          </a:prstGeom>
+          <a:solidFill>
+            <a:schemeClr val="bg1"/>
+          </a:solidFill>
+          <a:ln>
+            <a:noFill/>
+          </a:ln>
+        </p:spPr>
+        <p:style>
+          <a:lnRef idx="2">
+            <a:schemeClr val="accent1">
+              <a:shade val="50000"/>
+            </a:schemeClr>
+          </a:lnRef>
+          <a:fillRef idx="1">
+            <a:schemeClr val="accent1"/>
+          </a:fillRef>
+          <a:effectRef idx="0">
+            <a:schemeClr val="accent1"/>
+          </a:effectRef>
+          <a:fontRef idx="minor">
+            <a:schemeClr val="lt1"/>
+          </a:fontRef>
+        </p:style>
+        <p:txBody>
+          <a:bodyPr rtlCol="0" anchor="ctr"/>
+          <a:lstStyle/>
+          <a:p>
+            <a:pPr algn="ctr"/>
+            <a:endParaRPr lang="en-US"/>
+          </a:p>
+        </p:txBody>
+      </p:sp>
+      <p:sp>
+        <p:nvSpPr>
+          <p:cNvPr id="13" name="Rectangle 12">
+            <a:extLst>
+              <a:ext uri="{FF2B5EF4-FFF2-40B4-BE49-F238E27FC236}">
+                <a16:creationId xmlns:a16="http://schemas.microsoft.com/office/drawing/2014/main" id="{1AAADC4B-60A3-8D48-B81A-E98CEAA8D93E}"/>
+              </a:ext>
+            </a:extLst>
+          </p:cNvPr>
+          <p:cNvSpPr/>
+          <p:nvPr/>
+        </p:nvSpPr>
+        <p:spPr>
+          <a:xfrm>
+            <a:off x="2791016" y="1953814"/>
+            <a:ext cx="1579104" cy="112492"/>
+          </a:xfrm>
+          <a:prstGeom prst="rect">
+            <a:avLst/>
+          </a:prstGeom>
+          <a:solidFill>
+            <a:schemeClr val="tx1"/>
+          </a:solidFill>
+          <a:ln>
+            <a:noFill/>
+          </a:ln>
+        </p:spPr>
+        <p:style>
+          <a:lnRef idx="2">
+            <a:schemeClr val="accent1">
+              <a:shade val="50000"/>
+            </a:schemeClr>
+          </a:lnRef>
+          <a:fillRef idx="1">
+            <a:schemeClr val="accent1"/>
+          </a:fillRef>
+          <a:effectRef idx="0">
+            <a:schemeClr val="accent1"/>
+          </a:effectRef>
+          <a:fontRef idx="minor">
+            <a:schemeClr val="lt1"/>
+          </a:fontRef>
+        </p:style>
+        <p:txBody>
+          <a:bodyPr rtlCol="0" anchor="ctr"/>
+          <a:lstStyle/>
+          <a:p>
+            <a:pPr algn="ctr"/>
+            <a:endParaRPr lang="en-US"/>
+          </a:p>
+        </p:txBody>
+      </p:sp>
+      <p:sp>
+        <p:nvSpPr>
+          <p:cNvPr id="14" name="Rectangle 13">
+            <a:extLst>
+              <a:ext uri="{FF2B5EF4-FFF2-40B4-BE49-F238E27FC236}">
+                <a16:creationId xmlns:a16="http://schemas.microsoft.com/office/drawing/2014/main" id="{99C5AD55-CE23-D94B-9104-46071A86C6B3}"/>
+              </a:ext>
+            </a:extLst>
+          </p:cNvPr>
+          <p:cNvSpPr/>
+          <p:nvPr/>
+        </p:nvSpPr>
+        <p:spPr>
+          <a:xfrm>
+            <a:off x="2729252" y="1826118"/>
+            <a:ext cx="640153" cy="341350"/>
+          </a:xfrm>
+          <a:prstGeom prst="rect">
+            <a:avLst/>
+          </a:prstGeom>
+          <a:solidFill>
+            <a:schemeClr val="accent1"/>
+          </a:solidFill>
+          <a:ln>
+            <a:noFill/>
+          </a:ln>
+        </p:spPr>
+        <p:style>
+          <a:lnRef idx="2">
+            <a:schemeClr val="accent1">
+              <a:shade val="50000"/>
+            </a:schemeClr>
+          </a:lnRef>
+          <a:fillRef idx="1">
+            <a:schemeClr val="accent1"/>
+          </a:fillRef>
+          <a:effectRef idx="0">
+            <a:schemeClr val="accent1"/>
+          </a:effectRef>
+          <a:fontRef idx="minor">
+            <a:schemeClr val="lt1"/>
+          </a:fontRef>
+        </p:style>
+        <p:txBody>
+          <a:bodyPr rtlCol="0" anchor="ctr"/>
+          <a:lstStyle/>
+          <a:p>
+            <a:pPr algn="ctr"/>
+            <a:endParaRPr lang="en-US"/>
+          </a:p>
+        </p:txBody>
+      </p:sp>
+      <p:sp>
+        <p:nvSpPr>
+          <p:cNvPr id="16" name="Rectangle 15">
+            <a:extLst>
+              <a:ext uri="{FF2B5EF4-FFF2-40B4-BE49-F238E27FC236}">
+                <a16:creationId xmlns:a16="http://schemas.microsoft.com/office/drawing/2014/main" id="{17616F96-B48D-1440-94DA-9F49ACA365B3}"/>
+              </a:ext>
+            </a:extLst>
+          </p:cNvPr>
+          <p:cNvSpPr/>
+          <p:nvPr/>
+        </p:nvSpPr>
+        <p:spPr>
+          <a:xfrm>
+            <a:off x="3660258" y="1890875"/>
+            <a:ext cx="87653" cy="174992"/>
+          </a:xfrm>
+          <a:prstGeom prst="rect">
+            <a:avLst/>
+          </a:prstGeom>
+          <a:solidFill>
+            <a:schemeClr val="accent1"/>
+          </a:solidFill>
+          <a:ln>
+            <a:noFill/>
+          </a:ln>
+        </p:spPr>
+        <p:style>
+          <a:lnRef idx="2">
+            <a:schemeClr val="accent1">
+              <a:shade val="50000"/>
+            </a:schemeClr>
+          </a:lnRef>
+          <a:fillRef idx="1">
+            <a:schemeClr val="accent1"/>
+          </a:fillRef>
+          <a:effectRef idx="0">
+            <a:schemeClr val="accent1"/>
+          </a:effectRef>
+          <a:fontRef idx="minor">
+            <a:schemeClr val="lt1"/>
+          </a:fontRef>
+        </p:style>
+        <p:txBody>
+          <a:bodyPr rtlCol="0" anchor="ctr"/>
+          <a:lstStyle/>
+          <a:p>
+            <a:pPr algn="ctr"/>
+            <a:endParaRPr lang="en-US"/>
+          </a:p>
+        </p:txBody>
+      </p:sp>
+      <p:sp>
+        <p:nvSpPr>
+          <p:cNvPr id="17" name="TextBox 16">
+            <a:extLst>
+              <a:ext uri="{FF2B5EF4-FFF2-40B4-BE49-F238E27FC236}">
+                <a16:creationId xmlns:a16="http://schemas.microsoft.com/office/drawing/2014/main" id="{0BB27BDC-2FD7-0943-9CD1-A802F1D05CF6}"/>
               </a:ext>
             </a:extLst>
           </p:cNvPr>
@@ -4824,8 +4635,8 @@
         </p:nvSpPr>
         <p:spPr>
           <a:xfrm>
-            <a:off x="4781227" y="1084882"/>
-            <a:ext cx="4339650" cy="646331"/>
+            <a:off x="1817511" y="1806222"/>
+            <a:ext cx="514885" cy="369332"/>
           </a:xfrm>
           <a:prstGeom prst="rect">
             <a:avLst/>
@@ -4839,26 +4650,212 @@
           <a:lstStyle/>
           <a:p>
             <a:r>
-              <a:rPr lang="ja-JP" altLang="en-US"/>
-              <a:t>プリンタ。こんな感じで他のアイコンと</a:t>
-            </a:r>
-            <a:endParaRPr lang="en-US" altLang="ja-JP" dirty="0"/>
-          </a:p>
-          <a:p>
-            <a:r>
-              <a:rPr lang="ja-JP" altLang="en-US"/>
-              <a:t>トーンを揃えてください</a:t>
-            </a:r>
-            <a:endParaRPr lang="en-US" dirty="0"/>
+              <a:rPr lang="en-US" dirty="0"/>
+              <a:t>SFP</a:t>
+            </a:r>
+          </a:p>
+        </p:txBody>
+      </p:sp>
+      <p:sp>
+        <p:nvSpPr>
+          <p:cNvPr id="18" name="Rectangle 17">
+            <a:extLst>
+              <a:ext uri="{FF2B5EF4-FFF2-40B4-BE49-F238E27FC236}">
+                <a16:creationId xmlns:a16="http://schemas.microsoft.com/office/drawing/2014/main" id="{3831DF90-354A-384E-BE54-06D5DBB95417}"/>
+              </a:ext>
+            </a:extLst>
+          </p:cNvPr>
+          <p:cNvSpPr/>
+          <p:nvPr/>
+        </p:nvSpPr>
+        <p:spPr>
+          <a:xfrm>
+            <a:off x="1388532" y="4694399"/>
+            <a:ext cx="1478845" cy="461657"/>
+          </a:xfrm>
+          <a:prstGeom prst="rect">
+            <a:avLst/>
+          </a:prstGeom>
+          <a:solidFill>
+            <a:schemeClr val="tx2">
+              <a:lumMod val="50000"/>
+              <a:lumOff val="50000"/>
+            </a:schemeClr>
+          </a:solidFill>
+          <a:ln>
+            <a:noFill/>
+          </a:ln>
+        </p:spPr>
+        <p:style>
+          <a:lnRef idx="2">
+            <a:schemeClr val="accent1">
+              <a:shade val="50000"/>
+            </a:schemeClr>
+          </a:lnRef>
+          <a:fillRef idx="1">
+            <a:schemeClr val="accent1"/>
+          </a:fillRef>
+          <a:effectRef idx="0">
+            <a:schemeClr val="accent1"/>
+          </a:effectRef>
+          <a:fontRef idx="minor">
+            <a:schemeClr val="lt1"/>
+          </a:fontRef>
+        </p:style>
+        <p:txBody>
+          <a:bodyPr rtlCol="0" anchor="ctr"/>
+          <a:lstStyle/>
+          <a:p>
+            <a:pPr algn="ctr"/>
+            <a:endParaRPr lang="en-US"/>
+          </a:p>
+        </p:txBody>
+      </p:sp>
+      <p:sp>
+        <p:nvSpPr>
+          <p:cNvPr id="19" name="Rectangle 18">
+            <a:extLst>
+              <a:ext uri="{FF2B5EF4-FFF2-40B4-BE49-F238E27FC236}">
+                <a16:creationId xmlns:a16="http://schemas.microsoft.com/office/drawing/2014/main" id="{E68D6E75-551D-5A40-BD38-5AB6099F46BD}"/>
+              </a:ext>
+            </a:extLst>
+          </p:cNvPr>
+          <p:cNvSpPr/>
+          <p:nvPr/>
+        </p:nvSpPr>
+        <p:spPr>
+          <a:xfrm>
+            <a:off x="1614310" y="4794812"/>
+            <a:ext cx="880533" cy="259644"/>
+          </a:xfrm>
+          <a:prstGeom prst="rect">
+            <a:avLst/>
+          </a:prstGeom>
+          <a:solidFill>
+            <a:schemeClr val="bg1"/>
+          </a:solidFill>
+          <a:ln>
+            <a:noFill/>
+          </a:ln>
+        </p:spPr>
+        <p:style>
+          <a:lnRef idx="2">
+            <a:schemeClr val="accent1">
+              <a:shade val="50000"/>
+            </a:schemeClr>
+          </a:lnRef>
+          <a:fillRef idx="1">
+            <a:schemeClr val="accent1"/>
+          </a:fillRef>
+          <a:effectRef idx="0">
+            <a:schemeClr val="accent1"/>
+          </a:effectRef>
+          <a:fontRef idx="minor">
+            <a:schemeClr val="lt1"/>
+          </a:fontRef>
+        </p:style>
+        <p:txBody>
+          <a:bodyPr rtlCol="0" anchor="ctr"/>
+          <a:lstStyle/>
+          <a:p>
+            <a:pPr algn="ctr"/>
+            <a:endParaRPr lang="en-US"/>
+          </a:p>
+        </p:txBody>
+      </p:sp>
+      <p:sp>
+        <p:nvSpPr>
+          <p:cNvPr id="23" name="Rectangle 22">
+            <a:extLst>
+              <a:ext uri="{FF2B5EF4-FFF2-40B4-BE49-F238E27FC236}">
+                <a16:creationId xmlns:a16="http://schemas.microsoft.com/office/drawing/2014/main" id="{576BF860-9300-9745-94D3-FF4FCDEE335A}"/>
+              </a:ext>
+            </a:extLst>
+          </p:cNvPr>
+          <p:cNvSpPr/>
+          <p:nvPr/>
+        </p:nvSpPr>
+        <p:spPr>
+          <a:xfrm>
+            <a:off x="2606819" y="4663983"/>
+            <a:ext cx="150328" cy="518100"/>
+          </a:xfrm>
+          <a:prstGeom prst="rect">
+            <a:avLst/>
+          </a:prstGeom>
+          <a:solidFill>
+            <a:schemeClr val="accent1"/>
+          </a:solidFill>
+          <a:ln>
+            <a:noFill/>
+          </a:ln>
+        </p:spPr>
+        <p:style>
+          <a:lnRef idx="2">
+            <a:schemeClr val="accent1">
+              <a:shade val="50000"/>
+            </a:schemeClr>
+          </a:lnRef>
+          <a:fillRef idx="1">
+            <a:schemeClr val="accent1"/>
+          </a:fillRef>
+          <a:effectRef idx="0">
+            <a:schemeClr val="accent1"/>
+          </a:effectRef>
+          <a:fontRef idx="minor">
+            <a:schemeClr val="lt1"/>
+          </a:fontRef>
+        </p:style>
+        <p:txBody>
+          <a:bodyPr rtlCol="0" anchor="ctr"/>
+          <a:lstStyle/>
+          <a:p>
+            <a:pPr algn="ctr"/>
+            <a:endParaRPr lang="en-US"/>
+          </a:p>
+        </p:txBody>
+      </p:sp>
+      <p:sp>
+        <p:nvSpPr>
+          <p:cNvPr id="25" name="TextBox 24">
+            <a:extLst>
+              <a:ext uri="{FF2B5EF4-FFF2-40B4-BE49-F238E27FC236}">
+                <a16:creationId xmlns:a16="http://schemas.microsoft.com/office/drawing/2014/main" id="{622C82C2-AF96-5F40-9F86-70ECB6E49ACF}"/>
+              </a:ext>
+            </a:extLst>
+          </p:cNvPr>
+          <p:cNvSpPr txBox="1"/>
+          <p:nvPr/>
+        </p:nvSpPr>
+        <p:spPr>
+          <a:xfrm>
+            <a:off x="1817510" y="4738367"/>
+            <a:ext cx="514885" cy="369332"/>
+          </a:xfrm>
+          <a:prstGeom prst="rect">
+            <a:avLst/>
+          </a:prstGeom>
+          <a:noFill/>
+        </p:spPr>
+        <p:txBody>
+          <a:bodyPr wrap="none" rtlCol="0">
+            <a:spAutoFit/>
+          </a:bodyPr>
+          <a:lstStyle/>
+          <a:p>
+            <a:r>
+              <a:rPr lang="en-US" dirty="0"/>
+              <a:t>SFP</a:t>
+            </a:r>
           </a:p>
         </p:txBody>
       </p:sp>
       <p:pic>
         <p:nvPicPr>
-          <p:cNvPr id="8" name="Picture 7">
-            <a:extLst>
-              <a:ext uri="{FF2B5EF4-FFF2-40B4-BE49-F238E27FC236}">
-                <a16:creationId xmlns:a16="http://schemas.microsoft.com/office/drawing/2014/main" id="{C15255D9-61CC-1849-B3E7-41D9F8A74CFC}"/>
+          <p:cNvPr id="30" name="Picture 29">
+            <a:extLst>
+              <a:ext uri="{FF2B5EF4-FFF2-40B4-BE49-F238E27FC236}">
+                <a16:creationId xmlns:a16="http://schemas.microsoft.com/office/drawing/2014/main" id="{C4FC4D8A-74CF-F440-B24B-39360921BDD5}"/>
               </a:ext>
             </a:extLst>
           </p:cNvPr>
@@ -4868,7 +4865,7 @@
           <p:nvPr/>
         </p:nvPicPr>
         <p:blipFill>
-          <a:blip r:embed="rId3">
+          <a:blip r:embed="rId2">
             <a:extLst>
               <a:ext uri="{28A0092B-C50C-407E-A947-70E740481C1C}">
                 <a14:useLocalDpi xmlns:a14="http://schemas.microsoft.com/office/drawing/2010/main" val="0"/>
@@ -4880,21 +4877,81 @@
           </a:stretch>
         </p:blipFill>
         <p:spPr>
-          <a:xfrm>
-            <a:off x="2562817" y="1003946"/>
-            <a:ext cx="1270000" cy="1270000"/>
+          <a:xfrm rot="5400000">
+            <a:off x="2332396" y="3075699"/>
+            <a:ext cx="4064000" cy="4064000"/>
           </a:xfrm>
           <a:prstGeom prst="rect">
             <a:avLst/>
           </a:prstGeom>
         </p:spPr>
       </p:pic>
-      <p:sp>
-        <p:nvSpPr>
-          <p:cNvPr id="9" name="TextBox 8">
-            <a:extLst>
-              <a:ext uri="{FF2B5EF4-FFF2-40B4-BE49-F238E27FC236}">
-                <a16:creationId xmlns:a16="http://schemas.microsoft.com/office/drawing/2014/main" id="{FEFC8454-B297-A447-A2BA-F41E6228F1C1}"/>
+      <p:pic>
+        <p:nvPicPr>
+          <p:cNvPr id="31" name="Picture 30">
+            <a:extLst>
+              <a:ext uri="{FF2B5EF4-FFF2-40B4-BE49-F238E27FC236}">
+                <a16:creationId xmlns:a16="http://schemas.microsoft.com/office/drawing/2014/main" id="{C9B2B548-E428-4647-B421-3C67A838DDF7}"/>
+              </a:ext>
+            </a:extLst>
+          </p:cNvPr>
+          <p:cNvPicPr>
+            <a:picLocks noChangeAspect="1"/>
+          </p:cNvPicPr>
+          <p:nvPr/>
+        </p:nvPicPr>
+        <p:blipFill>
+          <a:blip r:embed="rId3"/>
+          <a:stretch>
+            <a:fillRect/>
+          </a:stretch>
+        </p:blipFill>
+        <p:spPr>
+          <a:xfrm>
+            <a:off x="7340259" y="588944"/>
+            <a:ext cx="3299129" cy="2474347"/>
+          </a:xfrm>
+          <a:prstGeom prst="rect">
+            <a:avLst/>
+          </a:prstGeom>
+        </p:spPr>
+      </p:pic>
+      <p:pic>
+        <p:nvPicPr>
+          <p:cNvPr id="32" name="Picture 31">
+            <a:extLst>
+              <a:ext uri="{FF2B5EF4-FFF2-40B4-BE49-F238E27FC236}">
+                <a16:creationId xmlns:a16="http://schemas.microsoft.com/office/drawing/2014/main" id="{747E50A3-6681-9649-9AC8-16B00851030B}"/>
+              </a:ext>
+            </a:extLst>
+          </p:cNvPr>
+          <p:cNvPicPr>
+            <a:picLocks noChangeAspect="1"/>
+          </p:cNvPicPr>
+          <p:nvPr/>
+        </p:nvPicPr>
+        <p:blipFill>
+          <a:blip r:embed="rId4"/>
+          <a:stretch>
+            <a:fillRect/>
+          </a:stretch>
+        </p:blipFill>
+        <p:spPr>
+          <a:xfrm>
+            <a:off x="7570822" y="3585504"/>
+            <a:ext cx="2397882" cy="2675057"/>
+          </a:xfrm>
+          <a:prstGeom prst="rect">
+            <a:avLst/>
+          </a:prstGeom>
+        </p:spPr>
+      </p:pic>
+      <p:sp>
+        <p:nvSpPr>
+          <p:cNvPr id="33" name="TextBox 32">
+            <a:extLst>
+              <a:ext uri="{FF2B5EF4-FFF2-40B4-BE49-F238E27FC236}">
+                <a16:creationId xmlns:a16="http://schemas.microsoft.com/office/drawing/2014/main" id="{0577E2EF-B79F-BD44-8C0F-528CCF20CA28}"/>
               </a:ext>
             </a:extLst>
           </p:cNvPr>
@@ -4903,8 +4960,8 @@
         </p:nvSpPr>
         <p:spPr>
           <a:xfrm>
-            <a:off x="4530671" y="4303531"/>
-            <a:ext cx="6308137" cy="923330"/>
+            <a:off x="1614310" y="783446"/>
+            <a:ext cx="3002169" cy="369332"/>
           </a:xfrm>
           <a:prstGeom prst="rect">
             <a:avLst/>
@@ -4919,28 +4976,217 @@
           <a:p>
             <a:r>
               <a:rPr lang="en-US" dirty="0"/>
-              <a:t>NAS。</a:t>
-            </a:r>
-          </a:p>
-          <a:p>
+              <a:t>(2) Twinax</a:t>
+            </a:r>
+            <a:r>
+              <a:rPr lang="en-US" altLang="ja-JP" dirty="0"/>
+              <a:t>(</a:t>
+            </a:r>
             <a:r>
               <a:rPr lang="ja-JP" altLang="en-US"/>
-              <a:t>正面から見て左側に</a:t>
+              <a:t>ケーブル付き</a:t>
             </a:r>
             <a:r>
               <a:rPr lang="en-US" altLang="ja-JP" dirty="0"/>
-              <a:t>LED</a:t>
+              <a:t>SFP)</a:t>
+            </a:r>
+            <a:endParaRPr lang="en-US" dirty="0"/>
+          </a:p>
+        </p:txBody>
+      </p:sp>
+      <p:sp>
+        <p:nvSpPr>
+          <p:cNvPr id="34" name="TextBox 33">
+            <a:extLst>
+              <a:ext uri="{FF2B5EF4-FFF2-40B4-BE49-F238E27FC236}">
+                <a16:creationId xmlns:a16="http://schemas.microsoft.com/office/drawing/2014/main" id="{400927AD-B278-794B-ACD6-D92FDFF9391F}"/>
+              </a:ext>
+            </a:extLst>
+          </p:cNvPr>
+          <p:cNvSpPr txBox="1"/>
+          <p:nvPr/>
+        </p:nvSpPr>
+        <p:spPr>
+          <a:xfrm>
+            <a:off x="1614310" y="4001326"/>
+            <a:ext cx="2531462" cy="369332"/>
+          </a:xfrm>
+          <a:prstGeom prst="rect">
+            <a:avLst/>
+          </a:prstGeom>
+          <a:noFill/>
+        </p:spPr>
+        <p:txBody>
+          <a:bodyPr wrap="none" rtlCol="0">
+            <a:spAutoFit/>
+          </a:bodyPr>
+          <a:lstStyle/>
+          <a:p>
+            <a:r>
+              <a:rPr lang="en-US" dirty="0"/>
+              <a:t>(3) SFP</a:t>
             </a:r>
             <a:r>
               <a:rPr lang="ja-JP" altLang="en-US"/>
-              <a:t>類で右側にディスクをさすところ。</a:t>
+              <a:t>モジュール</a:t>
+            </a:r>
+            <a:r>
+              <a:rPr lang="en-US" altLang="ja-JP" dirty="0"/>
+              <a:t> + SFP</a:t>
+            </a:r>
+            <a:endParaRPr lang="en-US" dirty="0"/>
+          </a:p>
+        </p:txBody>
+      </p:sp>
+      <p:sp>
+        <p:nvSpPr>
+          <p:cNvPr id="35" name="Left Brace 34">
+            <a:extLst>
+              <a:ext uri="{FF2B5EF4-FFF2-40B4-BE49-F238E27FC236}">
+                <a16:creationId xmlns:a16="http://schemas.microsoft.com/office/drawing/2014/main" id="{3E77F00D-196D-F548-998E-B83B87F0650C}"/>
+              </a:ext>
+            </a:extLst>
+          </p:cNvPr>
+          <p:cNvSpPr/>
+          <p:nvPr/>
+        </p:nvSpPr>
+        <p:spPr>
+          <a:xfrm rot="16200000">
+            <a:off x="4358357" y="4287099"/>
+            <a:ext cx="377157" cy="2995214"/>
+          </a:xfrm>
+          <a:prstGeom prst="leftBrace">
+            <a:avLst/>
+          </a:prstGeom>
+        </p:spPr>
+        <p:style>
+          <a:lnRef idx="1">
+            <a:schemeClr val="accent1"/>
+          </a:lnRef>
+          <a:fillRef idx="0">
+            <a:schemeClr val="accent1"/>
+          </a:fillRef>
+          <a:effectRef idx="0">
+            <a:schemeClr val="accent1"/>
+          </a:effectRef>
+          <a:fontRef idx="minor">
+            <a:schemeClr val="tx1"/>
+          </a:fontRef>
+        </p:style>
+        <p:txBody>
+          <a:bodyPr rtlCol="0" anchor="ctr"/>
+          <a:lstStyle/>
+          <a:p>
+            <a:pPr algn="ctr"/>
+            <a:endParaRPr lang="en-US"/>
+          </a:p>
+        </p:txBody>
+      </p:sp>
+      <p:sp>
+        <p:nvSpPr>
+          <p:cNvPr id="36" name="TextBox 35">
+            <a:extLst>
+              <a:ext uri="{FF2B5EF4-FFF2-40B4-BE49-F238E27FC236}">
+                <a16:creationId xmlns:a16="http://schemas.microsoft.com/office/drawing/2014/main" id="{CCF43607-2531-D348-9F53-4B3F9D8D837F}"/>
+              </a:ext>
+            </a:extLst>
+          </p:cNvPr>
+          <p:cNvSpPr txBox="1"/>
+          <p:nvPr/>
+        </p:nvSpPr>
+        <p:spPr>
+          <a:xfrm>
+            <a:off x="1860531" y="6045343"/>
+            <a:ext cx="4570482" cy="646331"/>
+          </a:xfrm>
+          <a:prstGeom prst="rect">
+            <a:avLst/>
+          </a:prstGeom>
+          <a:noFill/>
+        </p:spPr>
+        <p:txBody>
+          <a:bodyPr wrap="none" rtlCol="0">
+            <a:spAutoFit/>
+          </a:bodyPr>
+          <a:lstStyle/>
+          <a:p>
+            <a:r>
+              <a:rPr lang="ja-JP" altLang="en-US"/>
+              <a:t>右絵を参考にここも再作成お願いします。</a:t>
             </a:r>
             <a:endParaRPr lang="en-US" altLang="ja-JP" dirty="0"/>
           </a:p>
           <a:p>
             <a:r>
               <a:rPr lang="ja-JP" altLang="en-US"/>
-              <a:t>この見た目のままを正面からで。</a:t>
+              <a:t>上の</a:t>
+            </a:r>
+            <a:r>
+              <a:rPr lang="en-US" altLang="ja-JP" dirty="0"/>
+              <a:t>Twinax</a:t>
+            </a:r>
+            <a:r>
+              <a:rPr lang="ja-JP" altLang="en-US"/>
+              <a:t>と同じぐらいの長さ。</a:t>
+            </a:r>
+            <a:endParaRPr lang="en-US" altLang="ja-JP" dirty="0"/>
+          </a:p>
+        </p:txBody>
+      </p:sp>
+      <p:sp>
+        <p:nvSpPr>
+          <p:cNvPr id="37" name="TextBox 36">
+            <a:extLst>
+              <a:ext uri="{FF2B5EF4-FFF2-40B4-BE49-F238E27FC236}">
+                <a16:creationId xmlns:a16="http://schemas.microsoft.com/office/drawing/2014/main" id="{8553E5C5-DAA5-5742-894D-EDD72B50C603}"/>
+              </a:ext>
+            </a:extLst>
+          </p:cNvPr>
+          <p:cNvSpPr txBox="1"/>
+          <p:nvPr/>
+        </p:nvSpPr>
+        <p:spPr>
+          <a:xfrm>
+            <a:off x="782926" y="2891596"/>
+            <a:ext cx="8866530" cy="646331"/>
+          </a:xfrm>
+          <a:prstGeom prst="rect">
+            <a:avLst/>
+          </a:prstGeom>
+          <a:noFill/>
+        </p:spPr>
+        <p:txBody>
+          <a:bodyPr wrap="none" rtlCol="0">
+            <a:spAutoFit/>
+          </a:bodyPr>
+          <a:lstStyle/>
+          <a:p>
+            <a:r>
+              <a:rPr lang="ja-JP" altLang="en-US"/>
+              <a:t>金属部分はグレー、ケーブルはいつもの紺。</a:t>
+            </a:r>
+            <a:endParaRPr lang="en-US" altLang="ja-JP" dirty="0"/>
+          </a:p>
+          <a:p>
+            <a:r>
+              <a:rPr lang="ja-JP" altLang="en-US"/>
+              <a:t>引っ張る部分や金具は明るくないブルー系等</a:t>
+            </a:r>
+            <a:r>
+              <a:rPr lang="en-US" altLang="ja-JP" dirty="0"/>
+              <a:t>(</a:t>
+            </a:r>
+            <a:r>
+              <a:rPr lang="ja-JP" altLang="en-US"/>
+              <a:t>そういう規格がある</a:t>
+            </a:r>
+            <a:r>
+              <a:rPr lang="en-US" altLang="ja-JP" dirty="0"/>
+              <a:t>)</a:t>
+            </a:r>
+            <a:r>
+              <a:rPr lang="ja-JP" altLang="en-US"/>
+              <a:t>でお願いします。</a:t>
             </a:r>
             <a:endParaRPr lang="en-US" dirty="0"/>
           </a:p>
@@ -4949,7 +5195,7 @@
     </p:spTree>
     <p:extLst>
       <p:ext uri="{BB962C8B-B14F-4D97-AF65-F5344CB8AC3E}">
-        <p14:creationId xmlns:p14="http://schemas.microsoft.com/office/powerpoint/2010/main" val="266465044"/>
+        <p14:creationId xmlns:p14="http://schemas.microsoft.com/office/powerpoint/2010/main" val="2319768385"/>
       </p:ext>
     </p:extLst>
   </p:cSld>
@@ -4976,12 +5222,206 @@
           <a:chExt cx="0" cy="0"/>
         </a:xfrm>
       </p:grpSpPr>
+      <p:sp>
+        <p:nvSpPr>
+          <p:cNvPr id="4" name="Rectangle 3">
+            <a:extLst>
+              <a:ext uri="{FF2B5EF4-FFF2-40B4-BE49-F238E27FC236}">
+                <a16:creationId xmlns:a16="http://schemas.microsoft.com/office/drawing/2014/main" id="{17318DA4-5CDB-9C49-9B93-DC611A63A3C9}"/>
+              </a:ext>
+            </a:extLst>
+          </p:cNvPr>
+          <p:cNvSpPr/>
+          <p:nvPr/>
+        </p:nvSpPr>
+        <p:spPr>
+          <a:xfrm>
+            <a:off x="1555510" y="1800124"/>
+            <a:ext cx="1478845" cy="461657"/>
+          </a:xfrm>
+          <a:prstGeom prst="rect">
+            <a:avLst/>
+          </a:prstGeom>
+          <a:solidFill>
+            <a:schemeClr val="tx2">
+              <a:lumMod val="50000"/>
+              <a:lumOff val="50000"/>
+            </a:schemeClr>
+          </a:solidFill>
+          <a:ln>
+            <a:noFill/>
+          </a:ln>
+        </p:spPr>
+        <p:style>
+          <a:lnRef idx="2">
+            <a:schemeClr val="accent1">
+              <a:shade val="50000"/>
+            </a:schemeClr>
+          </a:lnRef>
+          <a:fillRef idx="1">
+            <a:schemeClr val="accent1"/>
+          </a:fillRef>
+          <a:effectRef idx="0">
+            <a:schemeClr val="accent1"/>
+          </a:effectRef>
+          <a:fontRef idx="minor">
+            <a:schemeClr val="lt1"/>
+          </a:fontRef>
+        </p:style>
+        <p:txBody>
+          <a:bodyPr rtlCol="0" anchor="ctr"/>
+          <a:lstStyle/>
+          <a:p>
+            <a:pPr algn="ctr"/>
+            <a:endParaRPr lang="en-US"/>
+          </a:p>
+        </p:txBody>
+      </p:sp>
+      <p:sp>
+        <p:nvSpPr>
+          <p:cNvPr id="5" name="Rectangle 4">
+            <a:extLst>
+              <a:ext uri="{FF2B5EF4-FFF2-40B4-BE49-F238E27FC236}">
+                <a16:creationId xmlns:a16="http://schemas.microsoft.com/office/drawing/2014/main" id="{8DBD3E99-B436-C24A-A06D-A83B4F5A6636}"/>
+              </a:ext>
+            </a:extLst>
+          </p:cNvPr>
+          <p:cNvSpPr/>
+          <p:nvPr/>
+        </p:nvSpPr>
+        <p:spPr>
+          <a:xfrm>
+            <a:off x="1781288" y="1900537"/>
+            <a:ext cx="880533" cy="259644"/>
+          </a:xfrm>
+          <a:prstGeom prst="rect">
+            <a:avLst/>
+          </a:prstGeom>
+          <a:solidFill>
+            <a:schemeClr val="bg1"/>
+          </a:solidFill>
+          <a:ln>
+            <a:noFill/>
+          </a:ln>
+        </p:spPr>
+        <p:style>
+          <a:lnRef idx="2">
+            <a:schemeClr val="accent1">
+              <a:shade val="50000"/>
+            </a:schemeClr>
+          </a:lnRef>
+          <a:fillRef idx="1">
+            <a:schemeClr val="accent1"/>
+          </a:fillRef>
+          <a:effectRef idx="0">
+            <a:schemeClr val="accent1"/>
+          </a:effectRef>
+          <a:fontRef idx="minor">
+            <a:schemeClr val="lt1"/>
+          </a:fontRef>
+        </p:style>
+        <p:txBody>
+          <a:bodyPr rtlCol="0" anchor="ctr"/>
+          <a:lstStyle/>
+          <a:p>
+            <a:pPr algn="ctr"/>
+            <a:endParaRPr lang="en-US"/>
+          </a:p>
+        </p:txBody>
+      </p:sp>
+      <p:sp>
+        <p:nvSpPr>
+          <p:cNvPr id="6" name="Rectangle 5">
+            <a:extLst>
+              <a:ext uri="{FF2B5EF4-FFF2-40B4-BE49-F238E27FC236}">
+                <a16:creationId xmlns:a16="http://schemas.microsoft.com/office/drawing/2014/main" id="{D90B5282-0435-5F42-9C71-F93765CD3816}"/>
+              </a:ext>
+            </a:extLst>
+          </p:cNvPr>
+          <p:cNvSpPr/>
+          <p:nvPr/>
+        </p:nvSpPr>
+        <p:spPr>
+          <a:xfrm>
+            <a:off x="2886178" y="1769707"/>
+            <a:ext cx="150328" cy="518100"/>
+          </a:xfrm>
+          <a:prstGeom prst="rect">
+            <a:avLst/>
+          </a:prstGeom>
+          <a:solidFill>
+            <a:schemeClr val="accent6"/>
+          </a:solidFill>
+          <a:ln>
+            <a:noFill/>
+          </a:ln>
+        </p:spPr>
+        <p:style>
+          <a:lnRef idx="2">
+            <a:schemeClr val="accent1">
+              <a:shade val="50000"/>
+            </a:schemeClr>
+          </a:lnRef>
+          <a:fillRef idx="1">
+            <a:schemeClr val="accent1"/>
+          </a:fillRef>
+          <a:effectRef idx="0">
+            <a:schemeClr val="accent1"/>
+          </a:effectRef>
+          <a:fontRef idx="minor">
+            <a:schemeClr val="lt1"/>
+          </a:fontRef>
+        </p:style>
+        <p:txBody>
+          <a:bodyPr rtlCol="0" anchor="ctr"/>
+          <a:lstStyle/>
+          <a:p>
+            <a:pPr algn="ctr"/>
+            <a:endParaRPr lang="en-US"/>
+          </a:p>
+        </p:txBody>
+      </p:sp>
+      <p:sp>
+        <p:nvSpPr>
+          <p:cNvPr id="7" name="TextBox 6">
+            <a:extLst>
+              <a:ext uri="{FF2B5EF4-FFF2-40B4-BE49-F238E27FC236}">
+                <a16:creationId xmlns:a16="http://schemas.microsoft.com/office/drawing/2014/main" id="{0162C3EA-B24E-D141-8910-88A9B7A9FD55}"/>
+              </a:ext>
+            </a:extLst>
+          </p:cNvPr>
+          <p:cNvSpPr txBox="1"/>
+          <p:nvPr/>
+        </p:nvSpPr>
+        <p:spPr>
+          <a:xfrm>
+            <a:off x="1984488" y="1844092"/>
+            <a:ext cx="514885" cy="369332"/>
+          </a:xfrm>
+          <a:prstGeom prst="rect">
+            <a:avLst/>
+          </a:prstGeom>
+          <a:noFill/>
+        </p:spPr>
+        <p:txBody>
+          <a:bodyPr wrap="none" rtlCol="0">
+            <a:spAutoFit/>
+          </a:bodyPr>
+          <a:lstStyle/>
+          <a:p>
+            <a:r>
+              <a:rPr lang="en-US" dirty="0"/>
+              <a:t>SFP</a:t>
+            </a:r>
+          </a:p>
+        </p:txBody>
+      </p:sp>
       <p:pic>
         <p:nvPicPr>
-          <p:cNvPr id="2" name="Picture 1">
-            <a:extLst>
-              <a:ext uri="{FF2B5EF4-FFF2-40B4-BE49-F238E27FC236}">
-                <a16:creationId xmlns:a16="http://schemas.microsoft.com/office/drawing/2014/main" id="{5C9160FF-7EA1-1B4A-A440-E795CBC7EC9C}"/>
+          <p:cNvPr id="8" name="Picture 7">
+            <a:extLst>
+              <a:ext uri="{FF2B5EF4-FFF2-40B4-BE49-F238E27FC236}">
+                <a16:creationId xmlns:a16="http://schemas.microsoft.com/office/drawing/2014/main" id="{3C83A911-5210-7A4B-B268-71D0215895AC}"/>
               </a:ext>
             </a:extLst>
           </p:cNvPr>
@@ -5003,427 +5443,19 @@
           </a:stretch>
         </p:blipFill>
         <p:spPr>
-          <a:xfrm>
-            <a:off x="1352948" y="823371"/>
-            <a:ext cx="1654049" cy="1676401"/>
+          <a:xfrm rot="5400000">
+            <a:off x="3179225" y="1115026"/>
+            <a:ext cx="1827463" cy="1827463"/>
           </a:xfrm>
           <a:prstGeom prst="rect">
             <a:avLst/>
           </a:prstGeom>
         </p:spPr>
       </p:pic>
-      <p:sp>
-        <p:nvSpPr>
-          <p:cNvPr id="4" name="Trapezoid 3">
-            <a:extLst>
-              <a:ext uri="{FF2B5EF4-FFF2-40B4-BE49-F238E27FC236}">
-                <a16:creationId xmlns:a16="http://schemas.microsoft.com/office/drawing/2014/main" id="{C2DCEAAD-8376-104E-8BC2-63D4FA648F04}"/>
-              </a:ext>
-            </a:extLst>
-          </p:cNvPr>
-          <p:cNvSpPr/>
-          <p:nvPr/>
-        </p:nvSpPr>
-        <p:spPr>
-          <a:xfrm>
-            <a:off x="4207789" y="2223384"/>
-            <a:ext cx="875655" cy="317715"/>
-          </a:xfrm>
-          <a:prstGeom prst="trapezoid">
-            <a:avLst/>
-          </a:prstGeom>
-          <a:solidFill>
-            <a:schemeClr val="tx1"/>
-          </a:solidFill>
-          <a:ln>
-            <a:noFill/>
-          </a:ln>
-        </p:spPr>
-        <p:style>
-          <a:lnRef idx="2">
-            <a:schemeClr val="accent1">
-              <a:shade val="50000"/>
-            </a:schemeClr>
-          </a:lnRef>
-          <a:fillRef idx="1">
-            <a:schemeClr val="accent1"/>
-          </a:fillRef>
-          <a:effectRef idx="0">
-            <a:schemeClr val="accent1"/>
-          </a:effectRef>
-          <a:fontRef idx="minor">
-            <a:schemeClr val="lt1"/>
-          </a:fontRef>
-        </p:style>
-        <p:txBody>
-          <a:bodyPr rtlCol="0" anchor="ctr"/>
-          <a:lstStyle/>
-          <a:p>
-            <a:pPr algn="ctr"/>
-            <a:endParaRPr lang="en-US"/>
-          </a:p>
-        </p:txBody>
-      </p:sp>
-      <p:sp>
-        <p:nvSpPr>
-          <p:cNvPr id="5" name="Rectangle 4">
-            <a:extLst>
-              <a:ext uri="{FF2B5EF4-FFF2-40B4-BE49-F238E27FC236}">
-                <a16:creationId xmlns:a16="http://schemas.microsoft.com/office/drawing/2014/main" id="{D9042441-058E-B34E-8F82-8C21CBD193C1}"/>
-              </a:ext>
-            </a:extLst>
-          </p:cNvPr>
-          <p:cNvSpPr/>
-          <p:nvPr/>
-        </p:nvSpPr>
-        <p:spPr>
-          <a:xfrm>
-            <a:off x="4455762" y="967397"/>
-            <a:ext cx="379708" cy="1441343"/>
-          </a:xfrm>
-          <a:prstGeom prst="rect">
-            <a:avLst/>
-          </a:prstGeom>
-          <a:solidFill>
-            <a:schemeClr val="tx1"/>
-          </a:solidFill>
-          <a:ln w="38100">
-            <a:solidFill>
-              <a:schemeClr val="bg1"/>
-            </a:solidFill>
-          </a:ln>
-        </p:spPr>
-        <p:style>
-          <a:lnRef idx="2">
-            <a:schemeClr val="accent1">
-              <a:shade val="50000"/>
-            </a:schemeClr>
-          </a:lnRef>
-          <a:fillRef idx="1">
-            <a:schemeClr val="accent1"/>
-          </a:fillRef>
-          <a:effectRef idx="0">
-            <a:schemeClr val="accent1"/>
-          </a:effectRef>
-          <a:fontRef idx="minor">
-            <a:schemeClr val="lt1"/>
-          </a:fontRef>
-        </p:style>
-        <p:txBody>
-          <a:bodyPr rtlCol="0" anchor="ctr"/>
-          <a:lstStyle/>
-          <a:p>
-            <a:pPr algn="ctr"/>
-            <a:endParaRPr lang="en-US"/>
-          </a:p>
-        </p:txBody>
-      </p:sp>
-      <p:pic>
-        <p:nvPicPr>
-          <p:cNvPr id="7" name="Picture 6">
-            <a:extLst>
-              <a:ext uri="{FF2B5EF4-FFF2-40B4-BE49-F238E27FC236}">
-                <a16:creationId xmlns:a16="http://schemas.microsoft.com/office/drawing/2014/main" id="{64A92EF6-979E-844D-B550-78453F257B61}"/>
-              </a:ext>
-            </a:extLst>
-          </p:cNvPr>
-          <p:cNvPicPr>
-            <a:picLocks noChangeAspect="1"/>
-          </p:cNvPicPr>
-          <p:nvPr/>
-        </p:nvPicPr>
-        <p:blipFill>
-          <a:blip r:embed="rId3">
-            <a:extLst>
-              <a:ext uri="{28A0092B-C50C-407E-A947-70E740481C1C}">
-                <a14:useLocalDpi xmlns:a14="http://schemas.microsoft.com/office/drawing/2010/main" val="0"/>
-              </a:ext>
-            </a:extLst>
-          </a:blip>
-          <a:stretch>
-            <a:fillRect/>
-          </a:stretch>
-        </p:blipFill>
-        <p:spPr>
-          <a:xfrm>
-            <a:off x="2617922" y="3392945"/>
-            <a:ext cx="3810000" cy="1993900"/>
-          </a:xfrm>
-          <a:prstGeom prst="rect">
-            <a:avLst/>
-          </a:prstGeom>
-        </p:spPr>
-      </p:pic>
-      <p:sp>
-        <p:nvSpPr>
-          <p:cNvPr id="8" name="Rectangle 7">
-            <a:extLst>
-              <a:ext uri="{FF2B5EF4-FFF2-40B4-BE49-F238E27FC236}">
-                <a16:creationId xmlns:a16="http://schemas.microsoft.com/office/drawing/2014/main" id="{25D6B793-173A-7740-B83A-4069721154ED}"/>
-              </a:ext>
-            </a:extLst>
-          </p:cNvPr>
-          <p:cNvSpPr/>
-          <p:nvPr/>
-        </p:nvSpPr>
-        <p:spPr>
-          <a:xfrm>
-            <a:off x="3921070" y="4827722"/>
-            <a:ext cx="1154624" cy="278970"/>
-          </a:xfrm>
-          <a:prstGeom prst="rect">
-            <a:avLst/>
-          </a:prstGeom>
-          <a:solidFill>
-            <a:schemeClr val="bg1"/>
-          </a:solidFill>
-          <a:ln>
-            <a:solidFill>
-              <a:schemeClr val="bg1"/>
-            </a:solidFill>
-          </a:ln>
-        </p:spPr>
-        <p:style>
-          <a:lnRef idx="2">
-            <a:schemeClr val="accent1">
-              <a:shade val="50000"/>
-            </a:schemeClr>
-          </a:lnRef>
-          <a:fillRef idx="1">
-            <a:schemeClr val="accent1"/>
-          </a:fillRef>
-          <a:effectRef idx="0">
-            <a:schemeClr val="accent1"/>
-          </a:effectRef>
-          <a:fontRef idx="minor">
-            <a:schemeClr val="lt1"/>
-          </a:fontRef>
-        </p:style>
-        <p:txBody>
-          <a:bodyPr rtlCol="0" anchor="ctr"/>
-          <a:lstStyle/>
-          <a:p>
-            <a:pPr algn="ctr"/>
-            <a:endParaRPr lang="en-US"/>
-          </a:p>
-        </p:txBody>
-      </p:sp>
-      <p:sp>
-        <p:nvSpPr>
-          <p:cNvPr id="11" name="Oval 10">
-            <a:extLst>
-              <a:ext uri="{FF2B5EF4-FFF2-40B4-BE49-F238E27FC236}">
-                <a16:creationId xmlns:a16="http://schemas.microsoft.com/office/drawing/2014/main" id="{8E5A618F-538E-244E-ABDF-7C970BE7C700}"/>
-              </a:ext>
-            </a:extLst>
-          </p:cNvPr>
-          <p:cNvSpPr/>
-          <p:nvPr/>
-        </p:nvSpPr>
-        <p:spPr>
-          <a:xfrm>
-            <a:off x="4525506" y="1642820"/>
-            <a:ext cx="92990" cy="92990"/>
-          </a:xfrm>
-          <a:prstGeom prst="ellipse">
-            <a:avLst/>
-          </a:prstGeom>
-          <a:solidFill>
-            <a:schemeClr val="bg1"/>
-          </a:solidFill>
-          <a:ln>
-            <a:noFill/>
-          </a:ln>
-        </p:spPr>
-        <p:style>
-          <a:lnRef idx="2">
-            <a:schemeClr val="accent1">
-              <a:shade val="50000"/>
-            </a:schemeClr>
-          </a:lnRef>
-          <a:fillRef idx="1">
-            <a:schemeClr val="accent1"/>
-          </a:fillRef>
-          <a:effectRef idx="0">
-            <a:schemeClr val="accent1"/>
-          </a:effectRef>
-          <a:fontRef idx="minor">
-            <a:schemeClr val="lt1"/>
-          </a:fontRef>
-        </p:style>
-        <p:txBody>
-          <a:bodyPr rtlCol="0" anchor="ctr"/>
-          <a:lstStyle/>
-          <a:p>
-            <a:pPr algn="ctr"/>
-            <a:endParaRPr lang="en-US"/>
-          </a:p>
-        </p:txBody>
-      </p:sp>
-      <p:sp>
-        <p:nvSpPr>
-          <p:cNvPr id="12" name="Oval 11">
-            <a:extLst>
-              <a:ext uri="{FF2B5EF4-FFF2-40B4-BE49-F238E27FC236}">
-                <a16:creationId xmlns:a16="http://schemas.microsoft.com/office/drawing/2014/main" id="{E8A1B51A-3F46-D64E-ADC4-D40B2B4BFF2D}"/>
-              </a:ext>
-            </a:extLst>
-          </p:cNvPr>
-          <p:cNvSpPr/>
-          <p:nvPr/>
-        </p:nvSpPr>
-        <p:spPr>
-          <a:xfrm>
-            <a:off x="4522925" y="1795220"/>
-            <a:ext cx="92990" cy="92990"/>
-          </a:xfrm>
-          <a:prstGeom prst="ellipse">
-            <a:avLst/>
-          </a:prstGeom>
-          <a:solidFill>
-            <a:schemeClr val="bg1"/>
-          </a:solidFill>
-          <a:ln>
-            <a:noFill/>
-          </a:ln>
-        </p:spPr>
-        <p:style>
-          <a:lnRef idx="2">
-            <a:schemeClr val="accent1">
-              <a:shade val="50000"/>
-            </a:schemeClr>
-          </a:lnRef>
-          <a:fillRef idx="1">
-            <a:schemeClr val="accent1"/>
-          </a:fillRef>
-          <a:effectRef idx="0">
-            <a:schemeClr val="accent1"/>
-          </a:effectRef>
-          <a:fontRef idx="minor">
-            <a:schemeClr val="lt1"/>
-          </a:fontRef>
-        </p:style>
-        <p:txBody>
-          <a:bodyPr rtlCol="0" anchor="ctr"/>
-          <a:lstStyle/>
-          <a:p>
-            <a:pPr algn="ctr"/>
-            <a:endParaRPr lang="en-US"/>
-          </a:p>
-        </p:txBody>
-      </p:sp>
-      <p:sp>
-        <p:nvSpPr>
-          <p:cNvPr id="13" name="TextBox 12">
-            <a:extLst>
-              <a:ext uri="{FF2B5EF4-FFF2-40B4-BE49-F238E27FC236}">
-                <a16:creationId xmlns:a16="http://schemas.microsoft.com/office/drawing/2014/main" id="{3638C4CB-5875-BA4C-A792-ECBAD53E1615}"/>
-              </a:ext>
-            </a:extLst>
-          </p:cNvPr>
-          <p:cNvSpPr txBox="1"/>
-          <p:nvPr/>
-        </p:nvSpPr>
-        <p:spPr>
-          <a:xfrm>
-            <a:off x="4881637" y="1041393"/>
-            <a:ext cx="885179" cy="369332"/>
-          </a:xfrm>
-          <a:prstGeom prst="rect">
-            <a:avLst/>
-          </a:prstGeom>
-          <a:noFill/>
-        </p:spPr>
-        <p:txBody>
-          <a:bodyPr wrap="none" rtlCol="0">
-            <a:spAutoFit/>
-          </a:bodyPr>
-          <a:lstStyle/>
-          <a:p>
-            <a:r>
-              <a:rPr lang="en-US" altLang="ja-JP" dirty="0"/>
-              <a:t>&lt;- </a:t>
-            </a:r>
-            <a:r>
-              <a:rPr lang="ja-JP" altLang="en-US"/>
-              <a:t>ロゴ</a:t>
-            </a:r>
-            <a:endParaRPr lang="en-US" dirty="0"/>
-          </a:p>
-        </p:txBody>
-      </p:sp>
-      <p:sp>
-        <p:nvSpPr>
-          <p:cNvPr id="14" name="TextBox 13">
-            <a:extLst>
-              <a:ext uri="{FF2B5EF4-FFF2-40B4-BE49-F238E27FC236}">
-                <a16:creationId xmlns:a16="http://schemas.microsoft.com/office/drawing/2014/main" id="{BFB1DD0B-260B-8D46-B0A2-F5559FD41B6A}"/>
-              </a:ext>
-            </a:extLst>
-          </p:cNvPr>
-          <p:cNvSpPr txBox="1"/>
-          <p:nvPr/>
-        </p:nvSpPr>
-        <p:spPr>
-          <a:xfrm>
-            <a:off x="6726265" y="1642820"/>
-            <a:ext cx="4339650" cy="1200329"/>
-          </a:xfrm>
-          <a:prstGeom prst="rect">
-            <a:avLst/>
-          </a:prstGeom>
-          <a:noFill/>
-        </p:spPr>
-        <p:txBody>
-          <a:bodyPr wrap="none" rtlCol="0">
-            <a:spAutoFit/>
-          </a:bodyPr>
-          <a:lstStyle/>
-          <a:p>
-            <a:r>
-              <a:rPr lang="en-US" dirty="0"/>
-              <a:t>ONU</a:t>
-            </a:r>
-          </a:p>
-          <a:p>
-            <a:r>
-              <a:rPr lang="ja-JP" altLang="en-US"/>
-              <a:t>光ファイバーを自宅ネットワークに接続</a:t>
-            </a:r>
-            <a:endParaRPr lang="en-US" altLang="ja-JP" dirty="0"/>
-          </a:p>
-          <a:p>
-            <a:r>
-              <a:rPr lang="ja-JP" altLang="en-US"/>
-              <a:t>左みたいな感じで。ロゴを追加。</a:t>
-            </a:r>
-            <a:endParaRPr lang="en-US" altLang="ja-JP" dirty="0"/>
-          </a:p>
-          <a:p>
-            <a:r>
-              <a:rPr lang="en-US" dirty="0"/>
-              <a:t>「NTT</a:t>
-            </a:r>
-            <a:r>
-              <a:rPr lang="ja-JP" altLang="en-US"/>
-              <a:t>」はなくても</a:t>
-            </a:r>
-            <a:r>
-              <a:rPr lang="en-US" altLang="ja-JP" dirty="0"/>
-              <a:t>OK</a:t>
-            </a:r>
-            <a:r>
-              <a:rPr lang="ja-JP" altLang="en-US"/>
-              <a:t>。</a:t>
-            </a:r>
-            <a:endParaRPr lang="en-US" dirty="0"/>
-          </a:p>
-        </p:txBody>
-      </p:sp>
     </p:spTree>
     <p:extLst>
       <p:ext uri="{BB962C8B-B14F-4D97-AF65-F5344CB8AC3E}">
-        <p14:creationId xmlns:p14="http://schemas.microsoft.com/office/powerpoint/2010/main" val="3938863319"/>
+        <p14:creationId xmlns:p14="http://schemas.microsoft.com/office/powerpoint/2010/main" val="2945200602"/>
       </p:ext>
     </p:extLst>
   </p:cSld>
@@ -5452,10 +5484,10 @@
       </p:grpSpPr>
       <p:pic>
         <p:nvPicPr>
-          <p:cNvPr id="2" name="Picture 1">
-            <a:extLst>
-              <a:ext uri="{FF2B5EF4-FFF2-40B4-BE49-F238E27FC236}">
-                <a16:creationId xmlns:a16="http://schemas.microsoft.com/office/drawing/2014/main" id="{6BF9985E-2C2E-8142-97F3-BD63FCBABDEC}"/>
+          <p:cNvPr id="4" name="Picture 3">
+            <a:extLst>
+              <a:ext uri="{FF2B5EF4-FFF2-40B4-BE49-F238E27FC236}">
+                <a16:creationId xmlns:a16="http://schemas.microsoft.com/office/drawing/2014/main" id="{C4EDC3B1-FCC3-0245-B53E-F4E4F9059221}"/>
               </a:ext>
             </a:extLst>
           </p:cNvPr>
@@ -5465,21 +5497,15 @@
           <p:nvPr/>
         </p:nvPicPr>
         <p:blipFill>
-          <a:blip r:embed="rId2">
-            <a:extLst>
-              <a:ext uri="{28A0092B-C50C-407E-A947-70E740481C1C}">
-                <a14:useLocalDpi xmlns:a14="http://schemas.microsoft.com/office/drawing/2010/main" val="0"/>
-              </a:ext>
-            </a:extLst>
-          </a:blip>
+          <a:blip r:embed="rId2"/>
           <a:stretch>
             <a:fillRect/>
           </a:stretch>
         </p:blipFill>
         <p:spPr>
           <a:xfrm>
-            <a:off x="2303863" y="1257453"/>
-            <a:ext cx="2115355" cy="1692284"/>
+            <a:off x="7323935" y="2189809"/>
+            <a:ext cx="4495532" cy="2532483"/>
           </a:xfrm>
           <a:prstGeom prst="rect">
             <a:avLst/>
@@ -5488,10 +5514,10 @@
       </p:pic>
       <p:pic>
         <p:nvPicPr>
-          <p:cNvPr id="3" name="Picture 2">
-            <a:extLst>
-              <a:ext uri="{FF2B5EF4-FFF2-40B4-BE49-F238E27FC236}">
-                <a16:creationId xmlns:a16="http://schemas.microsoft.com/office/drawing/2014/main" id="{7BE47C0D-9524-B64D-AACA-F8CF8908E2B2}"/>
+          <p:cNvPr id="6" name="Picture 5">
+            <a:extLst>
+              <a:ext uri="{FF2B5EF4-FFF2-40B4-BE49-F238E27FC236}">
+                <a16:creationId xmlns:a16="http://schemas.microsoft.com/office/drawing/2014/main" id="{E991AE8E-4B8D-B44B-857F-66BAB50ABEBE}"/>
               </a:ext>
             </a:extLst>
           </p:cNvPr>
@@ -5513,9 +5539,9 @@
           </a:stretch>
         </p:blipFill>
         <p:spPr>
-          <a:xfrm rot="1925555">
-            <a:off x="2664320" y="4597837"/>
-            <a:ext cx="790207" cy="790207"/>
+          <a:xfrm>
+            <a:off x="1661763" y="1424050"/>
+            <a:ext cx="4064000" cy="4064000"/>
           </a:xfrm>
           <a:prstGeom prst="rect">
             <a:avLst/>
@@ -5524,327 +5550,10 @@
       </p:pic>
       <p:sp>
         <p:nvSpPr>
-          <p:cNvPr id="4" name="Rounded Rectangle 3">
-            <a:extLst>
-              <a:ext uri="{FF2B5EF4-FFF2-40B4-BE49-F238E27FC236}">
-                <a16:creationId xmlns:a16="http://schemas.microsoft.com/office/drawing/2014/main" id="{596AFA8A-AE42-4142-847A-AA819B433B1E}"/>
-              </a:ext>
-            </a:extLst>
-          </p:cNvPr>
-          <p:cNvSpPr/>
-          <p:nvPr/>
-        </p:nvSpPr>
-        <p:spPr>
-          <a:xfrm>
-            <a:off x="5633633" y="1596326"/>
-            <a:ext cx="1154624" cy="1154624"/>
-          </a:xfrm>
-          <a:prstGeom prst="roundRect">
-            <a:avLst/>
-          </a:prstGeom>
-          <a:solidFill>
-            <a:schemeClr val="tx1"/>
-          </a:solidFill>
-        </p:spPr>
-        <p:style>
-          <a:lnRef idx="2">
-            <a:schemeClr val="accent1">
-              <a:shade val="50000"/>
-            </a:schemeClr>
-          </a:lnRef>
-          <a:fillRef idx="1">
-            <a:schemeClr val="accent1"/>
-          </a:fillRef>
-          <a:effectRef idx="0">
-            <a:schemeClr val="accent1"/>
-          </a:effectRef>
-          <a:fontRef idx="minor">
-            <a:schemeClr val="lt1"/>
-          </a:fontRef>
-        </p:style>
-        <p:txBody>
-          <a:bodyPr rtlCol="0" anchor="ctr"/>
-          <a:lstStyle/>
-          <a:p>
-            <a:pPr algn="ctr"/>
-            <a:endParaRPr lang="en-US"/>
-          </a:p>
-        </p:txBody>
-      </p:sp>
-      <p:sp>
-        <p:nvSpPr>
-          <p:cNvPr id="6" name="Rounded Rectangle 5">
-            <a:extLst>
-              <a:ext uri="{FF2B5EF4-FFF2-40B4-BE49-F238E27FC236}">
-                <a16:creationId xmlns:a16="http://schemas.microsoft.com/office/drawing/2014/main" id="{F3CCF8A5-8143-344B-81AE-8258158F1EA7}"/>
-              </a:ext>
-            </a:extLst>
-          </p:cNvPr>
-          <p:cNvSpPr/>
-          <p:nvPr/>
-        </p:nvSpPr>
-        <p:spPr>
-          <a:xfrm rot="2570286">
-            <a:off x="5330408" y="1549050"/>
-            <a:ext cx="606449" cy="94551"/>
-          </a:xfrm>
-          <a:prstGeom prst="roundRect">
-            <a:avLst/>
-          </a:prstGeom>
-          <a:solidFill>
-            <a:schemeClr val="tx1"/>
-          </a:solidFill>
-          <a:ln>
-            <a:solidFill>
-              <a:schemeClr val="bg1"/>
-            </a:solidFill>
-          </a:ln>
-        </p:spPr>
-        <p:style>
-          <a:lnRef idx="2">
-            <a:schemeClr val="accent1">
-              <a:shade val="50000"/>
-            </a:schemeClr>
-          </a:lnRef>
-          <a:fillRef idx="1">
-            <a:schemeClr val="accent1"/>
-          </a:fillRef>
-          <a:effectRef idx="0">
-            <a:schemeClr val="accent1"/>
-          </a:effectRef>
-          <a:fontRef idx="minor">
-            <a:schemeClr val="lt1"/>
-          </a:fontRef>
-        </p:style>
-        <p:txBody>
-          <a:bodyPr rtlCol="0" anchor="ctr"/>
-          <a:lstStyle/>
-          <a:p>
-            <a:pPr algn="ctr"/>
-            <a:endParaRPr lang="en-US"/>
-          </a:p>
-        </p:txBody>
-      </p:sp>
-      <p:sp>
-        <p:nvSpPr>
-          <p:cNvPr id="7" name="Rounded Rectangle 6">
-            <a:extLst>
-              <a:ext uri="{FF2B5EF4-FFF2-40B4-BE49-F238E27FC236}">
-                <a16:creationId xmlns:a16="http://schemas.microsoft.com/office/drawing/2014/main" id="{1F472D94-C5CC-444C-9AD7-E936624BB54A}"/>
-              </a:ext>
-            </a:extLst>
-          </p:cNvPr>
-          <p:cNvSpPr/>
-          <p:nvPr/>
-        </p:nvSpPr>
-        <p:spPr>
-          <a:xfrm rot="7602209">
-            <a:off x="6473897" y="1525946"/>
-            <a:ext cx="606449" cy="94551"/>
-          </a:xfrm>
-          <a:prstGeom prst="roundRect">
-            <a:avLst/>
-          </a:prstGeom>
-          <a:solidFill>
-            <a:schemeClr val="tx1"/>
-          </a:solidFill>
-          <a:ln>
-            <a:solidFill>
-              <a:schemeClr val="bg1"/>
-            </a:solidFill>
-          </a:ln>
-        </p:spPr>
-        <p:style>
-          <a:lnRef idx="2">
-            <a:schemeClr val="accent1">
-              <a:shade val="50000"/>
-            </a:schemeClr>
-          </a:lnRef>
-          <a:fillRef idx="1">
-            <a:schemeClr val="accent1"/>
-          </a:fillRef>
-          <a:effectRef idx="0">
-            <a:schemeClr val="accent1"/>
-          </a:effectRef>
-          <a:fontRef idx="minor">
-            <a:schemeClr val="lt1"/>
-          </a:fontRef>
-        </p:style>
-        <p:txBody>
-          <a:bodyPr rtlCol="0" anchor="ctr"/>
-          <a:lstStyle/>
-          <a:p>
-            <a:pPr algn="ctr"/>
-            <a:endParaRPr lang="en-US"/>
-          </a:p>
-        </p:txBody>
-      </p:sp>
-      <p:sp>
-        <p:nvSpPr>
-          <p:cNvPr id="8" name="Rounded Rectangle 7">
-            <a:extLst>
-              <a:ext uri="{FF2B5EF4-FFF2-40B4-BE49-F238E27FC236}">
-                <a16:creationId xmlns:a16="http://schemas.microsoft.com/office/drawing/2014/main" id="{0E0A9C34-9AF5-4043-91E5-E094DC1BCC92}"/>
-              </a:ext>
-            </a:extLst>
-          </p:cNvPr>
-          <p:cNvSpPr/>
-          <p:nvPr/>
-        </p:nvSpPr>
-        <p:spPr>
-          <a:xfrm rot="7602209">
-            <a:off x="5365769" y="2703674"/>
-            <a:ext cx="606449" cy="94551"/>
-          </a:xfrm>
-          <a:prstGeom prst="roundRect">
-            <a:avLst/>
-          </a:prstGeom>
-          <a:solidFill>
-            <a:schemeClr val="tx1"/>
-          </a:solidFill>
-          <a:ln>
-            <a:solidFill>
-              <a:schemeClr val="bg1"/>
-            </a:solidFill>
-          </a:ln>
-        </p:spPr>
-        <p:style>
-          <a:lnRef idx="2">
-            <a:schemeClr val="accent1">
-              <a:shade val="50000"/>
-            </a:schemeClr>
-          </a:lnRef>
-          <a:fillRef idx="1">
-            <a:schemeClr val="accent1"/>
-          </a:fillRef>
-          <a:effectRef idx="0">
-            <a:schemeClr val="accent1"/>
-          </a:effectRef>
-          <a:fontRef idx="minor">
-            <a:schemeClr val="lt1"/>
-          </a:fontRef>
-        </p:style>
-        <p:txBody>
-          <a:bodyPr rtlCol="0" anchor="ctr"/>
-          <a:lstStyle/>
-          <a:p>
-            <a:pPr algn="ctr"/>
-            <a:endParaRPr lang="en-US"/>
-          </a:p>
-        </p:txBody>
-      </p:sp>
-      <p:sp>
-        <p:nvSpPr>
-          <p:cNvPr id="9" name="Rounded Rectangle 8">
-            <a:extLst>
-              <a:ext uri="{FF2B5EF4-FFF2-40B4-BE49-F238E27FC236}">
-                <a16:creationId xmlns:a16="http://schemas.microsoft.com/office/drawing/2014/main" id="{8EE04558-50B9-4D49-BFCA-85FB6D5AFEF3}"/>
-              </a:ext>
-            </a:extLst>
-          </p:cNvPr>
-          <p:cNvSpPr/>
-          <p:nvPr/>
-        </p:nvSpPr>
-        <p:spPr>
-          <a:xfrm rot="2570286">
-            <a:off x="6452804" y="2673763"/>
-            <a:ext cx="606449" cy="94551"/>
-          </a:xfrm>
-          <a:prstGeom prst="roundRect">
-            <a:avLst/>
-          </a:prstGeom>
-          <a:solidFill>
-            <a:schemeClr val="tx1"/>
-          </a:solidFill>
-          <a:ln>
-            <a:solidFill>
-              <a:schemeClr val="bg1"/>
-            </a:solidFill>
-          </a:ln>
-        </p:spPr>
-        <p:style>
-          <a:lnRef idx="2">
-            <a:schemeClr val="accent1">
-              <a:shade val="50000"/>
-            </a:schemeClr>
-          </a:lnRef>
-          <a:fillRef idx="1">
-            <a:schemeClr val="accent1"/>
-          </a:fillRef>
-          <a:effectRef idx="0">
-            <a:schemeClr val="accent1"/>
-          </a:effectRef>
-          <a:fontRef idx="minor">
-            <a:schemeClr val="lt1"/>
-          </a:fontRef>
-        </p:style>
-        <p:txBody>
-          <a:bodyPr rtlCol="0" anchor="ctr"/>
-          <a:lstStyle/>
-          <a:p>
-            <a:pPr algn="ctr"/>
-            <a:endParaRPr lang="en-US"/>
-          </a:p>
-        </p:txBody>
-      </p:sp>
-      <p:sp>
-        <p:nvSpPr>
-          <p:cNvPr id="10" name="Rounded Rectangle 9">
-            <a:extLst>
-              <a:ext uri="{FF2B5EF4-FFF2-40B4-BE49-F238E27FC236}">
-                <a16:creationId xmlns:a16="http://schemas.microsoft.com/office/drawing/2014/main" id="{5E2069CC-B5B1-CC44-AFCF-5B6BDFA22F9B}"/>
-              </a:ext>
-            </a:extLst>
-          </p:cNvPr>
-          <p:cNvSpPr/>
-          <p:nvPr/>
-        </p:nvSpPr>
-        <p:spPr>
-          <a:xfrm>
-            <a:off x="5979762" y="1903709"/>
-            <a:ext cx="490781" cy="519935"/>
-          </a:xfrm>
-          <a:prstGeom prst="roundRect">
-            <a:avLst/>
-          </a:prstGeom>
-          <a:noFill/>
-          <a:ln>
-            <a:solidFill>
-              <a:schemeClr val="bg1"/>
-            </a:solidFill>
-          </a:ln>
-        </p:spPr>
-        <p:style>
-          <a:lnRef idx="2">
-            <a:schemeClr val="accent1">
-              <a:shade val="50000"/>
-            </a:schemeClr>
-          </a:lnRef>
-          <a:fillRef idx="1">
-            <a:schemeClr val="accent1"/>
-          </a:fillRef>
-          <a:effectRef idx="0">
-            <a:schemeClr val="accent1"/>
-          </a:effectRef>
-          <a:fontRef idx="minor">
-            <a:schemeClr val="lt1"/>
-          </a:fontRef>
-        </p:style>
-        <p:txBody>
-          <a:bodyPr rtlCol="0" anchor="ctr"/>
-          <a:lstStyle/>
-          <a:p>
-            <a:pPr algn="ctr"/>
-            <a:endParaRPr lang="en-US"/>
-          </a:p>
-        </p:txBody>
-      </p:sp>
-      <p:sp>
-        <p:nvSpPr>
-          <p:cNvPr id="11" name="TextBox 10">
-            <a:extLst>
-              <a:ext uri="{FF2B5EF4-FFF2-40B4-BE49-F238E27FC236}">
-                <a16:creationId xmlns:a16="http://schemas.microsoft.com/office/drawing/2014/main" id="{514828C5-9F9E-0A4E-B579-4903F2C96D31}"/>
+          <p:cNvPr id="7" name="TextBox 6">
+            <a:extLst>
+              <a:ext uri="{FF2B5EF4-FFF2-40B4-BE49-F238E27FC236}">
+                <a16:creationId xmlns:a16="http://schemas.microsoft.com/office/drawing/2014/main" id="{DD79C64C-2882-DC4F-8E92-137606F61B56}"/>
               </a:ext>
             </a:extLst>
           </p:cNvPr>
@@ -5853,8 +5562,8 @@
         </p:nvSpPr>
         <p:spPr>
           <a:xfrm>
-            <a:off x="7679410" y="1903709"/>
-            <a:ext cx="2141933" cy="923330"/>
+            <a:off x="1784224" y="5354162"/>
+            <a:ext cx="4570482" cy="923330"/>
           </a:xfrm>
           <a:prstGeom prst="rect">
             <a:avLst/>
@@ -5869,40 +5578,40 @@
           <a:p>
             <a:r>
               <a:rPr lang="ja-JP" altLang="en-US"/>
-              <a:t>左みたいな感じで</a:t>
+              <a:t>見た目は大型のルーターとほとんど同じ。</a:t>
             </a:r>
             <a:endParaRPr lang="en-US" altLang="ja-JP" dirty="0"/>
           </a:p>
           <a:p>
             <a:r>
               <a:rPr lang="ja-JP" altLang="en-US"/>
-              <a:t>アクセスポイント</a:t>
+              <a:t>上段はそのままで</a:t>
+            </a:r>
+            <a:r>
+              <a:rPr lang="en-US" altLang="ja-JP" dirty="0"/>
+              <a:t>OK</a:t>
+            </a:r>
+            <a:r>
+              <a:rPr lang="ja-JP" altLang="en-US"/>
+              <a:t>。</a:t>
             </a:r>
             <a:endParaRPr lang="en-US" altLang="ja-JP" dirty="0"/>
           </a:p>
           <a:p>
             <a:r>
               <a:rPr lang="ja-JP" altLang="en-US"/>
-              <a:t>中央に</a:t>
-            </a:r>
-            <a:r>
-              <a:rPr lang="en-US" altLang="ja-JP" dirty="0" err="1"/>
-              <a:t>wifi</a:t>
-            </a:r>
-            <a:r>
-              <a:rPr lang="ja-JP" altLang="en-US"/>
-              <a:t>アイコン</a:t>
-            </a:r>
-            <a:endParaRPr lang="en-US" dirty="0"/>
-          </a:p>
-        </p:txBody>
-      </p:sp>
-      <p:sp>
-        <p:nvSpPr>
-          <p:cNvPr id="12" name="TextBox 11">
-            <a:extLst>
-              <a:ext uri="{FF2B5EF4-FFF2-40B4-BE49-F238E27FC236}">
-                <a16:creationId xmlns:a16="http://schemas.microsoft.com/office/drawing/2014/main" id="{137B4527-623D-1241-A6FB-750C42B13225}"/>
+              <a:t>左中段と下段を右と同じにする。</a:t>
+            </a:r>
+            <a:endParaRPr lang="en-US" altLang="ja-JP" dirty="0"/>
+          </a:p>
+        </p:txBody>
+      </p:sp>
+      <p:sp>
+        <p:nvSpPr>
+          <p:cNvPr id="8" name="TextBox 7">
+            <a:extLst>
+              <a:ext uri="{FF2B5EF4-FFF2-40B4-BE49-F238E27FC236}">
+                <a16:creationId xmlns:a16="http://schemas.microsoft.com/office/drawing/2014/main" id="{1F473861-FBC0-8E49-A29E-C2A68A14478B}"/>
               </a:ext>
             </a:extLst>
           </p:cNvPr>
@@ -5911,8 +5620,8 @@
         </p:nvSpPr>
         <p:spPr>
           <a:xfrm>
-            <a:off x="4817158" y="4666207"/>
-            <a:ext cx="2031325" cy="646331"/>
+            <a:off x="2250698" y="1239384"/>
+            <a:ext cx="3637534" cy="369332"/>
           </a:xfrm>
           <a:prstGeom prst="rect">
             <a:avLst/>
@@ -5926,19 +5635,24 @@
           <a:lstStyle/>
           <a:p>
             <a:r>
-              <a:rPr lang="en-US" altLang="ja-JP" dirty="0" err="1"/>
-              <a:t>Wifi</a:t>
+              <a:rPr lang="en-US" dirty="0"/>
+              <a:t>(3) </a:t>
             </a:r>
             <a:r>
               <a:rPr lang="ja-JP" altLang="en-US"/>
-              <a:t>アイコン</a:t>
-            </a:r>
-            <a:endParaRPr lang="en-US" altLang="ja-JP" dirty="0"/>
-          </a:p>
-          <a:p>
+              <a:t>コアスイッチ</a:t>
+            </a:r>
+            <a:r>
+              <a:rPr lang="en-US" altLang="ja-JP" dirty="0"/>
+              <a:t>(</a:t>
+            </a:r>
             <a:r>
               <a:rPr lang="ja-JP" altLang="en-US"/>
-              <a:t>左のをまんまで。</a:t>
+              <a:t>大型のスイッチ</a:t>
+            </a:r>
+            <a:r>
+              <a:rPr lang="en-US" altLang="ja-JP" dirty="0"/>
+              <a:t>)</a:t>
             </a:r>
             <a:endParaRPr lang="en-US" dirty="0"/>
           </a:p>
@@ -5947,7 +5661,7 @@
     </p:spTree>
     <p:extLst>
       <p:ext uri="{BB962C8B-B14F-4D97-AF65-F5344CB8AC3E}">
-        <p14:creationId xmlns:p14="http://schemas.microsoft.com/office/powerpoint/2010/main" val="2459808258"/>
+        <p14:creationId xmlns:p14="http://schemas.microsoft.com/office/powerpoint/2010/main" val="101847152"/>
       </p:ext>
     </p:extLst>
   </p:cSld>
@@ -5976,10 +5690,10 @@
       </p:grpSpPr>
       <p:pic>
         <p:nvPicPr>
-          <p:cNvPr id="4" name="Picture 3">
-            <a:extLst>
-              <a:ext uri="{FF2B5EF4-FFF2-40B4-BE49-F238E27FC236}">
-                <a16:creationId xmlns:a16="http://schemas.microsoft.com/office/drawing/2014/main" id="{E44EF50B-6A99-F04D-9F0C-B77FC65275F7}"/>
+          <p:cNvPr id="5" name="Picture 4">
+            <a:extLst>
+              <a:ext uri="{FF2B5EF4-FFF2-40B4-BE49-F238E27FC236}">
+                <a16:creationId xmlns:a16="http://schemas.microsoft.com/office/drawing/2014/main" id="{1F310F2C-8648-C644-9A78-88714F22639F}"/>
               </a:ext>
             </a:extLst>
           </p:cNvPr>
@@ -6002,8 +5716,8 @@
         </p:blipFill>
         <p:spPr>
           <a:xfrm>
-            <a:off x="1864733" y="1657813"/>
-            <a:ext cx="1974994" cy="1107090"/>
+            <a:off x="3199080" y="2087748"/>
+            <a:ext cx="2540000" cy="2540000"/>
           </a:xfrm>
           <a:prstGeom prst="rect">
             <a:avLst/>
@@ -6012,10 +5726,10 @@
       </p:pic>
       <p:sp>
         <p:nvSpPr>
-          <p:cNvPr id="5" name="TextBox 4">
-            <a:extLst>
-              <a:ext uri="{FF2B5EF4-FFF2-40B4-BE49-F238E27FC236}">
-                <a16:creationId xmlns:a16="http://schemas.microsoft.com/office/drawing/2014/main" id="{455BD856-14F7-FC4B-A17D-D04ED60D991F}"/>
+          <p:cNvPr id="6" name="TextBox 5">
+            <a:extLst>
+              <a:ext uri="{FF2B5EF4-FFF2-40B4-BE49-F238E27FC236}">
+                <a16:creationId xmlns:a16="http://schemas.microsoft.com/office/drawing/2014/main" id="{A24A7193-CB2F-4A4B-91CB-1E6BA88047DB}"/>
               </a:ext>
             </a:extLst>
           </p:cNvPr>
@@ -6024,8 +5738,8 @@
         </p:nvSpPr>
         <p:spPr>
           <a:xfrm>
-            <a:off x="4378271" y="1888192"/>
-            <a:ext cx="4108817" cy="646331"/>
+            <a:off x="1676797" y="1275009"/>
+            <a:ext cx="7909538" cy="646331"/>
           </a:xfrm>
           <a:prstGeom prst="rect">
             <a:avLst/>
@@ -6039,87 +5753,39 @@
           <a:lstStyle/>
           <a:p>
             <a:r>
+              <a:rPr lang="en-US" dirty="0"/>
+              <a:t>(4) VIRL (</a:t>
+            </a:r>
+            <a:r>
               <a:rPr lang="ja-JP" altLang="en-US"/>
-              <a:t>大型のルーター</a:t>
+              <a:t>ツールのアイコン</a:t>
+            </a:r>
+            <a:r>
+              <a:rPr lang="en-US" dirty="0"/>
+              <a:t>)。</a:t>
+            </a:r>
+            <a:r>
+              <a:rPr lang="ja-JP" altLang="en-US"/>
+              <a:t>簡素化して</a:t>
+            </a:r>
+            <a:r>
+              <a:rPr lang="en-US" altLang="ja-JP" dirty="0"/>
+              <a:t>OK</a:t>
+            </a:r>
+            <a:r>
+              <a:rPr lang="ja-JP" altLang="en-US"/>
+              <a:t>です。</a:t>
             </a:r>
             <a:endParaRPr lang="en-US" altLang="ja-JP" dirty="0"/>
           </a:p>
           <a:p>
             <a:r>
               <a:rPr lang="ja-JP" altLang="en-US"/>
-              <a:t>ごちゃごちゃした感じにしてください</a:t>
-            </a:r>
-            <a:endParaRPr lang="en-US" dirty="0"/>
-          </a:p>
-        </p:txBody>
-      </p:sp>
-      <p:pic>
-        <p:nvPicPr>
-          <p:cNvPr id="7" name="Picture 6">
-            <a:extLst>
-              <a:ext uri="{FF2B5EF4-FFF2-40B4-BE49-F238E27FC236}">
-                <a16:creationId xmlns:a16="http://schemas.microsoft.com/office/drawing/2014/main" id="{7CC63AEA-B9AD-1944-8727-69E866FD5C16}"/>
-              </a:ext>
-            </a:extLst>
-          </p:cNvPr>
-          <p:cNvPicPr>
-            <a:picLocks noChangeAspect="1"/>
-          </p:cNvPicPr>
-          <p:nvPr/>
-        </p:nvPicPr>
-        <p:blipFill>
-          <a:blip r:embed="rId3">
-            <a:extLst>
-              <a:ext uri="{28A0092B-C50C-407E-A947-70E740481C1C}">
-                <a14:useLocalDpi xmlns:a14="http://schemas.microsoft.com/office/drawing/2010/main" val="0"/>
-              </a:ext>
-            </a:extLst>
-          </a:blip>
-          <a:stretch>
-            <a:fillRect/>
-          </a:stretch>
-        </p:blipFill>
-        <p:spPr>
-          <a:xfrm>
-            <a:off x="1938580" y="4507855"/>
-            <a:ext cx="1371600" cy="1422400"/>
-          </a:xfrm>
-          <a:prstGeom prst="rect">
-            <a:avLst/>
-          </a:prstGeom>
-        </p:spPr>
-      </p:pic>
-      <p:sp>
-        <p:nvSpPr>
-          <p:cNvPr id="8" name="TextBox 7">
-            <a:extLst>
-              <a:ext uri="{FF2B5EF4-FFF2-40B4-BE49-F238E27FC236}">
-                <a16:creationId xmlns:a16="http://schemas.microsoft.com/office/drawing/2014/main" id="{B10BCF02-7746-1440-A306-7F8012B42525}"/>
-              </a:ext>
-            </a:extLst>
-          </p:cNvPr>
-          <p:cNvSpPr txBox="1"/>
-          <p:nvPr/>
-        </p:nvSpPr>
-        <p:spPr>
-          <a:xfrm>
-            <a:off x="4711484" y="5034389"/>
-            <a:ext cx="1013419" cy="369332"/>
-          </a:xfrm>
-          <a:prstGeom prst="rect">
-            <a:avLst/>
-          </a:prstGeom>
-          <a:noFill/>
-        </p:spPr>
-        <p:txBody>
-          <a:bodyPr wrap="none" rtlCol="0">
-            <a:spAutoFit/>
-          </a:bodyPr>
-          <a:lstStyle/>
-          <a:p>
-            <a:r>
-              <a:rPr lang="en-US" dirty="0"/>
-              <a:t>IP Phone</a:t>
+              <a:t>外枠をなくして、バイオハザードマークっぽいのと文字の大きさを整える</a:t>
+            </a:r>
+            <a:r>
+              <a:rPr lang="en-US" altLang="ja-JP" dirty="0"/>
+              <a:t>?</a:t>
             </a:r>
           </a:p>
         </p:txBody>
@@ -6127,7 +5793,7 @@
     </p:spTree>
     <p:extLst>
       <p:ext uri="{BB962C8B-B14F-4D97-AF65-F5344CB8AC3E}">
-        <p14:creationId xmlns:p14="http://schemas.microsoft.com/office/powerpoint/2010/main" val="1032519759"/>
+        <p14:creationId xmlns:p14="http://schemas.microsoft.com/office/powerpoint/2010/main" val="3038280961"/>
       </p:ext>
     </p:extLst>
   </p:cSld>
@@ -6154,42 +5820,550 @@
           <a:chExt cx="0" cy="0"/>
         </a:xfrm>
       </p:grpSpPr>
-      <p:pic>
-        <p:nvPicPr>
-          <p:cNvPr id="4" name="Picture 3">
-            <a:extLst>
-              <a:ext uri="{FF2B5EF4-FFF2-40B4-BE49-F238E27FC236}">
-                <a16:creationId xmlns:a16="http://schemas.microsoft.com/office/drawing/2014/main" id="{3BE06BCA-80CB-F148-8D84-12C42076ADA4}"/>
-              </a:ext>
-            </a:extLst>
-          </p:cNvPr>
-          <p:cNvPicPr>
-            <a:picLocks noChangeAspect="1"/>
-          </p:cNvPicPr>
+      <p:sp>
+        <p:nvSpPr>
+          <p:cNvPr id="7" name="Trapezoid 6">
+            <a:extLst>
+              <a:ext uri="{FF2B5EF4-FFF2-40B4-BE49-F238E27FC236}">
+                <a16:creationId xmlns:a16="http://schemas.microsoft.com/office/drawing/2014/main" id="{64827415-A41E-7347-A72B-FD51C2A664ED}"/>
+              </a:ext>
+            </a:extLst>
+          </p:cNvPr>
+          <p:cNvSpPr/>
           <p:nvPr/>
-        </p:nvPicPr>
-        <p:blipFill>
-          <a:blip r:embed="rId2"/>
-          <a:stretch>
-            <a:fillRect/>
-          </a:stretch>
-        </p:blipFill>
-        <p:spPr>
-          <a:xfrm>
-            <a:off x="1691458" y="714797"/>
-            <a:ext cx="2229613" cy="2229613"/>
+        </p:nvSpPr>
+        <p:spPr>
+          <a:xfrm>
+            <a:off x="3016333" y="4857008"/>
+            <a:ext cx="771896" cy="736270"/>
+          </a:xfrm>
+          <a:prstGeom prst="trapezoid">
+            <a:avLst/>
+          </a:prstGeom>
+          <a:solidFill>
+            <a:schemeClr val="tx1"/>
+          </a:solidFill>
+          <a:ln>
+            <a:noFill/>
+          </a:ln>
+        </p:spPr>
+        <p:style>
+          <a:lnRef idx="2">
+            <a:schemeClr val="accent1">
+              <a:shade val="50000"/>
+            </a:schemeClr>
+          </a:lnRef>
+          <a:fillRef idx="1">
+            <a:schemeClr val="accent1"/>
+          </a:fillRef>
+          <a:effectRef idx="0">
+            <a:schemeClr val="accent1"/>
+          </a:effectRef>
+          <a:fontRef idx="minor">
+            <a:schemeClr val="lt1"/>
+          </a:fontRef>
+        </p:style>
+        <p:txBody>
+          <a:bodyPr rtlCol="0" anchor="ctr"/>
+          <a:lstStyle/>
+          <a:p>
+            <a:pPr algn="ctr"/>
+            <a:endParaRPr lang="en-US"/>
+          </a:p>
+        </p:txBody>
+      </p:sp>
+      <p:sp>
+        <p:nvSpPr>
+          <p:cNvPr id="4" name="Rounded Rectangle 3">
+            <a:extLst>
+              <a:ext uri="{FF2B5EF4-FFF2-40B4-BE49-F238E27FC236}">
+                <a16:creationId xmlns:a16="http://schemas.microsoft.com/office/drawing/2014/main" id="{50DA92BC-EFB4-B849-80A6-48AAC762CC88}"/>
+              </a:ext>
+            </a:extLst>
+          </p:cNvPr>
+          <p:cNvSpPr/>
+          <p:nvPr/>
+        </p:nvSpPr>
+        <p:spPr>
+          <a:xfrm>
+            <a:off x="1935679" y="2992582"/>
+            <a:ext cx="2933205" cy="1971303"/>
+          </a:xfrm>
+          <a:prstGeom prst="roundRect">
+            <a:avLst/>
+          </a:prstGeom>
+          <a:solidFill>
+            <a:schemeClr val="tx1"/>
+          </a:solidFill>
+          <a:ln>
+            <a:noFill/>
+          </a:ln>
+        </p:spPr>
+        <p:style>
+          <a:lnRef idx="2">
+            <a:schemeClr val="accent1">
+              <a:shade val="50000"/>
+            </a:schemeClr>
+          </a:lnRef>
+          <a:fillRef idx="1">
+            <a:schemeClr val="accent1"/>
+          </a:fillRef>
+          <a:effectRef idx="0">
+            <a:schemeClr val="accent1"/>
+          </a:effectRef>
+          <a:fontRef idx="minor">
+            <a:schemeClr val="lt1"/>
+          </a:fontRef>
+        </p:style>
+        <p:txBody>
+          <a:bodyPr rtlCol="0" anchor="ctr"/>
+          <a:lstStyle/>
+          <a:p>
+            <a:pPr algn="ctr"/>
+            <a:endParaRPr lang="en-US"/>
+          </a:p>
+        </p:txBody>
+      </p:sp>
+      <p:sp>
+        <p:nvSpPr>
+          <p:cNvPr id="6" name="Rounded Rectangle 5">
+            <a:extLst>
+              <a:ext uri="{FF2B5EF4-FFF2-40B4-BE49-F238E27FC236}">
+                <a16:creationId xmlns:a16="http://schemas.microsoft.com/office/drawing/2014/main" id="{535E867F-9CC2-EC48-925B-0C61D239E426}"/>
+              </a:ext>
+            </a:extLst>
+          </p:cNvPr>
+          <p:cNvSpPr/>
+          <p:nvPr/>
+        </p:nvSpPr>
+        <p:spPr>
+          <a:xfrm>
+            <a:off x="2040578" y="3099460"/>
+            <a:ext cx="2709553" cy="1757548"/>
+          </a:xfrm>
+          <a:prstGeom prst="roundRect">
+            <a:avLst/>
+          </a:prstGeom>
+          <a:solidFill>
+            <a:schemeClr val="bg1"/>
+          </a:solidFill>
+          <a:ln>
+            <a:noFill/>
+          </a:ln>
+        </p:spPr>
+        <p:style>
+          <a:lnRef idx="2">
+            <a:schemeClr val="accent1">
+              <a:shade val="50000"/>
+            </a:schemeClr>
+          </a:lnRef>
+          <a:fillRef idx="1">
+            <a:schemeClr val="accent1"/>
+          </a:fillRef>
+          <a:effectRef idx="0">
+            <a:schemeClr val="accent1"/>
+          </a:effectRef>
+          <a:fontRef idx="minor">
+            <a:schemeClr val="lt1"/>
+          </a:fontRef>
+        </p:style>
+        <p:txBody>
+          <a:bodyPr rtlCol="0" anchor="ctr"/>
+          <a:lstStyle/>
+          <a:p>
+            <a:pPr algn="ctr"/>
+            <a:endParaRPr lang="en-US"/>
+          </a:p>
+        </p:txBody>
+      </p:sp>
+      <p:sp>
+        <p:nvSpPr>
+          <p:cNvPr id="9" name="Rectangle 8">
+            <a:extLst>
+              <a:ext uri="{FF2B5EF4-FFF2-40B4-BE49-F238E27FC236}">
+                <a16:creationId xmlns:a16="http://schemas.microsoft.com/office/drawing/2014/main" id="{4562D1D9-D05E-4147-86B2-BFB7C432EF80}"/>
+              </a:ext>
+            </a:extLst>
+          </p:cNvPr>
+          <p:cNvSpPr/>
+          <p:nvPr/>
+        </p:nvSpPr>
+        <p:spPr>
+          <a:xfrm>
+            <a:off x="2743201" y="3972295"/>
+            <a:ext cx="1781298" cy="118753"/>
           </a:xfrm>
           <a:prstGeom prst="rect">
             <a:avLst/>
           </a:prstGeom>
-        </p:spPr>
-      </p:pic>
-      <p:sp>
-        <p:nvSpPr>
-          <p:cNvPr id="5" name="TextBox 4">
-            <a:extLst>
-              <a:ext uri="{FF2B5EF4-FFF2-40B4-BE49-F238E27FC236}">
-                <a16:creationId xmlns:a16="http://schemas.microsoft.com/office/drawing/2014/main" id="{661DC8CC-5C70-5049-9AD3-323429F506D7}"/>
+          <a:solidFill>
+            <a:schemeClr val="tx2">
+              <a:lumMod val="65000"/>
+              <a:lumOff val="35000"/>
+            </a:schemeClr>
+          </a:solidFill>
+          <a:ln>
+            <a:noFill/>
+          </a:ln>
+        </p:spPr>
+        <p:style>
+          <a:lnRef idx="2">
+            <a:schemeClr val="accent1">
+              <a:shade val="50000"/>
+            </a:schemeClr>
+          </a:lnRef>
+          <a:fillRef idx="1">
+            <a:schemeClr val="accent1"/>
+          </a:fillRef>
+          <a:effectRef idx="0">
+            <a:schemeClr val="accent1"/>
+          </a:effectRef>
+          <a:fontRef idx="minor">
+            <a:schemeClr val="lt1"/>
+          </a:fontRef>
+        </p:style>
+        <p:txBody>
+          <a:bodyPr rtlCol="0" anchor="ctr"/>
+          <a:lstStyle/>
+          <a:p>
+            <a:pPr algn="ctr"/>
+            <a:endParaRPr lang="en-US"/>
+          </a:p>
+        </p:txBody>
+      </p:sp>
+      <p:sp>
+        <p:nvSpPr>
+          <p:cNvPr id="10" name="Oval 9">
+            <a:extLst>
+              <a:ext uri="{FF2B5EF4-FFF2-40B4-BE49-F238E27FC236}">
+                <a16:creationId xmlns:a16="http://schemas.microsoft.com/office/drawing/2014/main" id="{251AEB31-D77A-0649-BC9E-83DF871A306B}"/>
+              </a:ext>
+            </a:extLst>
+          </p:cNvPr>
+          <p:cNvSpPr/>
+          <p:nvPr/>
+        </p:nvSpPr>
+        <p:spPr>
+          <a:xfrm>
+            <a:off x="2256312" y="3728851"/>
+            <a:ext cx="546265" cy="546265"/>
+          </a:xfrm>
+          <a:prstGeom prst="ellipse">
+            <a:avLst/>
+          </a:prstGeom>
+          <a:solidFill>
+            <a:schemeClr val="tx2">
+              <a:lumMod val="65000"/>
+              <a:lumOff val="35000"/>
+            </a:schemeClr>
+          </a:solidFill>
+          <a:ln>
+            <a:noFill/>
+          </a:ln>
+        </p:spPr>
+        <p:style>
+          <a:lnRef idx="2">
+            <a:schemeClr val="accent1">
+              <a:shade val="50000"/>
+            </a:schemeClr>
+          </a:lnRef>
+          <a:fillRef idx="1">
+            <a:schemeClr val="accent1"/>
+          </a:fillRef>
+          <a:effectRef idx="0">
+            <a:schemeClr val="accent1"/>
+          </a:effectRef>
+          <a:fontRef idx="minor">
+            <a:schemeClr val="lt1"/>
+          </a:fontRef>
+        </p:style>
+        <p:txBody>
+          <a:bodyPr rtlCol="0" anchor="ctr"/>
+          <a:lstStyle/>
+          <a:p>
+            <a:pPr algn="ctr"/>
+            <a:endParaRPr lang="en-US"/>
+          </a:p>
+        </p:txBody>
+      </p:sp>
+      <p:sp>
+        <p:nvSpPr>
+          <p:cNvPr id="11" name="Rectangle 10">
+            <a:extLst>
+              <a:ext uri="{FF2B5EF4-FFF2-40B4-BE49-F238E27FC236}">
+                <a16:creationId xmlns:a16="http://schemas.microsoft.com/office/drawing/2014/main" id="{E88E8F0E-DF86-1248-821F-7A9F2C8A0CB9}"/>
+              </a:ext>
+            </a:extLst>
+          </p:cNvPr>
+          <p:cNvSpPr/>
+          <p:nvPr/>
+        </p:nvSpPr>
+        <p:spPr>
+          <a:xfrm rot="16200000">
+            <a:off x="3085113" y="4187534"/>
+            <a:ext cx="539338" cy="130631"/>
+          </a:xfrm>
+          <a:prstGeom prst="rect">
+            <a:avLst/>
+          </a:prstGeom>
+          <a:solidFill>
+            <a:schemeClr val="tx2">
+              <a:lumMod val="65000"/>
+              <a:lumOff val="35000"/>
+            </a:schemeClr>
+          </a:solidFill>
+          <a:ln>
+            <a:noFill/>
+          </a:ln>
+        </p:spPr>
+        <p:style>
+          <a:lnRef idx="2">
+            <a:schemeClr val="accent1">
+              <a:shade val="50000"/>
+            </a:schemeClr>
+          </a:lnRef>
+          <a:fillRef idx="1">
+            <a:schemeClr val="accent1"/>
+          </a:fillRef>
+          <a:effectRef idx="0">
+            <a:schemeClr val="accent1"/>
+          </a:effectRef>
+          <a:fontRef idx="minor">
+            <a:schemeClr val="lt1"/>
+          </a:fontRef>
+        </p:style>
+        <p:txBody>
+          <a:bodyPr rtlCol="0" anchor="ctr"/>
+          <a:lstStyle/>
+          <a:p>
+            <a:pPr algn="ctr"/>
+            <a:endParaRPr lang="en-US"/>
+          </a:p>
+        </p:txBody>
+      </p:sp>
+      <p:sp>
+        <p:nvSpPr>
+          <p:cNvPr id="12" name="Rectangle 11">
+            <a:extLst>
+              <a:ext uri="{FF2B5EF4-FFF2-40B4-BE49-F238E27FC236}">
+                <a16:creationId xmlns:a16="http://schemas.microsoft.com/office/drawing/2014/main" id="{3F893AF1-0A94-CE44-98E2-BDE612D55AC5}"/>
+              </a:ext>
+            </a:extLst>
+          </p:cNvPr>
+          <p:cNvSpPr/>
+          <p:nvPr/>
+        </p:nvSpPr>
+        <p:spPr>
+          <a:xfrm rot="16200000">
+            <a:off x="3748153" y="3722912"/>
+            <a:ext cx="539338" cy="130631"/>
+          </a:xfrm>
+          <a:prstGeom prst="rect">
+            <a:avLst/>
+          </a:prstGeom>
+          <a:solidFill>
+            <a:schemeClr val="tx2">
+              <a:lumMod val="65000"/>
+              <a:lumOff val="35000"/>
+            </a:schemeClr>
+          </a:solidFill>
+          <a:ln>
+            <a:noFill/>
+          </a:ln>
+        </p:spPr>
+        <p:style>
+          <a:lnRef idx="2">
+            <a:schemeClr val="accent1">
+              <a:shade val="50000"/>
+            </a:schemeClr>
+          </a:lnRef>
+          <a:fillRef idx="1">
+            <a:schemeClr val="accent1"/>
+          </a:fillRef>
+          <a:effectRef idx="0">
+            <a:schemeClr val="accent1"/>
+          </a:effectRef>
+          <a:fontRef idx="minor">
+            <a:schemeClr val="lt1"/>
+          </a:fontRef>
+        </p:style>
+        <p:txBody>
+          <a:bodyPr rtlCol="0" anchor="ctr"/>
+          <a:lstStyle/>
+          <a:p>
+            <a:pPr algn="ctr"/>
+            <a:endParaRPr lang="en-US"/>
+          </a:p>
+        </p:txBody>
+      </p:sp>
+      <p:sp>
+        <p:nvSpPr>
+          <p:cNvPr id="13" name="Oval 12">
+            <a:extLst>
+              <a:ext uri="{FF2B5EF4-FFF2-40B4-BE49-F238E27FC236}">
+                <a16:creationId xmlns:a16="http://schemas.microsoft.com/office/drawing/2014/main" id="{A5FC299D-DFA5-4B49-9BED-7C33053D5319}"/>
+              </a:ext>
+            </a:extLst>
+          </p:cNvPr>
+          <p:cNvSpPr/>
+          <p:nvPr/>
+        </p:nvSpPr>
+        <p:spPr>
+          <a:xfrm>
+            <a:off x="3764478" y="3267691"/>
+            <a:ext cx="546265" cy="546265"/>
+          </a:xfrm>
+          <a:prstGeom prst="ellipse">
+            <a:avLst/>
+          </a:prstGeom>
+          <a:solidFill>
+            <a:schemeClr val="tx2">
+              <a:lumMod val="65000"/>
+              <a:lumOff val="35000"/>
+            </a:schemeClr>
+          </a:solidFill>
+          <a:ln>
+            <a:noFill/>
+          </a:ln>
+        </p:spPr>
+        <p:style>
+          <a:lnRef idx="2">
+            <a:schemeClr val="accent1">
+              <a:shade val="50000"/>
+            </a:schemeClr>
+          </a:lnRef>
+          <a:fillRef idx="1">
+            <a:schemeClr val="accent1"/>
+          </a:fillRef>
+          <a:effectRef idx="0">
+            <a:schemeClr val="accent1"/>
+          </a:effectRef>
+          <a:fontRef idx="minor">
+            <a:schemeClr val="lt1"/>
+          </a:fontRef>
+        </p:style>
+        <p:txBody>
+          <a:bodyPr rtlCol="0" anchor="ctr"/>
+          <a:lstStyle/>
+          <a:p>
+            <a:pPr algn="ctr"/>
+            <a:endParaRPr lang="en-US"/>
+          </a:p>
+        </p:txBody>
+      </p:sp>
+      <p:sp>
+        <p:nvSpPr>
+          <p:cNvPr id="14" name="Rectangle 13">
+            <a:extLst>
+              <a:ext uri="{FF2B5EF4-FFF2-40B4-BE49-F238E27FC236}">
+                <a16:creationId xmlns:a16="http://schemas.microsoft.com/office/drawing/2014/main" id="{5FA8B9FD-E654-A148-B7CD-CBD992FECA90}"/>
+              </a:ext>
+            </a:extLst>
+          </p:cNvPr>
+          <p:cNvSpPr/>
+          <p:nvPr/>
+        </p:nvSpPr>
+        <p:spPr>
+          <a:xfrm>
+            <a:off x="2978728" y="4296887"/>
+            <a:ext cx="773875" cy="418111"/>
+          </a:xfrm>
+          <a:prstGeom prst="rect">
+            <a:avLst/>
+          </a:prstGeom>
+          <a:solidFill>
+            <a:schemeClr val="tx2">
+              <a:lumMod val="65000"/>
+              <a:lumOff val="35000"/>
+            </a:schemeClr>
+          </a:solidFill>
+          <a:ln>
+            <a:noFill/>
+          </a:ln>
+        </p:spPr>
+        <p:style>
+          <a:lnRef idx="2">
+            <a:schemeClr val="accent1">
+              <a:shade val="50000"/>
+            </a:schemeClr>
+          </a:lnRef>
+          <a:fillRef idx="1">
+            <a:schemeClr val="accent1"/>
+          </a:fillRef>
+          <a:effectRef idx="0">
+            <a:schemeClr val="accent1"/>
+          </a:effectRef>
+          <a:fontRef idx="minor">
+            <a:schemeClr val="lt1"/>
+          </a:fontRef>
+        </p:style>
+        <p:txBody>
+          <a:bodyPr rtlCol="0" anchor="ctr"/>
+          <a:lstStyle/>
+          <a:p>
+            <a:pPr algn="ctr"/>
+            <a:endParaRPr lang="en-US"/>
+          </a:p>
+        </p:txBody>
+      </p:sp>
+      <p:sp>
+        <p:nvSpPr>
+          <p:cNvPr id="15" name="Rectangle 14">
+            <a:extLst>
+              <a:ext uri="{FF2B5EF4-FFF2-40B4-BE49-F238E27FC236}">
+                <a16:creationId xmlns:a16="http://schemas.microsoft.com/office/drawing/2014/main" id="{8337DFDC-BA37-ED4F-BACF-0448DB755ACE}"/>
+              </a:ext>
+            </a:extLst>
+          </p:cNvPr>
+          <p:cNvSpPr/>
+          <p:nvPr/>
+        </p:nvSpPr>
+        <p:spPr>
+          <a:xfrm>
+            <a:off x="2529445" y="5474524"/>
+            <a:ext cx="1781298" cy="118751"/>
+          </a:xfrm>
+          <a:prstGeom prst="rect">
+            <a:avLst/>
+          </a:prstGeom>
+          <a:solidFill>
+            <a:schemeClr val="tx1"/>
+          </a:solidFill>
+          <a:ln>
+            <a:noFill/>
+          </a:ln>
+        </p:spPr>
+        <p:style>
+          <a:lnRef idx="2">
+            <a:schemeClr val="accent1">
+              <a:shade val="50000"/>
+            </a:schemeClr>
+          </a:lnRef>
+          <a:fillRef idx="1">
+            <a:schemeClr val="accent1"/>
+          </a:fillRef>
+          <a:effectRef idx="0">
+            <a:schemeClr val="accent1"/>
+          </a:effectRef>
+          <a:fontRef idx="minor">
+            <a:schemeClr val="lt1"/>
+          </a:fontRef>
+        </p:style>
+        <p:txBody>
+          <a:bodyPr rtlCol="0" anchor="ctr"/>
+          <a:lstStyle/>
+          <a:p>
+            <a:pPr algn="ctr"/>
+            <a:endParaRPr lang="en-US"/>
+          </a:p>
+        </p:txBody>
+      </p:sp>
+      <p:sp>
+        <p:nvSpPr>
+          <p:cNvPr id="16" name="TextBox 15">
+            <a:extLst>
+              <a:ext uri="{FF2B5EF4-FFF2-40B4-BE49-F238E27FC236}">
+                <a16:creationId xmlns:a16="http://schemas.microsoft.com/office/drawing/2014/main" id="{1401DC11-73F6-114B-A08D-D5BD2290EC10}"/>
               </a:ext>
             </a:extLst>
           </p:cNvPr>
@@ -6198,8 +6372,8 @@
         </p:nvSpPr>
         <p:spPr>
           <a:xfrm>
-            <a:off x="5610386" y="1433593"/>
-            <a:ext cx="5724644" cy="646331"/>
+            <a:off x="925061" y="1512906"/>
+            <a:ext cx="7754046" cy="646331"/>
           </a:xfrm>
           <a:prstGeom prst="rect">
             <a:avLst/>
@@ -6213,103 +6387,714 @@
           <a:lstStyle/>
           <a:p>
             <a:r>
+              <a:rPr lang="en-US" dirty="0"/>
+              <a:t>(5) </a:t>
+            </a:r>
+            <a:r>
               <a:rPr lang="ja-JP" altLang="en-US"/>
-              <a:t>ファイアーウォールのアイコン</a:t>
+              <a:t>シミュレーター</a:t>
+            </a:r>
+            <a:r>
+              <a:rPr lang="en-US" altLang="ja-JP" dirty="0"/>
+              <a:t>(PC</a:t>
+            </a:r>
+            <a:r>
+              <a:rPr lang="ja-JP" altLang="en-US"/>
+              <a:t>の中で別</a:t>
+            </a:r>
+            <a:r>
+              <a:rPr lang="en-US" altLang="ja-JP" dirty="0"/>
+              <a:t>PC</a:t>
+            </a:r>
+            <a:r>
+              <a:rPr lang="ja-JP" altLang="en-US"/>
+              <a:t>を動かす</a:t>
+            </a:r>
+            <a:r>
+              <a:rPr lang="en-US" altLang="ja-JP" dirty="0"/>
+              <a:t>)</a:t>
+            </a:r>
+            <a:r>
+              <a:rPr lang="ja-JP" altLang="en-US"/>
+              <a:t>の絵を</a:t>
+            </a:r>
+            <a:r>
+              <a:rPr lang="en-US" altLang="ja-JP" dirty="0"/>
+              <a:t>2</a:t>
+            </a:r>
+            <a:r>
+              <a:rPr lang="ja-JP" altLang="en-US"/>
+              <a:t>パターン</a:t>
             </a:r>
             <a:endParaRPr lang="en-US" altLang="ja-JP" dirty="0"/>
           </a:p>
           <a:p>
             <a:r>
               <a:rPr lang="ja-JP" altLang="en-US"/>
-              <a:t>レンガはいつもの紺で、火は渋めの赤にしてください</a:t>
+              <a:t>外枠はいつもの紺ですが、中は別色</a:t>
+            </a:r>
+            <a:r>
+              <a:rPr lang="en-US" altLang="ja-JP" dirty="0"/>
+              <a:t>(</a:t>
+            </a:r>
+            <a:r>
+              <a:rPr lang="ja-JP" altLang="en-US"/>
+              <a:t>いい色があれば、グレー以外でも</a:t>
+            </a:r>
+            <a:r>
+              <a:rPr lang="en-US" altLang="ja-JP" dirty="0"/>
+              <a:t>OK)</a:t>
             </a:r>
             <a:endParaRPr lang="en-US" dirty="0"/>
           </a:p>
         </p:txBody>
       </p:sp>
-      <p:pic>
-        <p:nvPicPr>
-          <p:cNvPr id="7" name="Picture 6">
-            <a:extLst>
-              <a:ext uri="{FF2B5EF4-FFF2-40B4-BE49-F238E27FC236}">
-                <a16:creationId xmlns:a16="http://schemas.microsoft.com/office/drawing/2014/main" id="{ACA4493C-ED36-5B4E-9A6E-EF03B7DF2FC3}"/>
-              </a:ext>
-            </a:extLst>
-          </p:cNvPr>
-          <p:cNvPicPr>
-            <a:picLocks noChangeAspect="1"/>
-          </p:cNvPicPr>
+      <p:sp>
+        <p:nvSpPr>
+          <p:cNvPr id="17" name="Trapezoid 16">
+            <a:extLst>
+              <a:ext uri="{FF2B5EF4-FFF2-40B4-BE49-F238E27FC236}">
+                <a16:creationId xmlns:a16="http://schemas.microsoft.com/office/drawing/2014/main" id="{3E4A5862-E0C6-0A41-9D9F-70FE4AE34982}"/>
+              </a:ext>
+            </a:extLst>
+          </p:cNvPr>
+          <p:cNvSpPr/>
           <p:nvPr/>
-        </p:nvPicPr>
-        <p:blipFill>
-          <a:blip r:embed="rId3">
-            <a:extLst>
-              <a:ext uri="{28A0092B-C50C-407E-A947-70E740481C1C}">
-                <a14:useLocalDpi xmlns:a14="http://schemas.microsoft.com/office/drawing/2010/main" val="0"/>
-              </a:ext>
-            </a:extLst>
-          </a:blip>
-          <a:stretch>
-            <a:fillRect/>
-          </a:stretch>
-        </p:blipFill>
-        <p:spPr>
-          <a:xfrm>
-            <a:off x="1368371" y="4085956"/>
-            <a:ext cx="2552700" cy="2235200"/>
+        </p:nvSpPr>
+        <p:spPr>
+          <a:xfrm>
+            <a:off x="8298874" y="4861954"/>
+            <a:ext cx="771896" cy="736270"/>
+          </a:xfrm>
+          <a:prstGeom prst="trapezoid">
+            <a:avLst/>
+          </a:prstGeom>
+          <a:solidFill>
+            <a:schemeClr val="tx1"/>
+          </a:solidFill>
+          <a:ln>
+            <a:noFill/>
+          </a:ln>
+        </p:spPr>
+        <p:style>
+          <a:lnRef idx="2">
+            <a:schemeClr val="accent1">
+              <a:shade val="50000"/>
+            </a:schemeClr>
+          </a:lnRef>
+          <a:fillRef idx="1">
+            <a:schemeClr val="accent1"/>
+          </a:fillRef>
+          <a:effectRef idx="0">
+            <a:schemeClr val="accent1"/>
+          </a:effectRef>
+          <a:fontRef idx="minor">
+            <a:schemeClr val="lt1"/>
+          </a:fontRef>
+        </p:style>
+        <p:txBody>
+          <a:bodyPr rtlCol="0" anchor="ctr"/>
+          <a:lstStyle/>
+          <a:p>
+            <a:pPr algn="ctr"/>
+            <a:endParaRPr lang="en-US"/>
+          </a:p>
+        </p:txBody>
+      </p:sp>
+      <p:sp>
+        <p:nvSpPr>
+          <p:cNvPr id="18" name="Rounded Rectangle 17">
+            <a:extLst>
+              <a:ext uri="{FF2B5EF4-FFF2-40B4-BE49-F238E27FC236}">
+                <a16:creationId xmlns:a16="http://schemas.microsoft.com/office/drawing/2014/main" id="{FBC0C559-31A8-BD4A-AADD-E95785768FE9}"/>
+              </a:ext>
+            </a:extLst>
+          </p:cNvPr>
+          <p:cNvSpPr/>
+          <p:nvPr/>
+        </p:nvSpPr>
+        <p:spPr>
+          <a:xfrm>
+            <a:off x="7113318" y="2997528"/>
+            <a:ext cx="3146963" cy="1971303"/>
+          </a:xfrm>
+          <a:prstGeom prst="roundRect">
+            <a:avLst/>
+          </a:prstGeom>
+          <a:solidFill>
+            <a:schemeClr val="tx1"/>
+          </a:solidFill>
+          <a:ln>
+            <a:noFill/>
+          </a:ln>
+        </p:spPr>
+        <p:style>
+          <a:lnRef idx="2">
+            <a:schemeClr val="accent1">
+              <a:shade val="50000"/>
+            </a:schemeClr>
+          </a:lnRef>
+          <a:fillRef idx="1">
+            <a:schemeClr val="accent1"/>
+          </a:fillRef>
+          <a:effectRef idx="0">
+            <a:schemeClr val="accent1"/>
+          </a:effectRef>
+          <a:fontRef idx="minor">
+            <a:schemeClr val="lt1"/>
+          </a:fontRef>
+        </p:style>
+        <p:txBody>
+          <a:bodyPr rtlCol="0" anchor="ctr"/>
+          <a:lstStyle/>
+          <a:p>
+            <a:pPr algn="ctr"/>
+            <a:endParaRPr lang="en-US"/>
+          </a:p>
+        </p:txBody>
+      </p:sp>
+      <p:sp>
+        <p:nvSpPr>
+          <p:cNvPr id="19" name="Rounded Rectangle 18">
+            <a:extLst>
+              <a:ext uri="{FF2B5EF4-FFF2-40B4-BE49-F238E27FC236}">
+                <a16:creationId xmlns:a16="http://schemas.microsoft.com/office/drawing/2014/main" id="{42A91BDE-E92E-3745-849B-D7DFC4A279AD}"/>
+              </a:ext>
+            </a:extLst>
+          </p:cNvPr>
+          <p:cNvSpPr/>
+          <p:nvPr/>
+        </p:nvSpPr>
+        <p:spPr>
+          <a:xfrm>
+            <a:off x="7218220" y="3104406"/>
+            <a:ext cx="2923307" cy="1757548"/>
+          </a:xfrm>
+          <a:prstGeom prst="roundRect">
+            <a:avLst/>
+          </a:prstGeom>
+          <a:solidFill>
+            <a:schemeClr val="bg1"/>
+          </a:solidFill>
+          <a:ln>
+            <a:noFill/>
+          </a:ln>
+        </p:spPr>
+        <p:style>
+          <a:lnRef idx="2">
+            <a:schemeClr val="accent1">
+              <a:shade val="50000"/>
+            </a:schemeClr>
+          </a:lnRef>
+          <a:fillRef idx="1">
+            <a:schemeClr val="accent1"/>
+          </a:fillRef>
+          <a:effectRef idx="0">
+            <a:schemeClr val="accent1"/>
+          </a:effectRef>
+          <a:fontRef idx="minor">
+            <a:schemeClr val="lt1"/>
+          </a:fontRef>
+        </p:style>
+        <p:txBody>
+          <a:bodyPr rtlCol="0" anchor="ctr"/>
+          <a:lstStyle/>
+          <a:p>
+            <a:pPr algn="ctr"/>
+            <a:endParaRPr lang="en-US"/>
+          </a:p>
+        </p:txBody>
+      </p:sp>
+      <p:sp>
+        <p:nvSpPr>
+          <p:cNvPr id="26" name="Rectangle 25">
+            <a:extLst>
+              <a:ext uri="{FF2B5EF4-FFF2-40B4-BE49-F238E27FC236}">
+                <a16:creationId xmlns:a16="http://schemas.microsoft.com/office/drawing/2014/main" id="{7F42EEA0-CBD2-024F-948E-6AA6F0D6D23E}"/>
+              </a:ext>
+            </a:extLst>
+          </p:cNvPr>
+          <p:cNvSpPr/>
+          <p:nvPr/>
+        </p:nvSpPr>
+        <p:spPr>
+          <a:xfrm>
+            <a:off x="7811986" y="5479470"/>
+            <a:ext cx="1781298" cy="118751"/>
           </a:xfrm>
           <a:prstGeom prst="rect">
             <a:avLst/>
           </a:prstGeom>
-        </p:spPr>
-      </p:pic>
-      <p:sp>
-        <p:nvSpPr>
-          <p:cNvPr id="8" name="TextBox 7">
-            <a:extLst>
-              <a:ext uri="{FF2B5EF4-FFF2-40B4-BE49-F238E27FC236}">
-                <a16:creationId xmlns:a16="http://schemas.microsoft.com/office/drawing/2014/main" id="{A2EC60E7-83C7-B848-A193-0BCFF720A77B}"/>
-              </a:ext>
-            </a:extLst>
-          </p:cNvPr>
-          <p:cNvSpPr txBox="1"/>
+          <a:solidFill>
+            <a:schemeClr val="tx1"/>
+          </a:solidFill>
+          <a:ln>
+            <a:noFill/>
+          </a:ln>
+        </p:spPr>
+        <p:style>
+          <a:lnRef idx="2">
+            <a:schemeClr val="accent1">
+              <a:shade val="50000"/>
+            </a:schemeClr>
+          </a:lnRef>
+          <a:fillRef idx="1">
+            <a:schemeClr val="accent1"/>
+          </a:fillRef>
+          <a:effectRef idx="0">
+            <a:schemeClr val="accent1"/>
+          </a:effectRef>
+          <a:fontRef idx="minor">
+            <a:schemeClr val="lt1"/>
+          </a:fontRef>
+        </p:style>
+        <p:txBody>
+          <a:bodyPr rtlCol="0" anchor="ctr"/>
+          <a:lstStyle/>
+          <a:p>
+            <a:pPr algn="ctr"/>
+            <a:endParaRPr lang="en-US"/>
+          </a:p>
+        </p:txBody>
+      </p:sp>
+      <p:sp>
+        <p:nvSpPr>
+          <p:cNvPr id="33" name="Trapezoid 32">
+            <a:extLst>
+              <a:ext uri="{FF2B5EF4-FFF2-40B4-BE49-F238E27FC236}">
+                <a16:creationId xmlns:a16="http://schemas.microsoft.com/office/drawing/2014/main" id="{A5D59F70-4BEE-0849-8F7F-6C1274558B87}"/>
+              </a:ext>
+            </a:extLst>
+          </p:cNvPr>
+          <p:cNvSpPr/>
           <p:nvPr/>
         </p:nvSpPr>
         <p:spPr>
           <a:xfrm>
-            <a:off x="5610386" y="4880390"/>
-            <a:ext cx="4339650" cy="646331"/>
+            <a:off x="7715995" y="3972790"/>
+            <a:ext cx="447307" cy="546265"/>
+          </a:xfrm>
+          <a:prstGeom prst="trapezoid">
+            <a:avLst/>
+          </a:prstGeom>
+          <a:solidFill>
+            <a:schemeClr val="tx2">
+              <a:lumMod val="65000"/>
+              <a:lumOff val="35000"/>
+            </a:schemeClr>
+          </a:solidFill>
+          <a:ln>
+            <a:noFill/>
+          </a:ln>
+        </p:spPr>
+        <p:style>
+          <a:lnRef idx="2">
+            <a:schemeClr val="accent1">
+              <a:shade val="50000"/>
+            </a:schemeClr>
+          </a:lnRef>
+          <a:fillRef idx="1">
+            <a:schemeClr val="accent1"/>
+          </a:fillRef>
+          <a:effectRef idx="0">
+            <a:schemeClr val="accent1"/>
+          </a:effectRef>
+          <a:fontRef idx="minor">
+            <a:schemeClr val="lt1"/>
+          </a:fontRef>
+        </p:style>
+        <p:txBody>
+          <a:bodyPr rtlCol="0" anchor="ctr"/>
+          <a:lstStyle/>
+          <a:p>
+            <a:pPr algn="ctr"/>
+            <a:endParaRPr lang="en-US"/>
+          </a:p>
+        </p:txBody>
+      </p:sp>
+      <p:sp>
+        <p:nvSpPr>
+          <p:cNvPr id="34" name="Rectangle 33">
+            <a:extLst>
+              <a:ext uri="{FF2B5EF4-FFF2-40B4-BE49-F238E27FC236}">
+                <a16:creationId xmlns:a16="http://schemas.microsoft.com/office/drawing/2014/main" id="{89C25DB6-6A30-8A4A-938E-C18DC1874685}"/>
+              </a:ext>
+            </a:extLst>
+          </p:cNvPr>
+          <p:cNvSpPr/>
+          <p:nvPr/>
+        </p:nvSpPr>
+        <p:spPr>
+          <a:xfrm>
+            <a:off x="7571513" y="4465617"/>
+            <a:ext cx="751112" cy="65313"/>
           </a:xfrm>
           <a:prstGeom prst="rect">
             <a:avLst/>
           </a:prstGeom>
-          <a:noFill/>
-        </p:spPr>
-        <p:txBody>
-          <a:bodyPr wrap="none" rtlCol="0">
-            <a:spAutoFit/>
-          </a:bodyPr>
-          <a:lstStyle/>
-          <a:p>
-            <a:r>
-              <a:rPr lang="ja-JP" altLang="en-US"/>
-              <a:t>ロードバランサーのアイコン</a:t>
-            </a:r>
-            <a:endParaRPr lang="en-US" altLang="ja-JP" dirty="0"/>
-          </a:p>
-          <a:p>
-            <a:r>
-              <a:rPr lang="ja-JP" altLang="en-US"/>
-              <a:t>影は不要で、シンプルにしてください。</a:t>
-            </a:r>
-            <a:endParaRPr lang="en-US" dirty="0"/>
+          <a:solidFill>
+            <a:schemeClr val="tx2">
+              <a:lumMod val="65000"/>
+              <a:lumOff val="35000"/>
+            </a:schemeClr>
+          </a:solidFill>
+          <a:ln>
+            <a:noFill/>
+          </a:ln>
+        </p:spPr>
+        <p:style>
+          <a:lnRef idx="2">
+            <a:schemeClr val="accent1">
+              <a:shade val="50000"/>
+            </a:schemeClr>
+          </a:lnRef>
+          <a:fillRef idx="1">
+            <a:schemeClr val="accent1"/>
+          </a:fillRef>
+          <a:effectRef idx="0">
+            <a:schemeClr val="accent1"/>
+          </a:effectRef>
+          <a:fontRef idx="minor">
+            <a:schemeClr val="lt1"/>
+          </a:fontRef>
+        </p:style>
+        <p:txBody>
+          <a:bodyPr rtlCol="0" anchor="ctr"/>
+          <a:lstStyle/>
+          <a:p>
+            <a:pPr algn="ctr"/>
+            <a:endParaRPr lang="en-US"/>
+          </a:p>
+        </p:txBody>
+      </p:sp>
+      <p:sp>
+        <p:nvSpPr>
+          <p:cNvPr id="35" name="Rounded Rectangle 34">
+            <a:extLst>
+              <a:ext uri="{FF2B5EF4-FFF2-40B4-BE49-F238E27FC236}">
+                <a16:creationId xmlns:a16="http://schemas.microsoft.com/office/drawing/2014/main" id="{97E0BC04-7A76-AC40-8389-BE36392D5D53}"/>
+              </a:ext>
+            </a:extLst>
+          </p:cNvPr>
+          <p:cNvSpPr/>
+          <p:nvPr/>
+        </p:nvSpPr>
+        <p:spPr>
+          <a:xfrm>
+            <a:off x="7370622" y="3482437"/>
+            <a:ext cx="1151907" cy="814451"/>
+          </a:xfrm>
+          <a:prstGeom prst="roundRect">
+            <a:avLst/>
+          </a:prstGeom>
+          <a:solidFill>
+            <a:schemeClr val="tx2">
+              <a:lumMod val="65000"/>
+              <a:lumOff val="35000"/>
+            </a:schemeClr>
+          </a:solidFill>
+          <a:ln>
+            <a:noFill/>
+          </a:ln>
+        </p:spPr>
+        <p:style>
+          <a:lnRef idx="2">
+            <a:schemeClr val="accent1">
+              <a:shade val="50000"/>
+            </a:schemeClr>
+          </a:lnRef>
+          <a:fillRef idx="1">
+            <a:schemeClr val="accent1"/>
+          </a:fillRef>
+          <a:effectRef idx="0">
+            <a:schemeClr val="accent1"/>
+          </a:effectRef>
+          <a:fontRef idx="minor">
+            <a:schemeClr val="lt1"/>
+          </a:fontRef>
+        </p:style>
+        <p:txBody>
+          <a:bodyPr rtlCol="0" anchor="ctr"/>
+          <a:lstStyle/>
+          <a:p>
+            <a:pPr algn="ctr"/>
+            <a:endParaRPr lang="en-US"/>
+          </a:p>
+        </p:txBody>
+      </p:sp>
+      <p:sp>
+        <p:nvSpPr>
+          <p:cNvPr id="36" name="Rounded Rectangle 35">
+            <a:extLst>
+              <a:ext uri="{FF2B5EF4-FFF2-40B4-BE49-F238E27FC236}">
+                <a16:creationId xmlns:a16="http://schemas.microsoft.com/office/drawing/2014/main" id="{EC9C6955-2F6F-D549-867A-7730FF968245}"/>
+              </a:ext>
+            </a:extLst>
+          </p:cNvPr>
+          <p:cNvSpPr/>
+          <p:nvPr/>
+        </p:nvSpPr>
+        <p:spPr>
+          <a:xfrm>
+            <a:off x="7416145" y="3529938"/>
+            <a:ext cx="1047008" cy="707573"/>
+          </a:xfrm>
+          <a:prstGeom prst="roundRect">
+            <a:avLst/>
+          </a:prstGeom>
+          <a:solidFill>
+            <a:schemeClr val="bg1"/>
+          </a:solidFill>
+          <a:ln>
+            <a:noFill/>
+          </a:ln>
+        </p:spPr>
+        <p:style>
+          <a:lnRef idx="2">
+            <a:schemeClr val="accent1">
+              <a:shade val="50000"/>
+            </a:schemeClr>
+          </a:lnRef>
+          <a:fillRef idx="1">
+            <a:schemeClr val="accent1"/>
+          </a:fillRef>
+          <a:effectRef idx="0">
+            <a:schemeClr val="accent1"/>
+          </a:effectRef>
+          <a:fontRef idx="minor">
+            <a:schemeClr val="lt1"/>
+          </a:fontRef>
+        </p:style>
+        <p:txBody>
+          <a:bodyPr rtlCol="0" anchor="ctr"/>
+          <a:lstStyle/>
+          <a:p>
+            <a:pPr algn="ctr"/>
+            <a:endParaRPr lang="en-US"/>
+          </a:p>
+        </p:txBody>
+      </p:sp>
+      <p:sp>
+        <p:nvSpPr>
+          <p:cNvPr id="37" name="Trapezoid 36">
+            <a:extLst>
+              <a:ext uri="{FF2B5EF4-FFF2-40B4-BE49-F238E27FC236}">
+                <a16:creationId xmlns:a16="http://schemas.microsoft.com/office/drawing/2014/main" id="{43060AFB-50DC-5746-82C8-D4DBB33DE74A}"/>
+              </a:ext>
+            </a:extLst>
+          </p:cNvPr>
+          <p:cNvSpPr/>
+          <p:nvPr/>
+        </p:nvSpPr>
+        <p:spPr>
+          <a:xfrm>
+            <a:off x="9150929" y="3972790"/>
+            <a:ext cx="447307" cy="546265"/>
+          </a:xfrm>
+          <a:prstGeom prst="trapezoid">
+            <a:avLst/>
+          </a:prstGeom>
+          <a:solidFill>
+            <a:schemeClr val="tx2">
+              <a:lumMod val="65000"/>
+              <a:lumOff val="35000"/>
+            </a:schemeClr>
+          </a:solidFill>
+          <a:ln>
+            <a:noFill/>
+          </a:ln>
+        </p:spPr>
+        <p:style>
+          <a:lnRef idx="2">
+            <a:schemeClr val="accent1">
+              <a:shade val="50000"/>
+            </a:schemeClr>
+          </a:lnRef>
+          <a:fillRef idx="1">
+            <a:schemeClr val="accent1"/>
+          </a:fillRef>
+          <a:effectRef idx="0">
+            <a:schemeClr val="accent1"/>
+          </a:effectRef>
+          <a:fontRef idx="minor">
+            <a:schemeClr val="lt1"/>
+          </a:fontRef>
+        </p:style>
+        <p:txBody>
+          <a:bodyPr rtlCol="0" anchor="ctr"/>
+          <a:lstStyle/>
+          <a:p>
+            <a:pPr algn="ctr"/>
+            <a:endParaRPr lang="en-US"/>
+          </a:p>
+        </p:txBody>
+      </p:sp>
+      <p:sp>
+        <p:nvSpPr>
+          <p:cNvPr id="38" name="Rectangle 37">
+            <a:extLst>
+              <a:ext uri="{FF2B5EF4-FFF2-40B4-BE49-F238E27FC236}">
+                <a16:creationId xmlns:a16="http://schemas.microsoft.com/office/drawing/2014/main" id="{E9E9A4D8-785C-014E-AF09-703D8C7FB5A6}"/>
+              </a:ext>
+            </a:extLst>
+          </p:cNvPr>
+          <p:cNvSpPr/>
+          <p:nvPr/>
+        </p:nvSpPr>
+        <p:spPr>
+          <a:xfrm>
+            <a:off x="9006447" y="4465617"/>
+            <a:ext cx="751112" cy="65313"/>
+          </a:xfrm>
+          <a:prstGeom prst="rect">
+            <a:avLst/>
+          </a:prstGeom>
+          <a:solidFill>
+            <a:schemeClr val="tx2">
+              <a:lumMod val="65000"/>
+              <a:lumOff val="35000"/>
+            </a:schemeClr>
+          </a:solidFill>
+          <a:ln>
+            <a:noFill/>
+          </a:ln>
+        </p:spPr>
+        <p:style>
+          <a:lnRef idx="2">
+            <a:schemeClr val="accent1">
+              <a:shade val="50000"/>
+            </a:schemeClr>
+          </a:lnRef>
+          <a:fillRef idx="1">
+            <a:schemeClr val="accent1"/>
+          </a:fillRef>
+          <a:effectRef idx="0">
+            <a:schemeClr val="accent1"/>
+          </a:effectRef>
+          <a:fontRef idx="minor">
+            <a:schemeClr val="lt1"/>
+          </a:fontRef>
+        </p:style>
+        <p:txBody>
+          <a:bodyPr rtlCol="0" anchor="ctr"/>
+          <a:lstStyle/>
+          <a:p>
+            <a:pPr algn="ctr"/>
+            <a:endParaRPr lang="en-US"/>
+          </a:p>
+        </p:txBody>
+      </p:sp>
+      <p:sp>
+        <p:nvSpPr>
+          <p:cNvPr id="39" name="Rounded Rectangle 38">
+            <a:extLst>
+              <a:ext uri="{FF2B5EF4-FFF2-40B4-BE49-F238E27FC236}">
+                <a16:creationId xmlns:a16="http://schemas.microsoft.com/office/drawing/2014/main" id="{9446C10F-A120-3540-9F4B-934BB90BB0CA}"/>
+              </a:ext>
+            </a:extLst>
+          </p:cNvPr>
+          <p:cNvSpPr/>
+          <p:nvPr/>
+        </p:nvSpPr>
+        <p:spPr>
+          <a:xfrm>
+            <a:off x="8805556" y="3482437"/>
+            <a:ext cx="1151907" cy="814451"/>
+          </a:xfrm>
+          <a:prstGeom prst="roundRect">
+            <a:avLst/>
+          </a:prstGeom>
+          <a:solidFill>
+            <a:schemeClr val="tx2">
+              <a:lumMod val="65000"/>
+              <a:lumOff val="35000"/>
+            </a:schemeClr>
+          </a:solidFill>
+          <a:ln>
+            <a:noFill/>
+          </a:ln>
+        </p:spPr>
+        <p:style>
+          <a:lnRef idx="2">
+            <a:schemeClr val="accent1">
+              <a:shade val="50000"/>
+            </a:schemeClr>
+          </a:lnRef>
+          <a:fillRef idx="1">
+            <a:schemeClr val="accent1"/>
+          </a:fillRef>
+          <a:effectRef idx="0">
+            <a:schemeClr val="accent1"/>
+          </a:effectRef>
+          <a:fontRef idx="minor">
+            <a:schemeClr val="lt1"/>
+          </a:fontRef>
+        </p:style>
+        <p:txBody>
+          <a:bodyPr rtlCol="0" anchor="ctr"/>
+          <a:lstStyle/>
+          <a:p>
+            <a:pPr algn="ctr"/>
+            <a:endParaRPr lang="en-US"/>
+          </a:p>
+        </p:txBody>
+      </p:sp>
+      <p:sp>
+        <p:nvSpPr>
+          <p:cNvPr id="40" name="Rounded Rectangle 39">
+            <a:extLst>
+              <a:ext uri="{FF2B5EF4-FFF2-40B4-BE49-F238E27FC236}">
+                <a16:creationId xmlns:a16="http://schemas.microsoft.com/office/drawing/2014/main" id="{EA5C0AAA-EB04-114C-B445-03063B538996}"/>
+              </a:ext>
+            </a:extLst>
+          </p:cNvPr>
+          <p:cNvSpPr/>
+          <p:nvPr/>
+        </p:nvSpPr>
+        <p:spPr>
+          <a:xfrm>
+            <a:off x="8851079" y="3529938"/>
+            <a:ext cx="1047008" cy="707573"/>
+          </a:xfrm>
+          <a:prstGeom prst="roundRect">
+            <a:avLst/>
+          </a:prstGeom>
+          <a:solidFill>
+            <a:schemeClr val="bg1"/>
+          </a:solidFill>
+          <a:ln>
+            <a:noFill/>
+          </a:ln>
+        </p:spPr>
+        <p:style>
+          <a:lnRef idx="2">
+            <a:schemeClr val="accent1">
+              <a:shade val="50000"/>
+            </a:schemeClr>
+          </a:lnRef>
+          <a:fillRef idx="1">
+            <a:schemeClr val="accent1"/>
+          </a:fillRef>
+          <a:effectRef idx="0">
+            <a:schemeClr val="accent1"/>
+          </a:effectRef>
+          <a:fontRef idx="minor">
+            <a:schemeClr val="lt1"/>
+          </a:fontRef>
+        </p:style>
+        <p:txBody>
+          <a:bodyPr rtlCol="0" anchor="ctr"/>
+          <a:lstStyle/>
+          <a:p>
+            <a:pPr algn="ctr"/>
+            <a:endParaRPr lang="en-US"/>
           </a:p>
         </p:txBody>
       </p:sp>
     </p:spTree>
     <p:extLst>
       <p:ext uri="{BB962C8B-B14F-4D97-AF65-F5344CB8AC3E}">
-        <p14:creationId xmlns:p14="http://schemas.microsoft.com/office/powerpoint/2010/main" val="1246575808"/>
+        <p14:creationId xmlns:p14="http://schemas.microsoft.com/office/powerpoint/2010/main" val="3817987117"/>
       </p:ext>
     </p:extLst>
   </p:cSld>
@@ -6338,10 +7123,10 @@
       </p:grpSpPr>
       <p:pic>
         <p:nvPicPr>
-          <p:cNvPr id="2" name="Picture 1">
-            <a:extLst>
-              <a:ext uri="{FF2B5EF4-FFF2-40B4-BE49-F238E27FC236}">
-                <a16:creationId xmlns:a16="http://schemas.microsoft.com/office/drawing/2014/main" id="{41580FF6-564A-0345-92D6-6186610B0540}"/>
+          <p:cNvPr id="5" name="Picture 4">
+            <a:extLst>
+              <a:ext uri="{FF2B5EF4-FFF2-40B4-BE49-F238E27FC236}">
+                <a16:creationId xmlns:a16="http://schemas.microsoft.com/office/drawing/2014/main" id="{0015CFC7-A9DD-1F44-AE18-B99F91C1F6F9}"/>
               </a:ext>
             </a:extLst>
           </p:cNvPr>
@@ -6364,8 +7149,8 @@
         </p:blipFill>
         <p:spPr>
           <a:xfrm>
-            <a:off x="1789360" y="1229055"/>
-            <a:ext cx="1568424" cy="1176318"/>
+            <a:off x="1118919" y="1218870"/>
+            <a:ext cx="4064000" cy="4064000"/>
           </a:xfrm>
           <a:prstGeom prst="rect">
             <a:avLst/>
@@ -6374,10 +7159,62 @@
       </p:pic>
       <p:sp>
         <p:nvSpPr>
-          <p:cNvPr id="3" name="TextBox 2">
-            <a:extLst>
-              <a:ext uri="{FF2B5EF4-FFF2-40B4-BE49-F238E27FC236}">
-                <a16:creationId xmlns:a16="http://schemas.microsoft.com/office/drawing/2014/main" id="{A7968178-9D46-3440-9B73-9469D4632A4A}"/>
+          <p:cNvPr id="6" name="Rectangle 5">
+            <a:extLst>
+              <a:ext uri="{FF2B5EF4-FFF2-40B4-BE49-F238E27FC236}">
+                <a16:creationId xmlns:a16="http://schemas.microsoft.com/office/drawing/2014/main" id="{AFDCC142-D8B0-D34E-82AF-C8170D6EF6B4}"/>
+              </a:ext>
+            </a:extLst>
+          </p:cNvPr>
+          <p:cNvSpPr/>
+          <p:nvPr/>
+        </p:nvSpPr>
+        <p:spPr>
+          <a:xfrm>
+            <a:off x="2743200" y="2731325"/>
+            <a:ext cx="771896" cy="1033153"/>
+          </a:xfrm>
+          <a:prstGeom prst="rect">
+            <a:avLst/>
+          </a:prstGeom>
+          <a:solidFill>
+            <a:schemeClr val="bg1"/>
+          </a:solidFill>
+          <a:ln>
+            <a:noFill/>
+          </a:ln>
+        </p:spPr>
+        <p:style>
+          <a:lnRef idx="2">
+            <a:schemeClr val="accent1">
+              <a:shade val="50000"/>
+            </a:schemeClr>
+          </a:lnRef>
+          <a:fillRef idx="1">
+            <a:schemeClr val="accent1"/>
+          </a:fillRef>
+          <a:effectRef idx="0">
+            <a:schemeClr val="accent1"/>
+          </a:effectRef>
+          <a:fontRef idx="minor">
+            <a:schemeClr val="lt1"/>
+          </a:fontRef>
+        </p:style>
+        <p:txBody>
+          <a:bodyPr rtlCol="0" anchor="ctr"/>
+          <a:lstStyle/>
+          <a:p>
+            <a:pPr algn="ctr"/>
+            <a:endParaRPr lang="en-US"/>
+          </a:p>
+        </p:txBody>
+      </p:sp>
+      <p:sp>
+        <p:nvSpPr>
+          <p:cNvPr id="7" name="TextBox 6">
+            <a:extLst>
+              <a:ext uri="{FF2B5EF4-FFF2-40B4-BE49-F238E27FC236}">
+                <a16:creationId xmlns:a16="http://schemas.microsoft.com/office/drawing/2014/main" id="{B75C00E0-5870-7C41-B2A1-73062F6BCDE7}"/>
               </a:ext>
             </a:extLst>
           </p:cNvPr>
@@ -6386,8 +7223,8 @@
         </p:nvSpPr>
         <p:spPr>
           <a:xfrm>
-            <a:off x="4982705" y="1494048"/>
-            <a:ext cx="2262158" cy="646331"/>
+            <a:off x="5182919" y="2897579"/>
+            <a:ext cx="3384260" cy="646331"/>
           </a:xfrm>
           <a:prstGeom prst="rect">
             <a:avLst/>
@@ -6401,94 +7238,23 @@
           <a:lstStyle/>
           <a:p>
             <a:r>
+              <a:rPr lang="en-US" altLang="ja-JP" dirty="0"/>
+              <a:t>(6)</a:t>
+            </a:r>
+            <a:r>
               <a:rPr lang="ja-JP" altLang="en-US"/>
-              <a:t>アイフォン。</a:t>
+              <a:t>ただのスマホ。</a:t>
             </a:r>
             <a:endParaRPr lang="en-US" altLang="ja-JP" dirty="0"/>
           </a:p>
           <a:p>
             <a:r>
+              <a:rPr lang="en-US" altLang="ja-JP" dirty="0" err="1"/>
+              <a:t>Iphone</a:t>
+            </a:r>
+            <a:r>
               <a:rPr lang="ja-JP" altLang="en-US"/>
-              <a:t>中央にリンゴマーク</a:t>
-            </a:r>
-            <a:endParaRPr lang="en-US" dirty="0"/>
-          </a:p>
-        </p:txBody>
-      </p:sp>
-      <p:pic>
-        <p:nvPicPr>
-          <p:cNvPr id="4" name="Picture 3">
-            <a:extLst>
-              <a:ext uri="{FF2B5EF4-FFF2-40B4-BE49-F238E27FC236}">
-                <a16:creationId xmlns:a16="http://schemas.microsoft.com/office/drawing/2014/main" id="{B37229E8-A309-F44B-8FF3-CE233E26576C}"/>
-              </a:ext>
-            </a:extLst>
-          </p:cNvPr>
-          <p:cNvPicPr>
-            <a:picLocks noChangeAspect="1"/>
-          </p:cNvPicPr>
-          <p:nvPr/>
-        </p:nvPicPr>
-        <p:blipFill>
-          <a:blip r:embed="rId2">
-            <a:extLst>
-              <a:ext uri="{28A0092B-C50C-407E-A947-70E740481C1C}">
-                <a14:useLocalDpi xmlns:a14="http://schemas.microsoft.com/office/drawing/2010/main" val="0"/>
-              </a:ext>
-            </a:extLst>
-          </a:blip>
-          <a:stretch>
-            <a:fillRect/>
-          </a:stretch>
-        </p:blipFill>
-        <p:spPr>
-          <a:xfrm>
-            <a:off x="1789360" y="4000669"/>
-            <a:ext cx="1568424" cy="1176318"/>
-          </a:xfrm>
-          <a:prstGeom prst="rect">
-            <a:avLst/>
-          </a:prstGeom>
-        </p:spPr>
-      </p:pic>
-      <p:sp>
-        <p:nvSpPr>
-          <p:cNvPr id="5" name="TextBox 4">
-            <a:extLst>
-              <a:ext uri="{FF2B5EF4-FFF2-40B4-BE49-F238E27FC236}">
-                <a16:creationId xmlns:a16="http://schemas.microsoft.com/office/drawing/2014/main" id="{672417F4-8829-D24C-A543-3ECECA12A750}"/>
-              </a:ext>
-            </a:extLst>
-          </p:cNvPr>
-          <p:cNvSpPr txBox="1"/>
-          <p:nvPr/>
-        </p:nvSpPr>
-        <p:spPr>
-          <a:xfrm>
-            <a:off x="4982705" y="4265662"/>
-            <a:ext cx="3185487" cy="646331"/>
-          </a:xfrm>
-          <a:prstGeom prst="rect">
-            <a:avLst/>
-          </a:prstGeom>
-          <a:noFill/>
-        </p:spPr>
-        <p:txBody>
-          <a:bodyPr wrap="none" rtlCol="0">
-            <a:spAutoFit/>
-          </a:bodyPr>
-          <a:lstStyle/>
-          <a:p>
-            <a:r>
-              <a:rPr lang="ja-JP" altLang="en-US"/>
-              <a:t>アンドロイド</a:t>
-            </a:r>
-            <a:endParaRPr lang="en-US" altLang="ja-JP" dirty="0"/>
-          </a:p>
-          <a:p>
-            <a:r>
-              <a:rPr lang="ja-JP" altLang="en-US"/>
-              <a:t>中央にアンドロイドのマーク</a:t>
+              <a:t>からリンゴマークをとる</a:t>
             </a:r>
             <a:endParaRPr lang="en-US" dirty="0"/>
           </a:p>
@@ -6497,405 +7263,7 @@
     </p:spTree>
     <p:extLst>
       <p:ext uri="{BB962C8B-B14F-4D97-AF65-F5344CB8AC3E}">
-        <p14:creationId xmlns:p14="http://schemas.microsoft.com/office/powerpoint/2010/main" val="2285040338"/>
-      </p:ext>
-    </p:extLst>
-  </p:cSld>
-  <p:clrMapOvr>
-    <a:masterClrMapping/>
-  </p:clrMapOvr>
-</p:sld>
-</file>
-
-<file path=ppt/slides/slide8.xml><?xml version="1.0" encoding="utf-8"?>
-<p:sld xmlns:a="http://schemas.openxmlformats.org/drawingml/2006/main" xmlns:r="http://schemas.openxmlformats.org/officeDocument/2006/relationships" xmlns:p="http://schemas.openxmlformats.org/presentationml/2006/main">
-  <p:cSld>
-    <p:spTree>
-      <p:nvGrpSpPr>
-        <p:cNvPr id="1" name=""/>
-        <p:cNvGrpSpPr/>
-        <p:nvPr/>
-      </p:nvGrpSpPr>
-      <p:grpSpPr>
-        <a:xfrm>
-          <a:off x="0" y="0"/>
-          <a:ext cx="0" cy="0"/>
-          <a:chOff x="0" y="0"/>
-          <a:chExt cx="0" cy="0"/>
-        </a:xfrm>
-      </p:grpSpPr>
-      <p:pic>
-        <p:nvPicPr>
-          <p:cNvPr id="2" name="Picture 1">
-            <a:extLst>
-              <a:ext uri="{FF2B5EF4-FFF2-40B4-BE49-F238E27FC236}">
-                <a16:creationId xmlns:a16="http://schemas.microsoft.com/office/drawing/2014/main" id="{9027D468-5C9C-1F4C-A761-1198E009D518}"/>
-              </a:ext>
-            </a:extLst>
-          </p:cNvPr>
-          <p:cNvPicPr>
-            <a:picLocks noChangeAspect="1"/>
-          </p:cNvPicPr>
-          <p:nvPr/>
-        </p:nvPicPr>
-        <p:blipFill>
-          <a:blip r:embed="rId2">
-            <a:extLst>
-              <a:ext uri="{28A0092B-C50C-407E-A947-70E740481C1C}">
-                <a14:useLocalDpi xmlns:a14="http://schemas.microsoft.com/office/drawing/2010/main" val="0"/>
-              </a:ext>
-            </a:extLst>
-          </a:blip>
-          <a:stretch>
-            <a:fillRect/>
-          </a:stretch>
-        </p:blipFill>
-        <p:spPr>
-          <a:xfrm rot="10800000">
-            <a:off x="1980384" y="1083878"/>
-            <a:ext cx="1524707" cy="1524707"/>
-          </a:xfrm>
-          <a:prstGeom prst="rect">
-            <a:avLst/>
-          </a:prstGeom>
-        </p:spPr>
-      </p:pic>
-      <p:sp>
-        <p:nvSpPr>
-          <p:cNvPr id="3" name="TextBox 2">
-            <a:extLst>
-              <a:ext uri="{FF2B5EF4-FFF2-40B4-BE49-F238E27FC236}">
-                <a16:creationId xmlns:a16="http://schemas.microsoft.com/office/drawing/2014/main" id="{CA7A7034-3208-8645-96DD-EB5D144389E7}"/>
-              </a:ext>
-            </a:extLst>
-          </p:cNvPr>
-          <p:cNvSpPr txBox="1"/>
-          <p:nvPr/>
-        </p:nvSpPr>
-        <p:spPr>
-          <a:xfrm>
-            <a:off x="4781226" y="1476900"/>
-            <a:ext cx="2233304" cy="646331"/>
-          </a:xfrm>
-          <a:prstGeom prst="rect">
-            <a:avLst/>
-          </a:prstGeom>
-          <a:noFill/>
-        </p:spPr>
-        <p:txBody>
-          <a:bodyPr wrap="none" rtlCol="0">
-            <a:spAutoFit/>
-          </a:bodyPr>
-          <a:lstStyle/>
-          <a:p>
-            <a:r>
-              <a:rPr lang="en-US" dirty="0"/>
-              <a:t>LAN</a:t>
-            </a:r>
-            <a:r>
-              <a:rPr lang="ja-JP" altLang="en-US"/>
-              <a:t>ケーブル</a:t>
-            </a:r>
-            <a:endParaRPr lang="en-US" altLang="ja-JP" dirty="0"/>
-          </a:p>
-          <a:p>
-            <a:r>
-              <a:rPr lang="en-US" dirty="0"/>
-              <a:t>RJ45</a:t>
-            </a:r>
-            <a:r>
-              <a:rPr lang="ja-JP" altLang="en-US"/>
-              <a:t>の簡易アイコン</a:t>
-            </a:r>
-            <a:endParaRPr lang="en-US" altLang="ja-JP" dirty="0"/>
-          </a:p>
-        </p:txBody>
-      </p:sp>
-      <p:pic>
-        <p:nvPicPr>
-          <p:cNvPr id="7" name="Picture 6">
-            <a:extLst>
-              <a:ext uri="{FF2B5EF4-FFF2-40B4-BE49-F238E27FC236}">
-                <a16:creationId xmlns:a16="http://schemas.microsoft.com/office/drawing/2014/main" id="{2C525F09-AA27-5F4E-AC34-59E82CDFE761}"/>
-              </a:ext>
-            </a:extLst>
-          </p:cNvPr>
-          <p:cNvPicPr>
-            <a:picLocks noChangeAspect="1"/>
-          </p:cNvPicPr>
-          <p:nvPr/>
-        </p:nvPicPr>
-        <p:blipFill>
-          <a:blip r:embed="rId3">
-            <a:extLst>
-              <a:ext uri="{28A0092B-C50C-407E-A947-70E740481C1C}">
-                <a14:useLocalDpi xmlns:a14="http://schemas.microsoft.com/office/drawing/2010/main" val="0"/>
-              </a:ext>
-            </a:extLst>
-          </a:blip>
-          <a:stretch>
-            <a:fillRect/>
-          </a:stretch>
-        </p:blipFill>
-        <p:spPr>
-          <a:xfrm>
-            <a:off x="4137584" y="4087892"/>
-            <a:ext cx="1079500" cy="1181100"/>
-          </a:xfrm>
-          <a:prstGeom prst="rect">
-            <a:avLst/>
-          </a:prstGeom>
-        </p:spPr>
-      </p:pic>
-      <p:pic>
-        <p:nvPicPr>
-          <p:cNvPr id="9" name="Picture 8">
-            <a:extLst>
-              <a:ext uri="{FF2B5EF4-FFF2-40B4-BE49-F238E27FC236}">
-                <a16:creationId xmlns:a16="http://schemas.microsoft.com/office/drawing/2014/main" id="{F763351F-81C6-9547-AF2E-67AE13AEBDE5}"/>
-              </a:ext>
-            </a:extLst>
-          </p:cNvPr>
-          <p:cNvPicPr>
-            <a:picLocks noChangeAspect="1"/>
-          </p:cNvPicPr>
-          <p:nvPr/>
-        </p:nvPicPr>
-        <p:blipFill>
-          <a:blip r:embed="rId4">
-            <a:extLst>
-              <a:ext uri="{28A0092B-C50C-407E-A947-70E740481C1C}">
-                <a14:useLocalDpi xmlns:a14="http://schemas.microsoft.com/office/drawing/2010/main" val="0"/>
-              </a:ext>
-            </a:extLst>
-          </a:blip>
-          <a:stretch>
-            <a:fillRect/>
-          </a:stretch>
-        </p:blipFill>
-        <p:spPr>
-          <a:xfrm>
-            <a:off x="1394739" y="4087892"/>
-            <a:ext cx="2110352" cy="1195866"/>
-          </a:xfrm>
-          <a:prstGeom prst="rect">
-            <a:avLst/>
-          </a:prstGeom>
-        </p:spPr>
-      </p:pic>
-      <p:sp>
-        <p:nvSpPr>
-          <p:cNvPr id="10" name="TextBox 9">
-            <a:extLst>
-              <a:ext uri="{FF2B5EF4-FFF2-40B4-BE49-F238E27FC236}">
-                <a16:creationId xmlns:a16="http://schemas.microsoft.com/office/drawing/2014/main" id="{C3F28BA3-2512-354E-9A2B-36394533D622}"/>
-              </a:ext>
-            </a:extLst>
-          </p:cNvPr>
-          <p:cNvSpPr txBox="1"/>
-          <p:nvPr/>
-        </p:nvSpPr>
-        <p:spPr>
-          <a:xfrm>
-            <a:off x="5631051" y="4208042"/>
-            <a:ext cx="5262979" cy="1200329"/>
-          </a:xfrm>
-          <a:prstGeom prst="rect">
-            <a:avLst/>
-          </a:prstGeom>
-          <a:noFill/>
-        </p:spPr>
-        <p:txBody>
-          <a:bodyPr wrap="none" rtlCol="0">
-            <a:spAutoFit/>
-          </a:bodyPr>
-          <a:lstStyle/>
-          <a:p>
-            <a:r>
-              <a:rPr lang="ja-JP" altLang="en-US"/>
-              <a:t>光ファイバーのケーブル</a:t>
-            </a:r>
-            <a:r>
-              <a:rPr lang="en-US" altLang="ja-JP" dirty="0"/>
-              <a:t>(</a:t>
-            </a:r>
-            <a:r>
-              <a:rPr lang="ja-JP" altLang="en-US"/>
-              <a:t>左</a:t>
-            </a:r>
-            <a:r>
-              <a:rPr lang="en-US" altLang="ja-JP" dirty="0"/>
-              <a:t>)</a:t>
-            </a:r>
-          </a:p>
-          <a:p>
-            <a:r>
-              <a:rPr lang="ja-JP" altLang="en-US"/>
-              <a:t>右側のアイコンみたいなのを作成してください。</a:t>
-            </a:r>
-            <a:endParaRPr lang="en-US" altLang="ja-JP" dirty="0"/>
-          </a:p>
-          <a:p>
-            <a:r>
-              <a:rPr lang="ja-JP" altLang="en-US"/>
-              <a:t>外</a:t>
-            </a:r>
-            <a:r>
-              <a:rPr lang="en-US" altLang="ja-JP" dirty="0"/>
-              <a:t>(</a:t>
-            </a:r>
-            <a:r>
-              <a:rPr lang="ja-JP" altLang="en-US"/>
-              <a:t>皮膜</a:t>
-            </a:r>
-            <a:r>
-              <a:rPr lang="en-US" altLang="ja-JP" dirty="0"/>
-              <a:t>)</a:t>
-            </a:r>
-            <a:r>
-              <a:rPr lang="ja-JP" altLang="en-US"/>
-              <a:t>が紺で中</a:t>
-            </a:r>
-            <a:r>
-              <a:rPr lang="en-US" altLang="ja-JP" dirty="0"/>
-              <a:t>(</a:t>
-            </a:r>
-            <a:r>
-              <a:rPr lang="ja-JP" altLang="en-US"/>
-              <a:t>芯</a:t>
-            </a:r>
-            <a:r>
-              <a:rPr lang="en-US" altLang="ja-JP" dirty="0"/>
-              <a:t>)</a:t>
-            </a:r>
-            <a:r>
-              <a:rPr lang="ja-JP" altLang="en-US"/>
-              <a:t>が灰色。</a:t>
-            </a:r>
-            <a:endParaRPr lang="en-US" altLang="ja-JP" dirty="0"/>
-          </a:p>
-          <a:p>
-            <a:r>
-              <a:rPr lang="ja-JP" altLang="en-US"/>
-              <a:t>枠は不要です</a:t>
-            </a:r>
-            <a:endParaRPr lang="en-US" altLang="ja-JP" dirty="0"/>
-          </a:p>
-        </p:txBody>
-      </p:sp>
-    </p:spTree>
-    <p:extLst>
-      <p:ext uri="{BB962C8B-B14F-4D97-AF65-F5344CB8AC3E}">
-        <p14:creationId xmlns:p14="http://schemas.microsoft.com/office/powerpoint/2010/main" val="805185757"/>
-      </p:ext>
-    </p:extLst>
-  </p:cSld>
-  <p:clrMapOvr>
-    <a:masterClrMapping/>
-  </p:clrMapOvr>
-</p:sld>
-</file>
-
-<file path=ppt/slides/slide9.xml><?xml version="1.0" encoding="utf-8"?>
-<p:sld xmlns:a="http://schemas.openxmlformats.org/drawingml/2006/main" xmlns:r="http://schemas.openxmlformats.org/officeDocument/2006/relationships" xmlns:p="http://schemas.openxmlformats.org/presentationml/2006/main">
-  <p:cSld>
-    <p:spTree>
-      <p:nvGrpSpPr>
-        <p:cNvPr id="1" name=""/>
-        <p:cNvGrpSpPr/>
-        <p:nvPr/>
-      </p:nvGrpSpPr>
-      <p:grpSpPr>
-        <a:xfrm>
-          <a:off x="0" y="0"/>
-          <a:ext cx="0" cy="0"/>
-          <a:chOff x="0" y="0"/>
-          <a:chExt cx="0" cy="0"/>
-        </a:xfrm>
-      </p:grpSpPr>
-      <p:pic>
-        <p:nvPicPr>
-          <p:cNvPr id="4" name="Picture 3">
-            <a:extLst>
-              <a:ext uri="{FF2B5EF4-FFF2-40B4-BE49-F238E27FC236}">
-                <a16:creationId xmlns:a16="http://schemas.microsoft.com/office/drawing/2014/main" id="{2F582DBE-9929-5E40-A728-480F161BCC5B}"/>
-              </a:ext>
-            </a:extLst>
-          </p:cNvPr>
-          <p:cNvPicPr>
-            <a:picLocks noChangeAspect="1"/>
-          </p:cNvPicPr>
-          <p:nvPr/>
-        </p:nvPicPr>
-        <p:blipFill>
-          <a:blip r:embed="rId2">
-            <a:extLst>
-              <a:ext uri="{28A0092B-C50C-407E-A947-70E740481C1C}">
-                <a14:useLocalDpi xmlns:a14="http://schemas.microsoft.com/office/drawing/2010/main" val="0"/>
-              </a:ext>
-            </a:extLst>
-          </a:blip>
-          <a:stretch>
-            <a:fillRect/>
-          </a:stretch>
-        </p:blipFill>
-        <p:spPr>
-          <a:xfrm>
-            <a:off x="1905167" y="3218955"/>
-            <a:ext cx="2264076" cy="2264076"/>
-          </a:xfrm>
-          <a:prstGeom prst="rect">
-            <a:avLst/>
-          </a:prstGeom>
-        </p:spPr>
-      </p:pic>
-      <p:sp>
-        <p:nvSpPr>
-          <p:cNvPr id="5" name="TextBox 4">
-            <a:extLst>
-              <a:ext uri="{FF2B5EF4-FFF2-40B4-BE49-F238E27FC236}">
-                <a16:creationId xmlns:a16="http://schemas.microsoft.com/office/drawing/2014/main" id="{840EFD30-EBAD-8849-9AD0-E76AA614D7FB}"/>
-              </a:ext>
-            </a:extLst>
-          </p:cNvPr>
-          <p:cNvSpPr txBox="1"/>
-          <p:nvPr/>
-        </p:nvSpPr>
-        <p:spPr>
-          <a:xfrm>
-            <a:off x="4796726" y="4027827"/>
-            <a:ext cx="3416320" cy="646331"/>
-          </a:xfrm>
-          <a:prstGeom prst="rect">
-            <a:avLst/>
-          </a:prstGeom>
-          <a:noFill/>
-        </p:spPr>
-        <p:txBody>
-          <a:bodyPr wrap="none" rtlCol="0">
-            <a:spAutoFit/>
-          </a:bodyPr>
-          <a:lstStyle/>
-          <a:p>
-            <a:r>
-              <a:rPr lang="ja-JP" altLang="en-US"/>
-              <a:t>インターネットっぽいアイコン</a:t>
-            </a:r>
-            <a:endParaRPr lang="en-US" altLang="ja-JP" dirty="0"/>
-          </a:p>
-          <a:p>
-            <a:r>
-              <a:rPr lang="ja-JP" altLang="en-US"/>
-              <a:t>地球っぽい絵が欲しいです。</a:t>
-            </a:r>
-            <a:endParaRPr lang="en-US" altLang="ja-JP" dirty="0"/>
-          </a:p>
-        </p:txBody>
-      </p:sp>
-    </p:spTree>
-    <p:extLst>
-      <p:ext uri="{BB962C8B-B14F-4D97-AF65-F5344CB8AC3E}">
-        <p14:creationId xmlns:p14="http://schemas.microsoft.com/office/powerpoint/2010/main" val="3996371773"/>
+        <p14:creationId xmlns:p14="http://schemas.microsoft.com/office/powerpoint/2010/main" val="762523430"/>
       </p:ext>
     </p:extLst>
   </p:cSld>
